--- a/Module 1/Module 1 - Statistic of Data.pptx
+++ b/Module 1/Module 1 - Statistic of Data.pptx
@@ -5,10 +5,10 @@
     <p:sldMasterId id="2147483866" r:id="rId1"/>
   </p:sldMasterIdLst>
   <p:notesMasterIdLst>
-    <p:notesMasterId r:id="rId46"/>
+    <p:notesMasterId r:id="rId45"/>
   </p:notesMasterIdLst>
   <p:handoutMasterIdLst>
-    <p:handoutMasterId r:id="rId47"/>
+    <p:handoutMasterId r:id="rId46"/>
   </p:handoutMasterIdLst>
   <p:sldIdLst>
     <p:sldId id="430" r:id="rId2"/>
@@ -33,33 +33,32 @@
     <p:sldId id="732" r:id="rId21"/>
     <p:sldId id="733" r:id="rId22"/>
     <p:sldId id="762" r:id="rId23"/>
-    <p:sldId id="781" r:id="rId24"/>
-    <p:sldId id="735" r:id="rId25"/>
-    <p:sldId id="769" r:id="rId26"/>
-    <p:sldId id="738" r:id="rId27"/>
-    <p:sldId id="741" r:id="rId28"/>
-    <p:sldId id="739" r:id="rId29"/>
-    <p:sldId id="740" r:id="rId30"/>
-    <p:sldId id="764" r:id="rId31"/>
-    <p:sldId id="759" r:id="rId32"/>
-    <p:sldId id="744" r:id="rId33"/>
-    <p:sldId id="745" r:id="rId34"/>
-    <p:sldId id="746" r:id="rId35"/>
-    <p:sldId id="747" r:id="rId36"/>
-    <p:sldId id="758" r:id="rId37"/>
-    <p:sldId id="743" r:id="rId38"/>
-    <p:sldId id="770" r:id="rId39"/>
-    <p:sldId id="773" r:id="rId40"/>
-    <p:sldId id="771" r:id="rId41"/>
-    <p:sldId id="772" r:id="rId42"/>
-    <p:sldId id="754" r:id="rId43"/>
-    <p:sldId id="661" r:id="rId44"/>
-    <p:sldId id="516" r:id="rId45"/>
+    <p:sldId id="735" r:id="rId24"/>
+    <p:sldId id="769" r:id="rId25"/>
+    <p:sldId id="738" r:id="rId26"/>
+    <p:sldId id="758" r:id="rId27"/>
+    <p:sldId id="743" r:id="rId28"/>
+    <p:sldId id="770" r:id="rId29"/>
+    <p:sldId id="773" r:id="rId30"/>
+    <p:sldId id="771" r:id="rId31"/>
+    <p:sldId id="772" r:id="rId32"/>
+    <p:sldId id="754" r:id="rId33"/>
+    <p:sldId id="741" r:id="rId34"/>
+    <p:sldId id="739" r:id="rId35"/>
+    <p:sldId id="740" r:id="rId36"/>
+    <p:sldId id="764" r:id="rId37"/>
+    <p:sldId id="759" r:id="rId38"/>
+    <p:sldId id="744" r:id="rId39"/>
+    <p:sldId id="745" r:id="rId40"/>
+    <p:sldId id="746" r:id="rId41"/>
+    <p:sldId id="747" r:id="rId42"/>
+    <p:sldId id="661" r:id="rId43"/>
+    <p:sldId id="516" r:id="rId44"/>
   </p:sldIdLst>
   <p:sldSz cx="12192000" cy="6858000"/>
   <p:notesSz cx="6858000" cy="9144000"/>
   <p:custDataLst>
-    <p:tags r:id="rId48"/>
+    <p:tags r:id="rId47"/>
   </p:custDataLst>
   <p:defaultTextStyle>
     <a:defPPr>
@@ -21955,7 +21954,7 @@
           <a:p>
             <a:fld id="{3CA61830-C416-483F-955E-54203C65B711}" type="datetimeFigureOut">
               <a:rPr lang="en-US"/>
-              <a:t>8/10/2020</a:t>
+              <a:t>1/7/2021</a:t>
             </a:fld>
             <a:endParaRPr dirty="0"/>
           </a:p>
@@ -22275,7 +22274,7 @@
   <inkml:trace contextRef="#ctx0" brushRef="#br0" timeOffset="499.6">17004 847 0,'0'0'0,"0"35"32,0 124-1,70-106 16,1-89-16,-18-52 0,-35 88 1,-18 106-1,-71 53 0</inkml:trace>
   <inkml:trace contextRef="#ctx0" brushRef="#br0" timeOffset="665.78">17286 1217 0,'0'35'31,"-70"124"1,70-141-32</inkml:trace>
   <inkml:trace contextRef="#ctx0" brushRef="#br0" timeOffset="1032.7">17903 900 0,'-17'105'31,"17"72"16,70-160-16,1-52 1,-89-35-1,-123 70 0,141 35-15</inkml:trace>
-  <inkml:trace contextRef="#ctx0" brushRef="#br0" timeOffset="1198.87">18433 1164 0,'0'35'16,"0"71"15,35-18 0</inkml:trace>
+  <inkml:trace contextRef="#ctx0" brushRef="#br0" timeOffset="1198.86">18433 1164 0,'0'35'16,"0"71"15,35-18 0</inkml:trace>
   <inkml:trace contextRef="#ctx0" brushRef="#br0" timeOffset="2798.56">18856 829 0,'0'-35'0,"35"17"15,18-17 1,35 35 15,-70 0-31,35 70 31,-124 19 1,36-54-1,70-35 16,54 18-16,-89 34 0,-36-16 0,-70 17 1,106-36-17</inkml:trace>
   <inkml:trace contextRef="#ctx0" brushRef="#br0" timeOffset="2966.12">19438 1023 0,'0'71'31,"-18"34"1,-17-34-1</inkml:trace>
   <inkml:trace contextRef="#ctx0" brushRef="#br0" timeOffset="3397.81">19738 776 0,'-18'106'47,"1"17"-16,52-87 0,88-107 0,-105 18 1,-18 89-1,0 69 0,-53 1 16</inkml:trace>
@@ -22827,7 +22826,7 @@
                 <a:tabLst/>
                 <a:defRPr/>
               </a:pPr>
-              <a:t>25</a:t>
+              <a:t>24</a:t>
             </a:fld>
             <a:endParaRPr kumimoji="0" lang="en-US" sz="1000" b="0" i="0" u="none" strike="noStrike" kern="1200" cap="none" spc="0" normalizeH="0" baseline="0" noProof="0" dirty="0">
               <a:ln>
@@ -22976,7 +22975,7 @@
                 <a:tabLst/>
                 <a:defRPr/>
               </a:pPr>
-              <a:t>30</a:t>
+              <a:t>28</a:t>
             </a:fld>
             <a:endParaRPr kumimoji="0" lang="en-US" sz="1000" b="0" i="0" u="none" strike="noStrike" kern="1200" cap="none" spc="0" normalizeH="0" baseline="0" noProof="0" dirty="0">
               <a:ln>
@@ -22998,7 +22997,7 @@
     </p:spTree>
     <p:extLst>
       <p:ext uri="{BB962C8B-B14F-4D97-AF65-F5344CB8AC3E}">
-        <p14:creationId xmlns:p14="http://schemas.microsoft.com/office/powerpoint/2010/main" val="127235726"/>
+        <p14:creationId xmlns:p14="http://schemas.microsoft.com/office/powerpoint/2010/main" val="2134920002"/>
       </p:ext>
     </p:extLst>
   </p:cSld>
@@ -23125,7 +23124,7 @@
                 <a:tabLst/>
                 <a:defRPr/>
               </a:pPr>
-              <a:t>38</a:t>
+              <a:t>29</a:t>
             </a:fld>
             <a:endParaRPr kumimoji="0" lang="en-US" sz="1000" b="0" i="0" u="none" strike="noStrike" kern="1200" cap="none" spc="0" normalizeH="0" baseline="0" noProof="0" dirty="0">
               <a:ln>
@@ -23147,7 +23146,7 @@
     </p:spTree>
     <p:extLst>
       <p:ext uri="{BB962C8B-B14F-4D97-AF65-F5344CB8AC3E}">
-        <p14:creationId xmlns:p14="http://schemas.microsoft.com/office/powerpoint/2010/main" val="2134920002"/>
+        <p14:creationId xmlns:p14="http://schemas.microsoft.com/office/powerpoint/2010/main" val="3703263191"/>
       </p:ext>
     </p:extLst>
   </p:cSld>
@@ -23274,7 +23273,7 @@
                 <a:tabLst/>
                 <a:defRPr/>
               </a:pPr>
-              <a:t>39</a:t>
+              <a:t>30</a:t>
             </a:fld>
             <a:endParaRPr kumimoji="0" lang="en-US" sz="1000" b="0" i="0" u="none" strike="noStrike" kern="1200" cap="none" spc="0" normalizeH="0" baseline="0" noProof="0" dirty="0">
               <a:ln>
@@ -23296,7 +23295,7 @@
     </p:spTree>
     <p:extLst>
       <p:ext uri="{BB962C8B-B14F-4D97-AF65-F5344CB8AC3E}">
-        <p14:creationId xmlns:p14="http://schemas.microsoft.com/office/powerpoint/2010/main" val="3703263191"/>
+        <p14:creationId xmlns:p14="http://schemas.microsoft.com/office/powerpoint/2010/main" val="3615375895"/>
       </p:ext>
     </p:extLst>
   </p:cSld>
@@ -23423,7 +23422,7 @@
                 <a:tabLst/>
                 <a:defRPr/>
               </a:pPr>
-              <a:t>40</a:t>
+              <a:t>31</a:t>
             </a:fld>
             <a:endParaRPr kumimoji="0" lang="en-US" sz="1000" b="0" i="0" u="none" strike="noStrike" kern="1200" cap="none" spc="0" normalizeH="0" baseline="0" noProof="0" dirty="0">
               <a:ln>
@@ -23445,7 +23444,7 @@
     </p:spTree>
     <p:extLst>
       <p:ext uri="{BB962C8B-B14F-4D97-AF65-F5344CB8AC3E}">
-        <p14:creationId xmlns:p14="http://schemas.microsoft.com/office/powerpoint/2010/main" val="3615375895"/>
+        <p14:creationId xmlns:p14="http://schemas.microsoft.com/office/powerpoint/2010/main" val="2279639344"/>
       </p:ext>
     </p:extLst>
   </p:cSld>
@@ -23572,7 +23571,7 @@
                 <a:tabLst/>
                 <a:defRPr/>
               </a:pPr>
-              <a:t>41</a:t>
+              <a:t>36</a:t>
             </a:fld>
             <a:endParaRPr kumimoji="0" lang="en-US" sz="1000" b="0" i="0" u="none" strike="noStrike" kern="1200" cap="none" spc="0" normalizeH="0" baseline="0" noProof="0" dirty="0">
               <a:ln>
@@ -23594,7 +23593,7 @@
     </p:spTree>
     <p:extLst>
       <p:ext uri="{BB962C8B-B14F-4D97-AF65-F5344CB8AC3E}">
-        <p14:creationId xmlns:p14="http://schemas.microsoft.com/office/powerpoint/2010/main" val="2279639344"/>
+        <p14:creationId xmlns:p14="http://schemas.microsoft.com/office/powerpoint/2010/main" val="127235726"/>
       </p:ext>
     </p:extLst>
   </p:cSld>
@@ -25869,7 +25868,7 @@
             <a:fld id="{90298CD5-6C1E-4009-B41F-6DF62E31D3BE}" type="datetimeFigureOut">
               <a:rPr lang="en-US" smtClean="0"/>
               <a:pPr/>
-              <a:t>8/10/2020</a:t>
+              <a:t>1/7/2021</a:t>
             </a:fld>
             <a:endParaRPr lang="en-US" dirty="0"/>
           </a:p>
@@ -28905,8 +28904,27 @@
                 <a:ea typeface="+mj-ea"/>
                 <a:cs typeface="+mj-cs"/>
               </a:rPr>
-              <a:t>Statistic of Data</a:t>
+              <a:t>Applied Statistics </a:t>
             </a:r>
+            <a:r>
+              <a:rPr lang="en-US" sz="5400" kern="1200">
+                <a:solidFill>
+                  <a:srgbClr val="FFFFFF"/>
+                </a:solidFill>
+                <a:latin typeface="+mj-lt"/>
+                <a:ea typeface="+mj-ea"/>
+                <a:cs typeface="+mj-cs"/>
+              </a:rPr>
+              <a:t>with Python</a:t>
+            </a:r>
+            <a:endParaRPr lang="en-US" sz="5400" kern="1200" dirty="0">
+              <a:solidFill>
+                <a:srgbClr val="FFFFFF"/>
+              </a:solidFill>
+              <a:latin typeface="+mj-lt"/>
+              <a:ea typeface="+mj-ea"/>
+              <a:cs typeface="+mj-cs"/>
+            </a:endParaRPr>
           </a:p>
         </p:txBody>
       </p:sp>
@@ -34340,298 +34358,6 @@
       </p:grpSpPr>
       <p:sp>
         <p:nvSpPr>
-          <p:cNvPr id="9" name="Rectangle 8">
-            <a:extLst>
-              <a:ext uri="{FF2B5EF4-FFF2-40B4-BE49-F238E27FC236}">
-                <a16:creationId xmlns:a16="http://schemas.microsoft.com/office/drawing/2014/main" id="{867D4867-5BA7-4462-B2F6-A23F4A622AA7}"/>
-              </a:ext>
-              <a:ext uri="{C183D7F6-B498-43B3-948B-1728B52AA6E4}">
-                <adec:decorative xmlns:adec="http://schemas.microsoft.com/office/drawing/2017/decorative" val="1"/>
-              </a:ext>
-            </a:extLst>
-          </p:cNvPr>
-          <p:cNvSpPr>
-            <a:spLocks noGrp="1" noRot="1" noChangeAspect="1" noMove="1" noResize="1" noEditPoints="1" noAdjustHandles="1" noChangeArrowheads="1" noChangeShapeType="1" noTextEdit="1"/>
-          </p:cNvSpPr>
-          <p:nvPr>
-            <p:extLst>
-              <p:ext uri="{386F3935-93C4-4BCD-93E2-E3B085C9AB24}">
-                <p16:designElem xmlns:p16="http://schemas.microsoft.com/office/powerpoint/2015/main" val="1"/>
-              </p:ext>
-            </p:extLst>
-          </p:nvPr>
-        </p:nvSpPr>
-        <p:spPr>
-          <a:xfrm>
-            <a:off x="0" y="0"/>
-            <a:ext cx="4654296" cy="6858000"/>
-          </a:xfrm>
-          <a:prstGeom prst="rect">
-            <a:avLst/>
-          </a:prstGeom>
-          <a:solidFill>
-            <a:schemeClr val="tx1">
-              <a:lumMod val="75000"/>
-              <a:lumOff val="25000"/>
-            </a:schemeClr>
-          </a:solidFill>
-          <a:ln>
-            <a:noFill/>
-          </a:ln>
-        </p:spPr>
-        <p:style>
-          <a:lnRef idx="0">
-            <a:scrgbClr r="0" g="0" b="0"/>
-          </a:lnRef>
-          <a:fillRef idx="0">
-            <a:scrgbClr r="0" g="0" b="0"/>
-          </a:fillRef>
-          <a:effectRef idx="0">
-            <a:scrgbClr r="0" g="0" b="0"/>
-          </a:effectRef>
-          <a:fontRef idx="minor">
-            <a:schemeClr val="lt1"/>
-          </a:fontRef>
-        </p:style>
-        <p:txBody>
-          <a:bodyPr rtlCol="0" anchor="ctr"/>
-          <a:lstStyle/>
-          <a:p>
-            <a:pPr marL="0" marR="0" lvl="0" indent="0" algn="ctr" defTabSz="457200" rtl="0" eaLnBrk="1" fontAlgn="auto" latinLnBrk="0" hangingPunct="1">
-              <a:lnSpc>
-                <a:spcPct val="100000"/>
-              </a:lnSpc>
-              <a:spcBef>
-                <a:spcPts val="0"/>
-              </a:spcBef>
-              <a:spcAft>
-                <a:spcPts val="0"/>
-              </a:spcAft>
-              <a:buClrTx/>
-              <a:buSzTx/>
-              <a:buFontTx/>
-              <a:buNone/>
-              <a:tabLst/>
-              <a:defRPr/>
-            </a:pPr>
-            <a:endParaRPr kumimoji="0" lang="en-US" sz="1800" b="0" i="0" u="none" strike="noStrike" kern="1200" cap="none" spc="0" normalizeH="0" baseline="0" noProof="0">
-              <a:ln>
-                <a:noFill/>
-              </a:ln>
-              <a:solidFill>
-                <a:prstClr val="white"/>
-              </a:solidFill>
-              <a:effectLst/>
-              <a:uLnTx/>
-              <a:uFillTx/>
-              <a:latin typeface="Calibri" panose="020F0502020204030204"/>
-              <a:ea typeface="+mn-ea"/>
-              <a:cs typeface="+mn-cs"/>
-            </a:endParaRPr>
-          </a:p>
-        </p:txBody>
-      </p:sp>
-      <p:sp>
-        <p:nvSpPr>
-          <p:cNvPr id="2" name="Title 1">
-            <a:extLst>
-              <a:ext uri="{FF2B5EF4-FFF2-40B4-BE49-F238E27FC236}">
-                <a16:creationId xmlns:a16="http://schemas.microsoft.com/office/drawing/2014/main" id="{5005E636-3792-4621-95E3-6424E83B0191}"/>
-              </a:ext>
-            </a:extLst>
-          </p:cNvPr>
-          <p:cNvSpPr>
-            <a:spLocks noGrp="1"/>
-          </p:cNvSpPr>
-          <p:nvPr>
-            <p:ph type="title"/>
-          </p:nvPr>
-        </p:nvSpPr>
-        <p:spPr>
-          <a:xfrm>
-            <a:off x="643467" y="643467"/>
-            <a:ext cx="3363974" cy="1597315"/>
-          </a:xfrm>
-          <a:noFill/>
-          <a:ln w="19050">
-            <a:solidFill>
-              <a:schemeClr val="bg1"/>
-            </a:solidFill>
-          </a:ln>
-        </p:spPr>
-        <p:txBody>
-          <a:bodyPr vert="horz" wrap="square" lIns="91440" tIns="45720" rIns="91440" bIns="45720" rtlCol="0" anchor="ctr">
-            <a:normAutofit/>
-          </a:bodyPr>
-          <a:lstStyle/>
-          <a:p>
-            <a:pPr algn="ctr"/>
-            <a:r>
-              <a:rPr lang="en-US" sz="2800" b="1" kern="1200">
-                <a:solidFill>
-                  <a:schemeClr val="bg1"/>
-                </a:solidFill>
-                <a:latin typeface="+mj-lt"/>
-                <a:ea typeface="+mj-ea"/>
-                <a:cs typeface="+mj-cs"/>
-              </a:rPr>
-              <a:t>Empirical Rule</a:t>
-            </a:r>
-          </a:p>
-        </p:txBody>
-      </p:sp>
-      <p:sp>
-        <p:nvSpPr>
-          <p:cNvPr id="3" name="Content Placeholder 2">
-            <a:extLst>
-              <a:ext uri="{FF2B5EF4-FFF2-40B4-BE49-F238E27FC236}">
-                <a16:creationId xmlns:a16="http://schemas.microsoft.com/office/drawing/2014/main" id="{2A59F169-4D1C-48DB-BA51-2E43A902276E}"/>
-              </a:ext>
-            </a:extLst>
-          </p:cNvPr>
-          <p:cNvSpPr>
-            <a:spLocks noGrp="1"/>
-          </p:cNvSpPr>
-          <p:nvPr>
-            <p:ph idx="1"/>
-          </p:nvPr>
-        </p:nvSpPr>
-        <p:spPr>
-          <a:xfrm>
-            <a:off x="643468" y="2638044"/>
-            <a:ext cx="3363974" cy="3415622"/>
-          </a:xfrm>
-        </p:spPr>
-        <p:txBody>
-          <a:bodyPr vert="horz" lIns="91440" tIns="45720" rIns="91440" bIns="45720" rtlCol="0">
-            <a:normAutofit/>
-          </a:bodyPr>
-          <a:lstStyle/>
-          <a:p>
-            <a:endParaRPr lang="en-US" sz="2000">
-              <a:solidFill>
-                <a:schemeClr val="bg1"/>
-              </a:solidFill>
-            </a:endParaRPr>
-          </a:p>
-          <a:p>
-            <a:r>
-              <a:rPr lang="en-US" sz="2000">
-                <a:solidFill>
-                  <a:schemeClr val="bg1"/>
-                </a:solidFill>
-              </a:rPr>
-              <a:t>The empirical rule is an important rule of thumb that is used to state the approximate percentage of values that lie within a given number of standard deviations from the mean of a set of data if the data are normally distributed. </a:t>
-            </a:r>
-          </a:p>
-        </p:txBody>
-      </p:sp>
-      <p:pic>
-        <p:nvPicPr>
-          <p:cNvPr id="4" name="Picture 3">
-            <a:extLst>
-              <a:ext uri="{FF2B5EF4-FFF2-40B4-BE49-F238E27FC236}">
-                <a16:creationId xmlns:a16="http://schemas.microsoft.com/office/drawing/2014/main" id="{B0E7AC04-63D7-4CF2-90D9-8A6257A9AE50}"/>
-              </a:ext>
-            </a:extLst>
-          </p:cNvPr>
-          <p:cNvPicPr>
-            <a:picLocks noChangeAspect="1"/>
-          </p:cNvPicPr>
-          <p:nvPr/>
-        </p:nvPicPr>
-        <p:blipFill>
-          <a:blip r:embed="rId2"/>
-          <a:stretch>
-            <a:fillRect/>
-          </a:stretch>
-        </p:blipFill>
-        <p:spPr>
-          <a:xfrm>
-            <a:off x="5297763" y="2364070"/>
-            <a:ext cx="6250769" cy="1968992"/>
-          </a:xfrm>
-          <a:prstGeom prst="rect">
-            <a:avLst/>
-          </a:prstGeom>
-        </p:spPr>
-      </p:pic>
-      <p:pic>
-        <p:nvPicPr>
-          <p:cNvPr id="5" name="Picture 4" descr="A close up of a logo&#10;&#10;Description automatically generated">
-            <a:extLst>
-              <a:ext uri="{FF2B5EF4-FFF2-40B4-BE49-F238E27FC236}">
-                <a16:creationId xmlns:a16="http://schemas.microsoft.com/office/drawing/2014/main" id="{9C7D52EA-37CD-4509-AD02-F34DBC43C2B2}"/>
-              </a:ext>
-            </a:extLst>
-          </p:cNvPr>
-          <p:cNvPicPr>
-            <a:picLocks noChangeAspect="1"/>
-          </p:cNvPicPr>
-          <p:nvPr/>
-        </p:nvPicPr>
-        <p:blipFill>
-          <a:blip r:embed="rId3" cstate="print">
-            <a:extLst>
-              <a:ext uri="{28A0092B-C50C-407E-A947-70E740481C1C}">
-                <a14:useLocalDpi xmlns:a14="http://schemas.microsoft.com/office/drawing/2010/main" val="0"/>
-              </a:ext>
-            </a:extLst>
-          </a:blip>
-          <a:stretch>
-            <a:fillRect/>
-          </a:stretch>
-        </p:blipFill>
-        <p:spPr>
-          <a:xfrm>
-            <a:off x="5287948" y="6600642"/>
-            <a:ext cx="1616104" cy="230901"/>
-          </a:xfrm>
-          <a:prstGeom prst="rect">
-            <a:avLst/>
-          </a:prstGeom>
-        </p:spPr>
-      </p:pic>
-    </p:spTree>
-    <p:extLst>
-      <p:ext uri="{BB962C8B-B14F-4D97-AF65-F5344CB8AC3E}">
-        <p14:creationId xmlns:p14="http://schemas.microsoft.com/office/powerpoint/2010/main" val="705402691"/>
-      </p:ext>
-    </p:extLst>
-  </p:cSld>
-  <p:clrMapOvr>
-    <a:masterClrMapping/>
-  </p:clrMapOvr>
-</p:sld>
-</file>
-
-<file path=ppt/slides/slide24.xml><?xml version="1.0" encoding="utf-8"?>
-<p:sld xmlns:a="http://schemas.openxmlformats.org/drawingml/2006/main" xmlns:r="http://schemas.openxmlformats.org/officeDocument/2006/relationships" xmlns:p="http://schemas.openxmlformats.org/presentationml/2006/main">
-  <p:cSld>
-    <p:bg>
-      <p:bgPr>
-        <a:solidFill>
-          <a:schemeClr val="bg1"/>
-        </a:solidFill>
-        <a:effectLst/>
-      </p:bgPr>
-    </p:bg>
-    <p:spTree>
-      <p:nvGrpSpPr>
-        <p:cNvPr id="1" name=""/>
-        <p:cNvGrpSpPr/>
-        <p:nvPr/>
-      </p:nvGrpSpPr>
-      <p:grpSpPr>
-        <a:xfrm>
-          <a:off x="0" y="0"/>
-          <a:ext cx="0" cy="0"/>
-          <a:chOff x="0" y="0"/>
-          <a:chExt cx="0" cy="0"/>
-        </a:xfrm>
-      </p:grpSpPr>
-      <p:sp>
-        <p:nvSpPr>
           <p:cNvPr id="14" name="Down Arrow 7">
             <a:extLst>
               <a:ext uri="{FF2B5EF4-FFF2-40B4-BE49-F238E27FC236}">
@@ -34922,7 +34648,7 @@
 </p:sld>
 </file>
 
-<file path=ppt/slides/slide25.xml><?xml version="1.0" encoding="utf-8"?>
+<file path=ppt/slides/slide24.xml><?xml version="1.0" encoding="utf-8"?>
 <p:sld xmlns:a="http://schemas.openxmlformats.org/drawingml/2006/main" xmlns:r="http://schemas.openxmlformats.org/officeDocument/2006/relationships" xmlns:p="http://schemas.openxmlformats.org/presentationml/2006/main">
   <p:cSld>
     <p:bg>
@@ -35349,7 +35075,7 @@
 </p:sld>
 </file>
 
-<file path=ppt/slides/slide26.xml><?xml version="1.0" encoding="utf-8"?>
+<file path=ppt/slides/slide25.xml><?xml version="1.0" encoding="utf-8"?>
 <p:sld xmlns:a="http://schemas.openxmlformats.org/drawingml/2006/main" xmlns:r="http://schemas.openxmlformats.org/officeDocument/2006/relationships" xmlns:p="http://schemas.openxmlformats.org/presentationml/2006/main">
   <p:cSld>
     <p:bg>
@@ -35618,7 +35344,7 @@
 </p:sld>
 </file>
 
-<file path=ppt/slides/slide27.xml><?xml version="1.0" encoding="utf-8"?>
+<file path=ppt/slides/slide26.xml><?xml version="1.0" encoding="utf-8"?>
 <p:sld xmlns:a="http://schemas.openxmlformats.org/drawingml/2006/main" xmlns:r="http://schemas.openxmlformats.org/officeDocument/2006/relationships" xmlns:p="http://schemas.openxmlformats.org/presentationml/2006/main">
   <p:cSld>
     <p:bg>
@@ -35734,7 +35460,7 @@
                 <a:ea typeface="+mj-ea"/>
                 <a:cs typeface="+mj-cs"/>
               </a:rPr>
-              <a:t>Covariance</a:t>
+              <a:t>Kurtosis, Skewness</a:t>
             </a:r>
           </a:p>
         </p:txBody>
@@ -35905,7 +35631,7 @@
           <p:cNvPr id="3" name="Picture 2" descr="A close up of a logo&#10;&#10;Description automatically generated">
             <a:extLst>
               <a:ext uri="{FF2B5EF4-FFF2-40B4-BE49-F238E27FC236}">
-                <a16:creationId xmlns:a16="http://schemas.microsoft.com/office/drawing/2014/main" id="{BB76CA27-276A-4A4D-A0A3-F63F21185447}"/>
+                <a16:creationId xmlns:a16="http://schemas.microsoft.com/office/drawing/2014/main" id="{7FFB5DEB-BD94-4B1A-9F36-498FFB5295EF}"/>
               </a:ext>
             </a:extLst>
           </p:cNvPr>
@@ -35939,7 +35665,7 @@
     </p:spTree>
     <p:extLst>
       <p:ext uri="{BB962C8B-B14F-4D97-AF65-F5344CB8AC3E}">
-        <p14:creationId xmlns:p14="http://schemas.microsoft.com/office/powerpoint/2010/main" val="1765904669"/>
+        <p14:creationId xmlns:p14="http://schemas.microsoft.com/office/powerpoint/2010/main" val="1679314230"/>
       </p:ext>
     </p:extLst>
   </p:cSld>
@@ -35949,7 +35675,7 @@
 </p:sld>
 </file>
 
-<file path=ppt/slides/slide28.xml><?xml version="1.0" encoding="utf-8"?>
+<file path=ppt/slides/slide27.xml><?xml version="1.0" encoding="utf-8"?>
 <p:sld xmlns:a="http://schemas.openxmlformats.org/drawingml/2006/main" xmlns:r="http://schemas.openxmlformats.org/officeDocument/2006/relationships" xmlns:p="http://schemas.openxmlformats.org/presentationml/2006/main">
   <p:cSld>
     <p:bg>
@@ -36308,7 +36034,7 @@
                 <a:ea typeface="+mj-ea"/>
                 <a:cs typeface="+mj-cs"/>
               </a:rPr>
-              <a:t>Covariance</a:t>
+              <a:t>Skewness:- Lack of symmetry </a:t>
             </a:r>
           </a:p>
         </p:txBody>
@@ -36325,26 +36051,62 @@
         </p:nvSpPr>
         <p:spPr>
           <a:xfrm>
-            <a:off x="990600" y="3012928"/>
-            <a:ext cx="10210800" cy="2109445"/>
+            <a:off x="914400" y="3012928"/>
+            <a:ext cx="10363200" cy="2109445"/>
           </a:xfrm>
         </p:spPr>
         <p:txBody>
           <a:bodyPr vert="horz" lIns="91440" tIns="45720" rIns="91440" bIns="45720" rtlCol="0">
-            <a:normAutofit/>
+            <a:normAutofit lnSpcReduction="10000"/>
           </a:bodyPr>
           <a:lstStyle/>
           <a:p>
-            <a:pPr marL="0" indent="0">
-              <a:buNone/>
-            </a:pPr>
+            <a:pPr marL="0"/>
             <a:r>
               <a:rPr lang="en-US" sz="2400" dirty="0">
                 <a:solidFill>
                   <a:schemeClr val="tx2"/>
                 </a:solidFill>
               </a:rPr>
-              <a:t>A covariance refers to the measure of how two random variables will change together and is used to calculate the correlation between variables. In a finance context, covariance is the term used to describe how two stocks will move together. </a:t>
+              <a:t>It’s means it measure how far normal distributed data from symmetrical data. </a:t>
+            </a:r>
+          </a:p>
+          <a:p>
+            <a:pPr marL="0"/>
+            <a:endParaRPr lang="en-US" sz="2400" dirty="0">
+              <a:solidFill>
+                <a:schemeClr val="tx2"/>
+              </a:solidFill>
+            </a:endParaRPr>
+          </a:p>
+          <a:p>
+            <a:pPr marL="0"/>
+            <a:r>
+              <a:rPr lang="en-US" sz="2400" dirty="0">
+                <a:solidFill>
+                  <a:schemeClr val="tx2"/>
+                </a:solidFill>
+              </a:rPr>
+              <a:t>It’s give the idea about shape of data set.</a:t>
+            </a:r>
+          </a:p>
+          <a:p>
+            <a:pPr marL="0"/>
+            <a:endParaRPr lang="en-US" sz="2400" dirty="0">
+              <a:solidFill>
+                <a:schemeClr val="tx2"/>
+              </a:solidFill>
+            </a:endParaRPr>
+          </a:p>
+          <a:p>
+            <a:pPr marL="0"/>
+            <a:r>
+              <a:rPr lang="en-US" sz="2400" dirty="0">
+                <a:solidFill>
+                  <a:schemeClr val="tx2"/>
+                </a:solidFill>
+              </a:rPr>
+              <a:t>In symmetry distributed data both side from mean value data remain same. </a:t>
             </a:r>
           </a:p>
         </p:txBody>
@@ -36354,7 +36116,7 @@
           <p:cNvPr id="3" name="Picture 2" descr="A close up of a logo&#10;&#10;Description automatically generated">
             <a:extLst>
               <a:ext uri="{FF2B5EF4-FFF2-40B4-BE49-F238E27FC236}">
-                <a16:creationId xmlns:a16="http://schemas.microsoft.com/office/drawing/2014/main" id="{C6084527-CC8E-4940-8B6B-8FBEE8C7807B}"/>
+                <a16:creationId xmlns:a16="http://schemas.microsoft.com/office/drawing/2014/main" id="{D3F7818B-5FA6-4639-866B-A90306A78F57}"/>
               </a:ext>
             </a:extLst>
           </p:cNvPr>
@@ -36388,12 +36150,367 @@
     </p:spTree>
     <p:extLst>
       <p:ext uri="{BB962C8B-B14F-4D97-AF65-F5344CB8AC3E}">
-        <p14:creationId xmlns:p14="http://schemas.microsoft.com/office/powerpoint/2010/main" val="3382604914"/>
+        <p14:creationId xmlns:p14="http://schemas.microsoft.com/office/powerpoint/2010/main" val="1124821578"/>
       </p:ext>
     </p:extLst>
   </p:cSld>
   <p:clrMapOvr>
     <a:overrideClrMapping bg1="dk1" tx1="lt1" bg2="dk2" tx2="lt2" accent1="accent1" accent2="accent2" accent3="accent3" accent4="accent4" accent5="accent5" accent6="accent6" hlink="hlink" folHlink="folHlink"/>
+  </p:clrMapOvr>
+</p:sld>
+</file>
+
+<file path=ppt/slides/slide28.xml><?xml version="1.0" encoding="utf-8"?>
+<p:sld xmlns:a="http://schemas.openxmlformats.org/drawingml/2006/main" xmlns:r="http://schemas.openxmlformats.org/officeDocument/2006/relationships" xmlns:p="http://schemas.openxmlformats.org/presentationml/2006/main">
+  <p:cSld>
+    <p:bg>
+      <p:bgPr>
+        <a:solidFill>
+          <a:schemeClr val="bg1"/>
+        </a:solidFill>
+        <a:effectLst/>
+      </p:bgPr>
+    </p:bg>
+    <p:spTree>
+      <p:nvGrpSpPr>
+        <p:cNvPr id="1" name=""/>
+        <p:cNvGrpSpPr/>
+        <p:nvPr/>
+      </p:nvGrpSpPr>
+      <p:grpSpPr>
+        <a:xfrm>
+          <a:off x="0" y="0"/>
+          <a:ext cx="0" cy="0"/>
+          <a:chOff x="0" y="0"/>
+          <a:chExt cx="0" cy="0"/>
+        </a:xfrm>
+      </p:grpSpPr>
+      <p:sp>
+        <p:nvSpPr>
+          <p:cNvPr id="24" name="Down Arrow 7">
+            <a:extLst>
+              <a:ext uri="{FF2B5EF4-FFF2-40B4-BE49-F238E27FC236}">
+                <a16:creationId xmlns:a16="http://schemas.microsoft.com/office/drawing/2014/main" id="{73DE2CFE-42F2-48F0-8706-5264E012B10C}"/>
+              </a:ext>
+              <a:ext uri="{C183D7F6-B498-43B3-948B-1728B52AA6E4}">
+                <adec:decorative xmlns:adec="http://schemas.microsoft.com/office/drawing/2017/decorative" val="1"/>
+              </a:ext>
+            </a:extLst>
+          </p:cNvPr>
+          <p:cNvSpPr>
+            <a:spLocks noGrp="1" noRot="1" noChangeAspect="1" noMove="1" noResize="1" noEditPoints="1" noAdjustHandles="1" noChangeArrowheads="1" noChangeShapeType="1" noTextEdit="1"/>
+          </p:cNvSpPr>
+          <p:nvPr>
+            <p:extLst>
+              <p:ext uri="{386F3935-93C4-4BCD-93E2-E3B085C9AB24}">
+                <p16:designElem xmlns:p16="http://schemas.microsoft.com/office/powerpoint/2015/main" val="1"/>
+              </p:ext>
+            </p:extLst>
+          </p:nvPr>
+        </p:nvSpPr>
+        <p:spPr>
+          <a:xfrm rot="16200000">
+            <a:off x="5662795" y="-3745097"/>
+            <a:ext cx="1354979" cy="10750169"/>
+          </a:xfrm>
+          <a:prstGeom prst="downArrow">
+            <a:avLst>
+              <a:gd name="adj1" fmla="val 100000"/>
+              <a:gd name="adj2" fmla="val 22582"/>
+            </a:avLst>
+          </a:prstGeom>
+          <a:solidFill>
+            <a:srgbClr val="404040"/>
+          </a:solidFill>
+          <a:ln w="53975">
+            <a:noFill/>
+          </a:ln>
+        </p:spPr>
+        <p:style>
+          <a:lnRef idx="2">
+            <a:schemeClr val="accent1">
+              <a:shade val="50000"/>
+            </a:schemeClr>
+          </a:lnRef>
+          <a:fillRef idx="1">
+            <a:schemeClr val="accent1"/>
+          </a:fillRef>
+          <a:effectRef idx="0">
+            <a:schemeClr val="accent1"/>
+          </a:effectRef>
+          <a:fontRef idx="minor">
+            <a:schemeClr val="lt1"/>
+          </a:fontRef>
+        </p:style>
+        <p:txBody>
+          <a:bodyPr rtlCol="0" anchor="ctr"/>
+          <a:lstStyle/>
+          <a:p>
+            <a:pPr marL="0" marR="0" lvl="0" indent="0" algn="ctr" defTabSz="914400" rtl="0" eaLnBrk="1" fontAlgn="auto" latinLnBrk="0" hangingPunct="1">
+              <a:lnSpc>
+                <a:spcPct val="100000"/>
+              </a:lnSpc>
+              <a:spcBef>
+                <a:spcPts val="0"/>
+              </a:spcBef>
+              <a:spcAft>
+                <a:spcPts val="0"/>
+              </a:spcAft>
+              <a:buClrTx/>
+              <a:buSzTx/>
+              <a:buFontTx/>
+              <a:buNone/>
+              <a:tabLst/>
+              <a:defRPr/>
+            </a:pPr>
+            <a:endParaRPr kumimoji="0" lang="en-US" sz="1800" b="0" i="0" u="none" strike="noStrike" kern="1200" cap="none" spc="0" normalizeH="0" baseline="0" noProof="0">
+              <a:ln>
+                <a:noFill/>
+              </a:ln>
+              <a:solidFill>
+                <a:prstClr val="white"/>
+              </a:solidFill>
+              <a:effectLst/>
+              <a:uLnTx/>
+              <a:uFillTx/>
+              <a:latin typeface="Calibri" panose="020F0502020204030204"/>
+              <a:ea typeface="+mn-ea"/>
+              <a:cs typeface="+mn-cs"/>
+            </a:endParaRPr>
+          </a:p>
+        </p:txBody>
+      </p:sp>
+      <p:sp>
+        <p:nvSpPr>
+          <p:cNvPr id="2" name="Title 1"/>
+          <p:cNvSpPr>
+            <a:spLocks noGrp="1"/>
+          </p:cNvSpPr>
+          <p:nvPr>
+            <p:ph type="title"/>
+          </p:nvPr>
+        </p:nvSpPr>
+        <p:spPr>
+          <a:xfrm>
+            <a:off x="1286932" y="1204109"/>
+            <a:ext cx="10023398" cy="857894"/>
+          </a:xfrm>
+        </p:spPr>
+        <p:txBody>
+          <a:bodyPr vert="horz" lIns="91440" tIns="45720" rIns="91440" bIns="45720" rtlCol="0" anchor="ctr">
+            <a:normAutofit/>
+          </a:bodyPr>
+          <a:lstStyle/>
+          <a:p>
+            <a:r>
+              <a:rPr lang="en-US" sz="4000" dirty="0">
+                <a:solidFill>
+                  <a:srgbClr val="FFFFFF"/>
+                </a:solidFill>
+              </a:rPr>
+              <a:t>Normal Distribution or 0 skewness</a:t>
+            </a:r>
+            <a:endParaRPr lang="en-US" sz="4000" kern="1200" dirty="0">
+              <a:solidFill>
+                <a:srgbClr val="FFFFFF"/>
+              </a:solidFill>
+              <a:latin typeface="+mj-lt"/>
+              <a:ea typeface="+mj-ea"/>
+              <a:cs typeface="+mj-cs"/>
+            </a:endParaRPr>
+          </a:p>
+        </p:txBody>
+      </p:sp>
+      <p:sp>
+        <p:nvSpPr>
+          <p:cNvPr id="4" name="Content Placeholder 3"/>
+          <p:cNvSpPr>
+            <a:spLocks noGrp="1"/>
+          </p:cNvSpPr>
+          <p:nvPr>
+            <p:ph idx="1"/>
+          </p:nvPr>
+        </p:nvSpPr>
+        <p:spPr>
+          <a:xfrm>
+            <a:off x="1286930" y="2962451"/>
+            <a:ext cx="6256870" cy="2820012"/>
+          </a:xfrm>
+        </p:spPr>
+        <p:txBody>
+          <a:bodyPr vert="horz" lIns="91440" tIns="45720" rIns="91440" bIns="45720" rtlCol="0">
+            <a:normAutofit/>
+          </a:bodyPr>
+          <a:lstStyle/>
+          <a:p>
+            <a:pPr marL="0" indent="0">
+              <a:buNone/>
+            </a:pPr>
+            <a:r>
+              <a:rPr lang="en-US" dirty="0">
+                <a:latin typeface="+mj-lt"/>
+              </a:rPr>
+              <a:t>In this case </a:t>
+            </a:r>
+          </a:p>
+          <a:p>
+            <a:pPr marL="0" indent="0">
+              <a:buNone/>
+            </a:pPr>
+            <a:r>
+              <a:rPr lang="en-US" dirty="0">
+                <a:latin typeface="+mj-lt"/>
+              </a:rPr>
+              <a:t>Mean=Median=Mode=0</a:t>
+            </a:r>
+          </a:p>
+          <a:p>
+            <a:pPr marL="0" indent="0">
+              <a:buNone/>
+            </a:pPr>
+            <a:endParaRPr lang="en-US" dirty="0">
+              <a:latin typeface="+mj-lt"/>
+            </a:endParaRPr>
+          </a:p>
+          <a:p>
+            <a:pPr marL="0" indent="0">
+              <a:buNone/>
+            </a:pPr>
+            <a:r>
+              <a:rPr lang="en-US" dirty="0">
+                <a:solidFill>
+                  <a:srgbClr val="000000"/>
+                </a:solidFill>
+                <a:latin typeface="+mj-lt"/>
+              </a:rPr>
+              <a:t>Normal distribution</a:t>
+            </a:r>
+            <a:r>
+              <a:rPr lang="en-US" dirty="0">
+                <a:latin typeface="+mj-lt"/>
+              </a:rPr>
+              <a:t> </a:t>
+            </a:r>
+            <a:r>
+              <a:rPr lang="en-US" dirty="0">
+                <a:solidFill>
+                  <a:srgbClr val="000000"/>
+                </a:solidFill>
+                <a:latin typeface="+mj-lt"/>
+              </a:rPr>
+              <a:t>Symmetrical</a:t>
+            </a:r>
+            <a:br>
+              <a:rPr lang="en-US" dirty="0">
+                <a:latin typeface="+mj-lt"/>
+              </a:rPr>
+            </a:br>
+            <a:r>
+              <a:rPr lang="en-US" dirty="0">
+                <a:solidFill>
+                  <a:srgbClr val="000000"/>
+                </a:solidFill>
+                <a:latin typeface="+mj-lt"/>
+              </a:rPr>
+              <a:t>Skewness = 0</a:t>
+            </a:r>
+            <a:endParaRPr lang="en-US" dirty="0">
+              <a:latin typeface="+mj-lt"/>
+            </a:endParaRPr>
+          </a:p>
+          <a:p>
+            <a:pPr marL="0" indent="0">
+              <a:buNone/>
+            </a:pPr>
+            <a:endParaRPr lang="en-US" dirty="0">
+              <a:latin typeface="+mj-lt"/>
+            </a:endParaRPr>
+          </a:p>
+          <a:p>
+            <a:pPr marL="0" indent="0">
+              <a:buNone/>
+            </a:pPr>
+            <a:endParaRPr lang="en-IN" dirty="0">
+              <a:latin typeface="+mj-lt"/>
+            </a:endParaRPr>
+          </a:p>
+        </p:txBody>
+      </p:sp>
+      <p:pic>
+        <p:nvPicPr>
+          <p:cNvPr id="7" name="Content Placeholder 4">
+            <a:extLst>
+              <a:ext uri="{FF2B5EF4-FFF2-40B4-BE49-F238E27FC236}">
+                <a16:creationId xmlns:a16="http://schemas.microsoft.com/office/drawing/2014/main" id="{6420F317-C588-47C1-8335-24081C9E2788}"/>
+              </a:ext>
+            </a:extLst>
+          </p:cNvPr>
+          <p:cNvPicPr>
+            <a:picLocks noChangeAspect="1"/>
+          </p:cNvPicPr>
+          <p:nvPr/>
+        </p:nvPicPr>
+        <p:blipFill>
+          <a:blip r:embed="rId3"/>
+          <a:stretch>
+            <a:fillRect/>
+          </a:stretch>
+        </p:blipFill>
+        <p:spPr>
+          <a:xfrm>
+            <a:off x="7162800" y="3048000"/>
+            <a:ext cx="3306994" cy="1962150"/>
+          </a:xfrm>
+          <a:prstGeom prst="rect">
+            <a:avLst/>
+          </a:prstGeom>
+        </p:spPr>
+      </p:pic>
+      <p:pic>
+        <p:nvPicPr>
+          <p:cNvPr id="3" name="Picture 2" descr="A close up of a logo&#10;&#10;Description automatically generated">
+            <a:extLst>
+              <a:ext uri="{FF2B5EF4-FFF2-40B4-BE49-F238E27FC236}">
+                <a16:creationId xmlns:a16="http://schemas.microsoft.com/office/drawing/2014/main" id="{94D6F18D-1005-4CDA-A269-E2BA62452809}"/>
+              </a:ext>
+            </a:extLst>
+          </p:cNvPr>
+          <p:cNvPicPr>
+            <a:picLocks noChangeAspect="1"/>
+          </p:cNvPicPr>
+          <p:nvPr/>
+        </p:nvPicPr>
+        <p:blipFill>
+          <a:blip r:embed="rId4" cstate="print">
+            <a:extLst>
+              <a:ext uri="{28A0092B-C50C-407E-A947-70E740481C1C}">
+                <a14:useLocalDpi xmlns:a14="http://schemas.microsoft.com/office/drawing/2010/main" val="0"/>
+              </a:ext>
+            </a:extLst>
+          </a:blip>
+          <a:stretch>
+            <a:fillRect/>
+          </a:stretch>
+        </p:blipFill>
+        <p:spPr>
+          <a:xfrm>
+            <a:off x="5287948" y="6600642"/>
+            <a:ext cx="1616104" cy="230901"/>
+          </a:xfrm>
+          <a:prstGeom prst="rect">
+            <a:avLst/>
+          </a:prstGeom>
+        </p:spPr>
+      </p:pic>
+    </p:spTree>
+    <p:extLst>
+      <p:ext uri="{BB962C8B-B14F-4D97-AF65-F5344CB8AC3E}">
+        <p14:creationId xmlns:p14="http://schemas.microsoft.com/office/powerpoint/2010/main" val="355249524"/>
+      </p:ext>
+    </p:extLst>
+  </p:cSld>
+  <p:clrMapOvr>
+    <a:masterClrMapping/>
   </p:clrMapOvr>
 </p:sld>
 </file>
@@ -36425,10 +36542,10 @@
       </p:grpSpPr>
       <p:sp>
         <p:nvSpPr>
-          <p:cNvPr id="11" name="Rectangle 10">
+          <p:cNvPr id="24" name="Down Arrow 7">
             <a:extLst>
               <a:ext uri="{FF2B5EF4-FFF2-40B4-BE49-F238E27FC236}">
-                <a16:creationId xmlns:a16="http://schemas.microsoft.com/office/drawing/2014/main" id="{08E89D5E-1885-4160-AC77-CC471DD1D0DB}"/>
+                <a16:creationId xmlns:a16="http://schemas.microsoft.com/office/drawing/2014/main" id="{73DE2CFE-42F2-48F0-8706-5264E012B10C}"/>
               </a:ext>
               <a:ext uri="{C183D7F6-B498-43B3-948B-1728B52AA6E4}">
                 <adec:decorative xmlns:adec="http://schemas.microsoft.com/office/drawing/2017/decorative" val="1"/>
@@ -36447,14 +36564,20 @@
           </p:nvPr>
         </p:nvSpPr>
         <p:spPr>
-          <a:xfrm>
-            <a:off x="0" y="0"/>
-            <a:ext cx="4636008" cy="6858000"/>
+          <a:xfrm rot="16200000">
+            <a:off x="5662795" y="-3745097"/>
+            <a:ext cx="1354979" cy="10750169"/>
           </a:xfrm>
-          <a:prstGeom prst="rect">
-            <a:avLst/>
+          <a:prstGeom prst="downArrow">
+            <a:avLst>
+              <a:gd name="adj1" fmla="val 100000"/>
+              <a:gd name="adj2" fmla="val 22582"/>
+            </a:avLst>
           </a:prstGeom>
-          <a:ln>
+          <a:solidFill>
+            <a:srgbClr val="404040"/>
+          </a:solidFill>
+          <a:ln w="53975">
             <a:noFill/>
           </a:ln>
         </p:spPr>
@@ -36478,8 +36601,37 @@
           <a:bodyPr rtlCol="0" anchor="ctr"/>
           <a:lstStyle/>
           <a:p>
-            <a:pPr algn="ctr"/>
-            <a:endParaRPr lang="en-US"/>
+            <a:pPr marL="0" marR="0" lvl="0" indent="0" algn="ctr" defTabSz="914400" rtl="0" eaLnBrk="1" fontAlgn="auto" latinLnBrk="0" hangingPunct="1">
+              <a:lnSpc>
+                <a:spcPct val="100000"/>
+              </a:lnSpc>
+              <a:spcBef>
+                <a:spcPts val="0"/>
+              </a:spcBef>
+              <a:spcAft>
+                <a:spcPts val="0"/>
+              </a:spcAft>
+              <a:buClrTx/>
+              <a:buSzTx/>
+              <a:buFontTx/>
+              <a:buNone/>
+              <a:tabLst/>
+              <a:defRPr/>
+            </a:pPr>
+            <a:endParaRPr kumimoji="0" lang="en-US" sz="1800" b="0" i="0" u="none" strike="noStrike" kern="1200" cap="none" spc="0" normalizeH="0" baseline="0" noProof="0">
+              <a:ln>
+                <a:noFill/>
+              </a:ln>
+              <a:solidFill>
+                <a:prstClr val="white"/>
+              </a:solidFill>
+              <a:effectLst/>
+              <a:uLnTx/>
+              <a:uFillTx/>
+              <a:latin typeface="Calibri" panose="020F0502020204030204"/>
+              <a:ea typeface="+mn-ea"/>
+              <a:cs typeface="+mn-cs"/>
+            </a:endParaRPr>
           </a:p>
         </p:txBody>
       </p:sp>
@@ -36495,8 +36647,8 @@
         </p:nvSpPr>
         <p:spPr>
           <a:xfrm>
-            <a:off x="943277" y="712269"/>
-            <a:ext cx="3370998" cy="5502264"/>
+            <a:off x="1286932" y="1204109"/>
+            <a:ext cx="10023398" cy="857894"/>
           </a:xfrm>
         </p:spPr>
         <p:txBody>
@@ -36506,110 +36658,132 @@
           <a:lstStyle/>
           <a:p>
             <a:r>
-              <a:rPr lang="en-US" sz="4400" kern="1200">
+              <a:rPr lang="en-US" sz="4000" dirty="0">
                 <a:solidFill>
                   <a:srgbClr val="FFFFFF"/>
                 </a:solidFill>
+              </a:rPr>
+              <a:t>Negative Skewness</a:t>
+            </a:r>
+            <a:endParaRPr lang="en-US" sz="4000" kern="1200" dirty="0">
+              <a:solidFill>
+                <a:srgbClr val="FFFFFF"/>
+              </a:solidFill>
+              <a:latin typeface="+mj-lt"/>
+              <a:ea typeface="+mj-ea"/>
+              <a:cs typeface="+mj-cs"/>
+            </a:endParaRPr>
+          </a:p>
+        </p:txBody>
+      </p:sp>
+      <p:sp>
+        <p:nvSpPr>
+          <p:cNvPr id="4" name="Content Placeholder 3"/>
+          <p:cNvSpPr>
+            <a:spLocks noGrp="1"/>
+          </p:cNvSpPr>
+          <p:nvPr>
+            <p:ph idx="1"/>
+          </p:nvPr>
+        </p:nvSpPr>
+        <p:spPr>
+          <a:xfrm>
+            <a:off x="1286930" y="2559090"/>
+            <a:ext cx="5266270" cy="3223373"/>
+          </a:xfrm>
+        </p:spPr>
+        <p:txBody>
+          <a:bodyPr vert="horz" lIns="91440" tIns="45720" rIns="91440" bIns="45720" rtlCol="0">
+            <a:normAutofit fontScale="70000" lnSpcReduction="20000"/>
+          </a:bodyPr>
+          <a:lstStyle/>
+          <a:p>
+            <a:pPr marL="0" indent="0">
+              <a:buNone/>
+            </a:pPr>
+            <a:r>
+              <a:rPr lang="en-US" dirty="0">
                 <a:latin typeface="+mj-lt"/>
-                <a:ea typeface="+mj-ea"/>
-                <a:cs typeface="+mj-cs"/>
               </a:rPr>
-              <a:t>Positive, Negative and Zero Covariance</a:t>
+              <a:t>A left-skewed distribution has a long left tail. </a:t>
+            </a:r>
+          </a:p>
+          <a:p>
+            <a:pPr marL="0" indent="0">
+              <a:buNone/>
+            </a:pPr>
+            <a:endParaRPr lang="en-US" dirty="0">
+              <a:latin typeface="+mj-lt"/>
+            </a:endParaRPr>
+          </a:p>
+          <a:p>
+            <a:pPr marL="0" indent="0">
+              <a:buNone/>
+            </a:pPr>
+            <a:r>
+              <a:rPr lang="en-US" dirty="0">
+                <a:latin typeface="+mj-lt"/>
+              </a:rPr>
+              <a:t>Left-skewed distributions are also called negatively-skewed distributions. </a:t>
+            </a:r>
+          </a:p>
+          <a:p>
+            <a:pPr marL="0" indent="0">
+              <a:buNone/>
+            </a:pPr>
+            <a:endParaRPr lang="en-US" dirty="0">
+              <a:latin typeface="+mj-lt"/>
+            </a:endParaRPr>
+          </a:p>
+          <a:p>
+            <a:pPr marL="0" indent="0">
+              <a:buNone/>
+            </a:pPr>
+            <a:r>
+              <a:rPr lang="en-US" dirty="0">
+                <a:latin typeface="+mj-lt"/>
+              </a:rPr>
+              <a:t>That’s because there is a long tail in the negative direction on the number line.</a:t>
+            </a:r>
+          </a:p>
+          <a:p>
+            <a:pPr marL="0" indent="0">
+              <a:buNone/>
+            </a:pPr>
+            <a:endParaRPr lang="en-US" dirty="0">
+              <a:latin typeface="+mj-lt"/>
+            </a:endParaRPr>
+          </a:p>
+          <a:p>
+            <a:pPr marL="0" indent="0">
+              <a:buNone/>
+            </a:pPr>
+            <a:r>
+              <a:rPr lang="en-US" dirty="0">
+                <a:latin typeface="+mj-lt"/>
+              </a:rPr>
+              <a:t>In this case </a:t>
+            </a:r>
+          </a:p>
+          <a:p>
+            <a:pPr marL="0" indent="0">
+              <a:buNone/>
+            </a:pPr>
+            <a:r>
+              <a:rPr lang="en-US" dirty="0">
+                <a:latin typeface="+mj-lt"/>
+              </a:rPr>
+              <a:t>Mode&gt;Median&gt;mean</a:t>
             </a:r>
           </a:p>
         </p:txBody>
       </p:sp>
-      <p:cxnSp>
-        <p:nvCxnSpPr>
-          <p:cNvPr id="13" name="Straight Connector 12">
+      <p:pic>
+        <p:nvPicPr>
+          <p:cNvPr id="8" name="Picture 7">
             <a:extLst>
               <a:ext uri="{FF2B5EF4-FFF2-40B4-BE49-F238E27FC236}">
-                <a16:creationId xmlns:a16="http://schemas.microsoft.com/office/drawing/2014/main" id="{550D2BD1-98F9-412D-905B-3A843EF4078B}"/>
-              </a:ext>
-              <a:ext uri="{C183D7F6-B498-43B3-948B-1728B52AA6E4}">
-                <adec:decorative xmlns:adec="http://schemas.microsoft.com/office/drawing/2017/decorative" val="1"/>
-              </a:ext>
-            </a:extLst>
-          </p:cNvPr>
-          <p:cNvCxnSpPr>
-            <a:cxnSpLocks noGrp="1" noRot="1" noChangeAspect="1" noMove="1" noResize="1" noEditPoints="1" noAdjustHandles="1" noChangeArrowheads="1" noChangeShapeType="1"/>
-          </p:cNvCxnSpPr>
-          <p:nvPr>
-            <p:extLst>
-              <p:ext uri="{386F3935-93C4-4BCD-93E2-E3B085C9AB24}">
-                <p16:designElem xmlns:p16="http://schemas.microsoft.com/office/powerpoint/2015/main" val="1"/>
-              </p:ext>
-            </p:extLst>
-          </p:nvPr>
-        </p:nvCxnSpPr>
-        <p:spPr>
-          <a:xfrm flipV="1">
-            <a:off x="762000" y="2971800"/>
-            <a:ext cx="0" cy="914400"/>
-          </a:xfrm>
-          <a:prstGeom prst="line">
-            <a:avLst/>
-          </a:prstGeom>
-          <a:ln w="19050">
-            <a:solidFill>
-              <a:srgbClr val="FFFFFF">
-                <a:alpha val="80000"/>
-              </a:srgbClr>
-            </a:solidFill>
-          </a:ln>
-        </p:spPr>
-        <p:style>
-          <a:lnRef idx="1">
-            <a:schemeClr val="accent1"/>
-          </a:lnRef>
-          <a:fillRef idx="0">
-            <a:schemeClr val="accent1"/>
-          </a:fillRef>
-          <a:effectRef idx="0">
-            <a:schemeClr val="accent1"/>
-          </a:effectRef>
-          <a:fontRef idx="minor">
-            <a:schemeClr val="tx1"/>
-          </a:fontRef>
-        </p:style>
-      </p:cxnSp>
-      <p:graphicFrame>
-        <p:nvGraphicFramePr>
-          <p:cNvPr id="6" name="Content Placeholder 3">
-            <a:extLst>
-              <a:ext uri="{FF2B5EF4-FFF2-40B4-BE49-F238E27FC236}">
-                <a16:creationId xmlns:a16="http://schemas.microsoft.com/office/drawing/2014/main" id="{256A1056-2CE1-4CFD-B79C-CE3BE1ECDD65}"/>
-              </a:ext>
-            </a:extLst>
-          </p:cNvPr>
-          <p:cNvGraphicFramePr>
-            <a:graphicFrameLocks noGrp="1"/>
-          </p:cNvGraphicFramePr>
-          <p:nvPr>
-            <p:ph idx="1"/>
-            <p:extLst>
-              <p:ext uri="{D42A27DB-BD31-4B8C-83A1-F6EECF244321}">
-                <p14:modId xmlns:p14="http://schemas.microsoft.com/office/powerpoint/2010/main" val="1103366854"/>
-              </p:ext>
-            </p:extLst>
-          </p:nvPr>
-        </p:nvGraphicFramePr>
-        <p:xfrm>
-          <a:off x="5280025" y="642938"/>
-          <a:ext cx="6269038" cy="5572125"/>
-        </p:xfrm>
-        <a:graphic>
-          <a:graphicData uri="http://schemas.openxmlformats.org/drawingml/2006/diagram">
-            <dgm:relIds xmlns:dgm="http://schemas.openxmlformats.org/drawingml/2006/diagram" xmlns:r="http://schemas.openxmlformats.org/officeDocument/2006/relationships" r:dm="rId2" r:lo="rId3" r:qs="rId4" r:cs="rId5"/>
-          </a:graphicData>
-        </a:graphic>
-      </p:graphicFrame>
-      <p:pic>
-        <p:nvPicPr>
-          <p:cNvPr id="3" name="Picture 2" descr="A close up of a logo&#10;&#10;Description automatically generated">
-            <a:extLst>
-              <a:ext uri="{FF2B5EF4-FFF2-40B4-BE49-F238E27FC236}">
-                <a16:creationId xmlns:a16="http://schemas.microsoft.com/office/drawing/2014/main" id="{21C8505E-006D-4B4C-B6EB-DF8FD002CA27}"/>
+                <a16:creationId xmlns:a16="http://schemas.microsoft.com/office/drawing/2014/main" id="{089046EB-69D8-4F8A-BDCC-B3FF01E482DA}"/>
               </a:ext>
             </a:extLst>
           </p:cNvPr>
@@ -36619,7 +36793,71 @@
           <p:nvPr/>
         </p:nvPicPr>
         <p:blipFill>
-          <a:blip r:embed="rId7" cstate="print">
+          <a:blip r:embed="rId3"/>
+          <a:stretch>
+            <a:fillRect/>
+          </a:stretch>
+        </p:blipFill>
+        <p:spPr>
+          <a:xfrm>
+            <a:off x="6842657" y="2792459"/>
+            <a:ext cx="4062413" cy="2426542"/>
+          </a:xfrm>
+          <a:prstGeom prst="rect">
+            <a:avLst/>
+          </a:prstGeom>
+        </p:spPr>
+      </p:pic>
+      <p:sp>
+        <p:nvSpPr>
+          <p:cNvPr id="9" name="Rectangle 8">
+            <a:extLst>
+              <a:ext uri="{FF2B5EF4-FFF2-40B4-BE49-F238E27FC236}">
+                <a16:creationId xmlns:a16="http://schemas.microsoft.com/office/drawing/2014/main" id="{C80C8666-728A-44A9-895C-85E019FDAEEC}"/>
+              </a:ext>
+            </a:extLst>
+          </p:cNvPr>
+          <p:cNvSpPr/>
+          <p:nvPr/>
+        </p:nvSpPr>
+        <p:spPr>
+          <a:xfrm>
+            <a:off x="6835399" y="5163482"/>
+            <a:ext cx="4572000" cy="707886"/>
+          </a:xfrm>
+          <a:prstGeom prst="rect">
+            <a:avLst/>
+          </a:prstGeom>
+        </p:spPr>
+        <p:txBody>
+          <a:bodyPr>
+            <a:spAutoFit/>
+          </a:bodyPr>
+          <a:lstStyle/>
+          <a:p>
+            <a:r>
+              <a:rPr lang="en-US" sz="2000" dirty="0"/>
+              <a:t>Negatively skewed distribution or Skewed to the left Skewness &lt;0</a:t>
+            </a:r>
+          </a:p>
+        </p:txBody>
+      </p:sp>
+      <p:pic>
+        <p:nvPicPr>
+          <p:cNvPr id="3" name="Picture 2" descr="A close up of a logo&#10;&#10;Description automatically generated">
+            <a:extLst>
+              <a:ext uri="{FF2B5EF4-FFF2-40B4-BE49-F238E27FC236}">
+                <a16:creationId xmlns:a16="http://schemas.microsoft.com/office/drawing/2014/main" id="{3E8E4B35-F35A-4FAB-A329-91A0412A9DED}"/>
+              </a:ext>
+            </a:extLst>
+          </p:cNvPr>
+          <p:cNvPicPr>
+            <a:picLocks noChangeAspect="1"/>
+          </p:cNvPicPr>
+          <p:nvPr/>
+        </p:nvPicPr>
+        <p:blipFill>
+          <a:blip r:embed="rId4" cstate="print">
             <a:extLst>
               <a:ext uri="{28A0092B-C50C-407E-A947-70E740481C1C}">
                 <a14:useLocalDpi xmlns:a14="http://schemas.microsoft.com/office/drawing/2010/main" val="0"/>
@@ -36643,7 +36881,7 @@
     </p:spTree>
     <p:extLst>
       <p:ext uri="{BB962C8B-B14F-4D97-AF65-F5344CB8AC3E}">
-        <p14:creationId xmlns:p14="http://schemas.microsoft.com/office/powerpoint/2010/main" val="3103490381"/>
+        <p14:creationId xmlns:p14="http://schemas.microsoft.com/office/powerpoint/2010/main" val="3435290505"/>
       </p:ext>
     </p:extLst>
   </p:cSld>
@@ -37169,6 +37407,2143 @@
                   <a:srgbClr val="FFFFFF"/>
                 </a:solidFill>
               </a:rPr>
+              <a:t>Positive Skewness</a:t>
+            </a:r>
+            <a:endParaRPr lang="en-US" sz="4000" kern="1200" dirty="0">
+              <a:solidFill>
+                <a:srgbClr val="FFFFFF"/>
+              </a:solidFill>
+              <a:latin typeface="+mj-lt"/>
+              <a:ea typeface="+mj-ea"/>
+              <a:cs typeface="+mj-cs"/>
+            </a:endParaRPr>
+          </a:p>
+        </p:txBody>
+      </p:sp>
+      <p:sp>
+        <p:nvSpPr>
+          <p:cNvPr id="4" name="Content Placeholder 3"/>
+          <p:cNvSpPr>
+            <a:spLocks noGrp="1"/>
+          </p:cNvSpPr>
+          <p:nvPr>
+            <p:ph idx="1"/>
+          </p:nvPr>
+        </p:nvSpPr>
+        <p:spPr>
+          <a:xfrm>
+            <a:off x="1286930" y="2559090"/>
+            <a:ext cx="6256870" cy="3223373"/>
+          </a:xfrm>
+        </p:spPr>
+        <p:txBody>
+          <a:bodyPr vert="horz" lIns="91440" tIns="45720" rIns="91440" bIns="45720" rtlCol="0">
+            <a:normAutofit fontScale="70000" lnSpcReduction="20000"/>
+          </a:bodyPr>
+          <a:lstStyle/>
+          <a:p>
+            <a:pPr marL="0" indent="0">
+              <a:buNone/>
+            </a:pPr>
+            <a:r>
+              <a:rPr lang="en-US" dirty="0">
+                <a:latin typeface="+mj-lt"/>
+              </a:rPr>
+              <a:t>A right-skewed distribution has a long right tail.</a:t>
+            </a:r>
+          </a:p>
+          <a:p>
+            <a:pPr marL="0" indent="0">
+              <a:buNone/>
+            </a:pPr>
+            <a:r>
+              <a:rPr lang="en-US" dirty="0">
+                <a:latin typeface="+mj-lt"/>
+              </a:rPr>
+              <a:t> </a:t>
+            </a:r>
+          </a:p>
+          <a:p>
+            <a:pPr marL="0" indent="0">
+              <a:buNone/>
+            </a:pPr>
+            <a:r>
+              <a:rPr lang="en-US" dirty="0">
+                <a:latin typeface="+mj-lt"/>
+              </a:rPr>
+              <a:t>Right-skewed distributions are also called positive-skew distributions. </a:t>
+            </a:r>
+          </a:p>
+          <a:p>
+            <a:pPr marL="0" indent="0">
+              <a:buNone/>
+            </a:pPr>
+            <a:endParaRPr lang="en-US" dirty="0">
+              <a:latin typeface="+mj-lt"/>
+            </a:endParaRPr>
+          </a:p>
+          <a:p>
+            <a:pPr marL="0" indent="0">
+              <a:buNone/>
+            </a:pPr>
+            <a:r>
+              <a:rPr lang="en-US" dirty="0">
+                <a:latin typeface="+mj-lt"/>
+              </a:rPr>
+              <a:t>That’s because there is a long tail in the positive direction on the number line. </a:t>
+            </a:r>
+          </a:p>
+          <a:p>
+            <a:pPr marL="0" indent="0">
+              <a:buNone/>
+            </a:pPr>
+            <a:endParaRPr lang="en-US" dirty="0">
+              <a:latin typeface="+mj-lt"/>
+            </a:endParaRPr>
+          </a:p>
+          <a:p>
+            <a:pPr marL="0" indent="0">
+              <a:buNone/>
+            </a:pPr>
+            <a:r>
+              <a:rPr lang="en-US" dirty="0">
+                <a:latin typeface="+mj-lt"/>
+              </a:rPr>
+              <a:t>In this case</a:t>
+            </a:r>
+          </a:p>
+          <a:p>
+            <a:pPr marL="0" indent="0">
+              <a:buNone/>
+            </a:pPr>
+            <a:r>
+              <a:rPr lang="en-US" dirty="0">
+                <a:latin typeface="+mj-lt"/>
+              </a:rPr>
+              <a:t>Mean&gt;Median&gt;Mode</a:t>
+            </a:r>
+          </a:p>
+        </p:txBody>
+      </p:sp>
+      <p:pic>
+        <p:nvPicPr>
+          <p:cNvPr id="8" name="Picture 7">
+            <a:extLst>
+              <a:ext uri="{FF2B5EF4-FFF2-40B4-BE49-F238E27FC236}">
+                <a16:creationId xmlns:a16="http://schemas.microsoft.com/office/drawing/2014/main" id="{C3C6242D-5739-4173-8343-3194F97F2769}"/>
+              </a:ext>
+            </a:extLst>
+          </p:cNvPr>
+          <p:cNvPicPr>
+            <a:picLocks noChangeAspect="1"/>
+          </p:cNvPicPr>
+          <p:nvPr/>
+        </p:nvPicPr>
+        <p:blipFill>
+          <a:blip r:embed="rId3"/>
+          <a:stretch>
+            <a:fillRect/>
+          </a:stretch>
+        </p:blipFill>
+        <p:spPr>
+          <a:xfrm>
+            <a:off x="7394498" y="2895600"/>
+            <a:ext cx="4111702" cy="2150492"/>
+          </a:xfrm>
+          <a:prstGeom prst="rect">
+            <a:avLst/>
+          </a:prstGeom>
+        </p:spPr>
+      </p:pic>
+      <p:sp>
+        <p:nvSpPr>
+          <p:cNvPr id="9" name="Rectangle 8">
+            <a:extLst>
+              <a:ext uri="{FF2B5EF4-FFF2-40B4-BE49-F238E27FC236}">
+                <a16:creationId xmlns:a16="http://schemas.microsoft.com/office/drawing/2014/main" id="{7F0A8335-0016-4036-A666-CABD6E22FC50}"/>
+              </a:ext>
+            </a:extLst>
+          </p:cNvPr>
+          <p:cNvSpPr/>
+          <p:nvPr/>
+        </p:nvSpPr>
+        <p:spPr>
+          <a:xfrm>
+            <a:off x="7535315" y="5046092"/>
+            <a:ext cx="3754985" cy="646331"/>
+          </a:xfrm>
+          <a:prstGeom prst="rect">
+            <a:avLst/>
+          </a:prstGeom>
+        </p:spPr>
+        <p:txBody>
+          <a:bodyPr wrap="square">
+            <a:spAutoFit/>
+          </a:bodyPr>
+          <a:lstStyle/>
+          <a:p>
+            <a:r>
+              <a:rPr lang="en-US" dirty="0"/>
+              <a:t>Positively skewed distribution or Skewed to the right Skewness &gt; 0</a:t>
+            </a:r>
+          </a:p>
+        </p:txBody>
+      </p:sp>
+      <p:pic>
+        <p:nvPicPr>
+          <p:cNvPr id="3" name="Picture 2" descr="A close up of a logo&#10;&#10;Description automatically generated">
+            <a:extLst>
+              <a:ext uri="{FF2B5EF4-FFF2-40B4-BE49-F238E27FC236}">
+                <a16:creationId xmlns:a16="http://schemas.microsoft.com/office/drawing/2014/main" id="{D327FFC5-44B1-4875-AA65-F7CEC13A8ECF}"/>
+              </a:ext>
+            </a:extLst>
+          </p:cNvPr>
+          <p:cNvPicPr>
+            <a:picLocks noChangeAspect="1"/>
+          </p:cNvPicPr>
+          <p:nvPr/>
+        </p:nvPicPr>
+        <p:blipFill>
+          <a:blip r:embed="rId4" cstate="print">
+            <a:extLst>
+              <a:ext uri="{28A0092B-C50C-407E-A947-70E740481C1C}">
+                <a14:useLocalDpi xmlns:a14="http://schemas.microsoft.com/office/drawing/2010/main" val="0"/>
+              </a:ext>
+            </a:extLst>
+          </a:blip>
+          <a:stretch>
+            <a:fillRect/>
+          </a:stretch>
+        </p:blipFill>
+        <p:spPr>
+          <a:xfrm>
+            <a:off x="5287948" y="6600642"/>
+            <a:ext cx="1616104" cy="230901"/>
+          </a:xfrm>
+          <a:prstGeom prst="rect">
+            <a:avLst/>
+          </a:prstGeom>
+        </p:spPr>
+      </p:pic>
+    </p:spTree>
+    <p:extLst>
+      <p:ext uri="{BB962C8B-B14F-4D97-AF65-F5344CB8AC3E}">
+        <p14:creationId xmlns:p14="http://schemas.microsoft.com/office/powerpoint/2010/main" val="88670029"/>
+      </p:ext>
+    </p:extLst>
+  </p:cSld>
+  <p:clrMapOvr>
+    <a:masterClrMapping/>
+  </p:clrMapOvr>
+</p:sld>
+</file>
+
+<file path=ppt/slides/slide31.xml><?xml version="1.0" encoding="utf-8"?>
+<p:sld xmlns:a="http://schemas.openxmlformats.org/drawingml/2006/main" xmlns:r="http://schemas.openxmlformats.org/officeDocument/2006/relationships" xmlns:p="http://schemas.openxmlformats.org/presentationml/2006/main">
+  <p:cSld>
+    <p:bg>
+      <p:bgPr>
+        <a:solidFill>
+          <a:schemeClr val="bg1"/>
+        </a:solidFill>
+        <a:effectLst/>
+      </p:bgPr>
+    </p:bg>
+    <p:spTree>
+      <p:nvGrpSpPr>
+        <p:cNvPr id="1" name=""/>
+        <p:cNvGrpSpPr/>
+        <p:nvPr/>
+      </p:nvGrpSpPr>
+      <p:grpSpPr>
+        <a:xfrm>
+          <a:off x="0" y="0"/>
+          <a:ext cx="0" cy="0"/>
+          <a:chOff x="0" y="0"/>
+          <a:chExt cx="0" cy="0"/>
+        </a:xfrm>
+      </p:grpSpPr>
+      <p:sp>
+        <p:nvSpPr>
+          <p:cNvPr id="24" name="Down Arrow 7">
+            <a:extLst>
+              <a:ext uri="{FF2B5EF4-FFF2-40B4-BE49-F238E27FC236}">
+                <a16:creationId xmlns:a16="http://schemas.microsoft.com/office/drawing/2014/main" id="{73DE2CFE-42F2-48F0-8706-5264E012B10C}"/>
+              </a:ext>
+              <a:ext uri="{C183D7F6-B498-43B3-948B-1728B52AA6E4}">
+                <adec:decorative xmlns:adec="http://schemas.microsoft.com/office/drawing/2017/decorative" val="1"/>
+              </a:ext>
+            </a:extLst>
+          </p:cNvPr>
+          <p:cNvSpPr>
+            <a:spLocks noGrp="1" noRot="1" noChangeAspect="1" noMove="1" noResize="1" noEditPoints="1" noAdjustHandles="1" noChangeArrowheads="1" noChangeShapeType="1" noTextEdit="1"/>
+          </p:cNvSpPr>
+          <p:nvPr>
+            <p:extLst>
+              <p:ext uri="{386F3935-93C4-4BCD-93E2-E3B085C9AB24}">
+                <p16:designElem xmlns:p16="http://schemas.microsoft.com/office/powerpoint/2015/main" val="1"/>
+              </p:ext>
+            </p:extLst>
+          </p:nvPr>
+        </p:nvSpPr>
+        <p:spPr>
+          <a:xfrm rot="16200000">
+            <a:off x="5662795" y="-3745097"/>
+            <a:ext cx="1354979" cy="10750169"/>
+          </a:xfrm>
+          <a:prstGeom prst="downArrow">
+            <a:avLst>
+              <a:gd name="adj1" fmla="val 100000"/>
+              <a:gd name="adj2" fmla="val 22582"/>
+            </a:avLst>
+          </a:prstGeom>
+          <a:solidFill>
+            <a:srgbClr val="404040"/>
+          </a:solidFill>
+          <a:ln w="53975">
+            <a:noFill/>
+          </a:ln>
+        </p:spPr>
+        <p:style>
+          <a:lnRef idx="2">
+            <a:schemeClr val="accent1">
+              <a:shade val="50000"/>
+            </a:schemeClr>
+          </a:lnRef>
+          <a:fillRef idx="1">
+            <a:schemeClr val="accent1"/>
+          </a:fillRef>
+          <a:effectRef idx="0">
+            <a:schemeClr val="accent1"/>
+          </a:effectRef>
+          <a:fontRef idx="minor">
+            <a:schemeClr val="lt1"/>
+          </a:fontRef>
+        </p:style>
+        <p:txBody>
+          <a:bodyPr rtlCol="0" anchor="ctr"/>
+          <a:lstStyle/>
+          <a:p>
+            <a:pPr marL="0" marR="0" lvl="0" indent="0" algn="ctr" defTabSz="914400" rtl="0" eaLnBrk="1" fontAlgn="auto" latinLnBrk="0" hangingPunct="1">
+              <a:lnSpc>
+                <a:spcPct val="100000"/>
+              </a:lnSpc>
+              <a:spcBef>
+                <a:spcPts val="0"/>
+              </a:spcBef>
+              <a:spcAft>
+                <a:spcPts val="0"/>
+              </a:spcAft>
+              <a:buClrTx/>
+              <a:buSzTx/>
+              <a:buFontTx/>
+              <a:buNone/>
+              <a:tabLst/>
+              <a:defRPr/>
+            </a:pPr>
+            <a:endParaRPr kumimoji="0" lang="en-US" sz="1800" b="0" i="0" u="none" strike="noStrike" kern="1200" cap="none" spc="0" normalizeH="0" baseline="0" noProof="0">
+              <a:ln>
+                <a:noFill/>
+              </a:ln>
+              <a:solidFill>
+                <a:prstClr val="white"/>
+              </a:solidFill>
+              <a:effectLst/>
+              <a:uLnTx/>
+              <a:uFillTx/>
+              <a:latin typeface="Calibri" panose="020F0502020204030204"/>
+              <a:ea typeface="+mn-ea"/>
+              <a:cs typeface="+mn-cs"/>
+            </a:endParaRPr>
+          </a:p>
+        </p:txBody>
+      </p:sp>
+      <p:sp>
+        <p:nvSpPr>
+          <p:cNvPr id="2" name="Title 1"/>
+          <p:cNvSpPr>
+            <a:spLocks noGrp="1"/>
+          </p:cNvSpPr>
+          <p:nvPr>
+            <p:ph type="title"/>
+          </p:nvPr>
+        </p:nvSpPr>
+        <p:spPr>
+          <a:xfrm>
+            <a:off x="1286932" y="1204109"/>
+            <a:ext cx="10023398" cy="857894"/>
+          </a:xfrm>
+        </p:spPr>
+        <p:txBody>
+          <a:bodyPr vert="horz" lIns="91440" tIns="45720" rIns="91440" bIns="45720" rtlCol="0" anchor="ctr">
+            <a:normAutofit/>
+          </a:bodyPr>
+          <a:lstStyle/>
+          <a:p>
+            <a:r>
+              <a:rPr lang="en-US" sz="4000">
+                <a:solidFill>
+                  <a:srgbClr val="FFFFFF"/>
+                </a:solidFill>
+              </a:rPr>
+              <a:t>Calculation:- Coefficient of skewness</a:t>
+            </a:r>
+            <a:endParaRPr lang="en-US" sz="4000" kern="1200" dirty="0">
+              <a:solidFill>
+                <a:srgbClr val="FFFFFF"/>
+              </a:solidFill>
+              <a:latin typeface="+mj-lt"/>
+              <a:ea typeface="+mj-ea"/>
+              <a:cs typeface="+mj-cs"/>
+            </a:endParaRPr>
+          </a:p>
+        </p:txBody>
+      </p:sp>
+      <mc:AlternateContent xmlns:mc="http://schemas.openxmlformats.org/markup-compatibility/2006" xmlns:a14="http://schemas.microsoft.com/office/drawing/2010/main">
+        <mc:Choice Requires="a14">
+          <p:sp>
+            <p:nvSpPr>
+              <p:cNvPr id="4" name="Content Placeholder 3"/>
+              <p:cNvSpPr>
+                <a:spLocks noGrp="1"/>
+              </p:cNvSpPr>
+              <p:nvPr>
+                <p:ph idx="1"/>
+              </p:nvPr>
+            </p:nvSpPr>
+            <p:spPr>
+              <a:xfrm>
+                <a:off x="1286930" y="2559090"/>
+                <a:ext cx="9533470" cy="3460710"/>
+              </a:xfrm>
+            </p:spPr>
+            <p:txBody>
+              <a:bodyPr vert="horz" lIns="91440" tIns="45720" rIns="91440" bIns="45720" rtlCol="0">
+                <a:normAutofit fontScale="77500" lnSpcReduction="20000"/>
+              </a:bodyPr>
+              <a:lstStyle/>
+              <a:p>
+                <a:pPr marL="0" indent="0">
+                  <a:buNone/>
+                </a:pPr>
+                <a:r>
+                  <a:rPr lang="en-US" dirty="0"/>
+                  <a:t>Karl Pearson method </a:t>
+                </a:r>
+              </a:p>
+              <a:p>
+                <a:pPr marL="0" indent="0">
+                  <a:buNone/>
+                </a:pPr>
+                <a:endParaRPr lang="en-US" dirty="0"/>
+              </a:p>
+              <a:p>
+                <a:pPr marL="0" indent="0">
+                  <a:buNone/>
+                </a:pPr>
+                <a:endParaRPr lang="en-US" dirty="0"/>
+              </a:p>
+              <a:p>
+                <a:pPr marL="0" indent="0">
+                  <a:buNone/>
+                </a:pPr>
+                <a:endParaRPr lang="en-US" dirty="0"/>
+              </a:p>
+              <a:p>
+                <a:pPr marL="0" indent="0">
+                  <a:buNone/>
+                </a:pPr>
+                <a:r>
+                  <a:rPr lang="en-US" dirty="0"/>
+                  <a:t>Where   </a:t>
+                </a:r>
+                <a14:m>
+                  <m:oMath xmlns:m="http://schemas.openxmlformats.org/officeDocument/2006/math">
+                    <m:acc>
+                      <m:accPr>
+                        <m:chr m:val="̅"/>
+                        <m:ctrlPr>
+                          <a:rPr lang="en-US" i="1" smtClean="0">
+                            <a:latin typeface="Cambria Math" panose="02040503050406030204" pitchFamily="18" charset="0"/>
+                          </a:rPr>
+                        </m:ctrlPr>
+                      </m:accPr>
+                      <m:e>
+                        <m:r>
+                          <a:rPr lang="en-IN" b="0" i="1" smtClean="0">
+                            <a:latin typeface="Cambria Math" panose="02040503050406030204" pitchFamily="18" charset="0"/>
+                          </a:rPr>
+                          <m:t>𝑥</m:t>
+                        </m:r>
+                      </m:e>
+                    </m:acc>
+                  </m:oMath>
+                </a14:m>
+                <a:r>
+                  <a:rPr lang="en-US" dirty="0"/>
+                  <a:t>   = the mean, Mo = the mode and s = the standard deviation for the sample.</a:t>
+                </a:r>
+              </a:p>
+              <a:p>
+                <a:pPr marL="0" indent="0">
+                  <a:buNone/>
+                </a:pPr>
+                <a:endParaRPr lang="en-US" dirty="0"/>
+              </a:p>
+              <a:p>
+                <a:pPr marL="0" indent="0">
+                  <a:buNone/>
+                </a:pPr>
+                <a:endParaRPr lang="en-US" dirty="0"/>
+              </a:p>
+              <a:p>
+                <a:pPr marL="0" indent="0">
+                  <a:buNone/>
+                </a:pPr>
+                <a:r>
+                  <a:rPr lang="en-US" dirty="0"/>
+                  <a:t>Where </a:t>
+                </a:r>
+                <a14:m>
+                  <m:oMath xmlns:m="http://schemas.openxmlformats.org/officeDocument/2006/math">
+                    <m:acc>
+                      <m:accPr>
+                        <m:chr m:val="̅"/>
+                        <m:ctrlPr>
+                          <a:rPr lang="en-US" i="1">
+                            <a:latin typeface="Cambria Math" panose="02040503050406030204" pitchFamily="18" charset="0"/>
+                          </a:rPr>
+                        </m:ctrlPr>
+                      </m:accPr>
+                      <m:e>
+                        <m:r>
+                          <a:rPr lang="en-IN" i="1">
+                            <a:latin typeface="Cambria Math" panose="02040503050406030204" pitchFamily="18" charset="0"/>
+                          </a:rPr>
+                          <m:t>𝑥</m:t>
+                        </m:r>
+                      </m:e>
+                    </m:acc>
+                  </m:oMath>
+                </a14:m>
+                <a:r>
+                  <a:rPr lang="en-US" dirty="0"/>
+                  <a:t>    = the mean, Mo = the mode and s = the standard deviation for the sample.</a:t>
+                </a:r>
+              </a:p>
+            </p:txBody>
+          </p:sp>
+        </mc:Choice>
+        <mc:Fallback xmlns="">
+          <p:sp>
+            <p:nvSpPr>
+              <p:cNvPr id="4" name="Content Placeholder 3"/>
+              <p:cNvSpPr>
+                <a:spLocks noGrp="1" noRot="1" noChangeAspect="1" noMove="1" noResize="1" noEditPoints="1" noAdjustHandles="1" noChangeArrowheads="1" noChangeShapeType="1" noTextEdit="1"/>
+              </p:cNvSpPr>
+              <p:nvPr>
+                <p:ph idx="1"/>
+              </p:nvPr>
+            </p:nvSpPr>
+            <p:spPr>
+              <a:xfrm>
+                <a:off x="1286930" y="2559090"/>
+                <a:ext cx="9533470" cy="3460710"/>
+              </a:xfrm>
+              <a:blipFill>
+                <a:blip r:embed="rId3"/>
+                <a:stretch>
+                  <a:fillRect l="-831" t="-3697"/>
+                </a:stretch>
+              </a:blipFill>
+            </p:spPr>
+            <p:txBody>
+              <a:bodyPr/>
+              <a:lstStyle/>
+              <a:p>
+                <a:r>
+                  <a:rPr lang="en-IN">
+                    <a:noFill/>
+                  </a:rPr>
+                  <a:t> </a:t>
+                </a:r>
+              </a:p>
+            </p:txBody>
+          </p:sp>
+        </mc:Fallback>
+      </mc:AlternateContent>
+      <p:pic>
+        <p:nvPicPr>
+          <p:cNvPr id="8" name="Picture 7">
+            <a:extLst>
+              <a:ext uri="{FF2B5EF4-FFF2-40B4-BE49-F238E27FC236}">
+                <a16:creationId xmlns:a16="http://schemas.microsoft.com/office/drawing/2014/main" id="{16900056-9AB2-47F8-919B-3D142EB5E765}"/>
+              </a:ext>
+            </a:extLst>
+          </p:cNvPr>
+          <p:cNvPicPr>
+            <a:picLocks noChangeAspect="1"/>
+          </p:cNvPicPr>
+          <p:nvPr/>
+        </p:nvPicPr>
+        <p:blipFill>
+          <a:blip r:embed="rId4"/>
+          <a:stretch>
+            <a:fillRect/>
+          </a:stretch>
+        </p:blipFill>
+        <p:spPr>
+          <a:xfrm>
+            <a:off x="4409822" y="2776537"/>
+            <a:ext cx="1905000" cy="926757"/>
+          </a:xfrm>
+          <a:prstGeom prst="rect">
+            <a:avLst/>
+          </a:prstGeom>
+        </p:spPr>
+      </p:pic>
+      <p:pic>
+        <p:nvPicPr>
+          <p:cNvPr id="9" name="Picture 8">
+            <a:extLst>
+              <a:ext uri="{FF2B5EF4-FFF2-40B4-BE49-F238E27FC236}">
+                <a16:creationId xmlns:a16="http://schemas.microsoft.com/office/drawing/2014/main" id="{15775F23-ABFB-4B88-B223-A02CAC480776}"/>
+              </a:ext>
+            </a:extLst>
+          </p:cNvPr>
+          <p:cNvPicPr>
+            <a:picLocks noChangeAspect="1"/>
+          </p:cNvPicPr>
+          <p:nvPr/>
+        </p:nvPicPr>
+        <p:blipFill>
+          <a:blip r:embed="rId5"/>
+          <a:stretch>
+            <a:fillRect/>
+          </a:stretch>
+        </p:blipFill>
+        <p:spPr>
+          <a:xfrm>
+            <a:off x="4562223" y="4529137"/>
+            <a:ext cx="1990977" cy="804863"/>
+          </a:xfrm>
+          <a:prstGeom prst="rect">
+            <a:avLst/>
+          </a:prstGeom>
+        </p:spPr>
+      </p:pic>
+      <p:pic>
+        <p:nvPicPr>
+          <p:cNvPr id="3" name="Picture 2" descr="A close up of a logo&#10;&#10;Description automatically generated">
+            <a:extLst>
+              <a:ext uri="{FF2B5EF4-FFF2-40B4-BE49-F238E27FC236}">
+                <a16:creationId xmlns:a16="http://schemas.microsoft.com/office/drawing/2014/main" id="{70AA75BC-639C-4C38-8579-61E0CF9F318A}"/>
+              </a:ext>
+            </a:extLst>
+          </p:cNvPr>
+          <p:cNvPicPr>
+            <a:picLocks noChangeAspect="1"/>
+          </p:cNvPicPr>
+          <p:nvPr/>
+        </p:nvPicPr>
+        <p:blipFill>
+          <a:blip r:embed="rId6" cstate="print">
+            <a:extLst>
+              <a:ext uri="{28A0092B-C50C-407E-A947-70E740481C1C}">
+                <a14:useLocalDpi xmlns:a14="http://schemas.microsoft.com/office/drawing/2010/main" val="0"/>
+              </a:ext>
+            </a:extLst>
+          </a:blip>
+          <a:stretch>
+            <a:fillRect/>
+          </a:stretch>
+        </p:blipFill>
+        <p:spPr>
+          <a:xfrm>
+            <a:off x="5287948" y="6600642"/>
+            <a:ext cx="1616104" cy="230901"/>
+          </a:xfrm>
+          <a:prstGeom prst="rect">
+            <a:avLst/>
+          </a:prstGeom>
+        </p:spPr>
+      </p:pic>
+    </p:spTree>
+    <p:extLst>
+      <p:ext uri="{BB962C8B-B14F-4D97-AF65-F5344CB8AC3E}">
+        <p14:creationId xmlns:p14="http://schemas.microsoft.com/office/powerpoint/2010/main" val="2346013727"/>
+      </p:ext>
+    </p:extLst>
+  </p:cSld>
+  <p:clrMapOvr>
+    <a:masterClrMapping/>
+  </p:clrMapOvr>
+</p:sld>
+</file>
+
+<file path=ppt/slides/slide32.xml><?xml version="1.0" encoding="utf-8"?>
+<p:sld xmlns:a="http://schemas.openxmlformats.org/drawingml/2006/main" xmlns:r="http://schemas.openxmlformats.org/officeDocument/2006/relationships" xmlns:p="http://schemas.openxmlformats.org/presentationml/2006/main">
+  <p:cSld>
+    <p:bg>
+      <p:bgPr>
+        <a:solidFill>
+          <a:schemeClr val="bg1"/>
+        </a:solidFill>
+        <a:effectLst/>
+      </p:bgPr>
+    </p:bg>
+    <p:spTree>
+      <p:nvGrpSpPr>
+        <p:cNvPr id="1" name=""/>
+        <p:cNvGrpSpPr/>
+        <p:nvPr/>
+      </p:nvGrpSpPr>
+      <p:grpSpPr>
+        <a:xfrm>
+          <a:off x="0" y="0"/>
+          <a:ext cx="0" cy="0"/>
+          <a:chOff x="0" y="0"/>
+          <a:chExt cx="0" cy="0"/>
+        </a:xfrm>
+      </p:grpSpPr>
+      <p:sp>
+        <p:nvSpPr>
+          <p:cNvPr id="10" name="Rectangle 9">
+            <a:extLst>
+              <a:ext uri="{FF2B5EF4-FFF2-40B4-BE49-F238E27FC236}">
+                <a16:creationId xmlns:a16="http://schemas.microsoft.com/office/drawing/2014/main" id="{867D4867-5BA7-4462-B2F6-A23F4A622AA7}"/>
+              </a:ext>
+              <a:ext uri="{C183D7F6-B498-43B3-948B-1728B52AA6E4}">
+                <adec:decorative xmlns:adec="http://schemas.microsoft.com/office/drawing/2017/decorative" val="1"/>
+              </a:ext>
+            </a:extLst>
+          </p:cNvPr>
+          <p:cNvSpPr>
+            <a:spLocks noGrp="1" noRot="1" noChangeAspect="1" noMove="1" noResize="1" noEditPoints="1" noAdjustHandles="1" noChangeArrowheads="1" noChangeShapeType="1" noTextEdit="1"/>
+          </p:cNvSpPr>
+          <p:nvPr>
+            <p:extLst>
+              <p:ext uri="{386F3935-93C4-4BCD-93E2-E3B085C9AB24}">
+                <p16:designElem xmlns:p16="http://schemas.microsoft.com/office/powerpoint/2015/main" val="1"/>
+              </p:ext>
+            </p:extLst>
+          </p:nvPr>
+        </p:nvSpPr>
+        <p:spPr>
+          <a:xfrm>
+            <a:off x="0" y="0"/>
+            <a:ext cx="4654296" cy="6858000"/>
+          </a:xfrm>
+          <a:prstGeom prst="rect">
+            <a:avLst/>
+          </a:prstGeom>
+          <a:solidFill>
+            <a:schemeClr val="tx1">
+              <a:lumMod val="75000"/>
+              <a:lumOff val="25000"/>
+            </a:schemeClr>
+          </a:solidFill>
+          <a:ln>
+            <a:noFill/>
+          </a:ln>
+        </p:spPr>
+        <p:style>
+          <a:lnRef idx="0">
+            <a:scrgbClr r="0" g="0" b="0"/>
+          </a:lnRef>
+          <a:fillRef idx="0">
+            <a:scrgbClr r="0" g="0" b="0"/>
+          </a:fillRef>
+          <a:effectRef idx="0">
+            <a:scrgbClr r="0" g="0" b="0"/>
+          </a:effectRef>
+          <a:fontRef idx="minor">
+            <a:schemeClr val="lt1"/>
+          </a:fontRef>
+        </p:style>
+        <p:txBody>
+          <a:bodyPr rtlCol="0" anchor="ctr"/>
+          <a:lstStyle/>
+          <a:p>
+            <a:pPr algn="ctr"/>
+            <a:endParaRPr lang="en-US"/>
+          </a:p>
+        </p:txBody>
+      </p:sp>
+      <p:sp>
+        <p:nvSpPr>
+          <p:cNvPr id="2" name="Title 1"/>
+          <p:cNvSpPr>
+            <a:spLocks noGrp="1"/>
+          </p:cNvSpPr>
+          <p:nvPr>
+            <p:ph type="title"/>
+          </p:nvPr>
+        </p:nvSpPr>
+        <p:spPr>
+          <a:xfrm>
+            <a:off x="643467" y="643467"/>
+            <a:ext cx="3363974" cy="1597315"/>
+          </a:xfrm>
+          <a:noFill/>
+          <a:ln w="19050">
+            <a:solidFill>
+              <a:schemeClr val="bg1"/>
+            </a:solidFill>
+          </a:ln>
+        </p:spPr>
+        <p:txBody>
+          <a:bodyPr vert="horz" wrap="square" lIns="91440" tIns="45720" rIns="91440" bIns="45720" rtlCol="0" anchor="ctr">
+            <a:normAutofit/>
+          </a:bodyPr>
+          <a:lstStyle/>
+          <a:p>
+            <a:pPr algn="ctr"/>
+            <a:r>
+              <a:rPr lang="en-US" sz="2800" kern="1200">
+                <a:solidFill>
+                  <a:schemeClr val="bg1"/>
+                </a:solidFill>
+                <a:latin typeface="+mj-lt"/>
+                <a:ea typeface="+mj-ea"/>
+                <a:cs typeface="+mj-cs"/>
+              </a:rPr>
+              <a:t>Kurtosis</a:t>
+            </a:r>
+          </a:p>
+        </p:txBody>
+      </p:sp>
+      <p:sp>
+        <p:nvSpPr>
+          <p:cNvPr id="4" name="Content Placeholder 3"/>
+          <p:cNvSpPr>
+            <a:spLocks noGrp="1"/>
+          </p:cNvSpPr>
+          <p:nvPr>
+            <p:ph idx="1"/>
+          </p:nvPr>
+        </p:nvSpPr>
+        <p:spPr>
+          <a:xfrm>
+            <a:off x="643468" y="2638044"/>
+            <a:ext cx="3363974" cy="3415622"/>
+          </a:xfrm>
+        </p:spPr>
+        <p:txBody>
+          <a:bodyPr vert="horz" lIns="91440" tIns="45720" rIns="91440" bIns="45720" rtlCol="0">
+            <a:normAutofit/>
+          </a:bodyPr>
+          <a:lstStyle/>
+          <a:p>
+            <a:pPr marL="0" indent="0">
+              <a:buNone/>
+            </a:pPr>
+            <a:r>
+              <a:rPr lang="en-US" sz="2000" dirty="0">
+                <a:solidFill>
+                  <a:schemeClr val="bg1"/>
+                </a:solidFill>
+              </a:rPr>
+              <a:t>Kurtosis is </a:t>
+            </a:r>
+            <a:r>
+              <a:rPr lang="en-US" sz="2000" dirty="0" err="1">
+                <a:solidFill>
+                  <a:schemeClr val="bg1"/>
+                </a:solidFill>
+              </a:rPr>
+              <a:t>peakedness</a:t>
+            </a:r>
+            <a:r>
+              <a:rPr lang="en-US" sz="2000" dirty="0">
+                <a:solidFill>
+                  <a:schemeClr val="bg1"/>
+                </a:solidFill>
+              </a:rPr>
+              <a:t> of distribution.</a:t>
+            </a:r>
+          </a:p>
+          <a:p>
+            <a:pPr marL="0" indent="0">
+              <a:buNone/>
+            </a:pPr>
+            <a:endParaRPr lang="en-US" sz="2000" dirty="0">
+              <a:solidFill>
+                <a:schemeClr val="bg1"/>
+              </a:solidFill>
+            </a:endParaRPr>
+          </a:p>
+          <a:p>
+            <a:pPr marL="0" indent="0">
+              <a:buNone/>
+            </a:pPr>
+            <a:r>
+              <a:rPr lang="en-US" sz="2000" dirty="0">
+                <a:solidFill>
+                  <a:schemeClr val="bg1"/>
+                </a:solidFill>
+              </a:rPr>
+              <a:t>Based on distribution </a:t>
+            </a:r>
+          </a:p>
+        </p:txBody>
+      </p:sp>
+      <p:pic>
+        <p:nvPicPr>
+          <p:cNvPr id="5" name="Picture 4"/>
+          <p:cNvPicPr>
+            <a:picLocks noChangeAspect="1"/>
+          </p:cNvPicPr>
+          <p:nvPr/>
+        </p:nvPicPr>
+        <p:blipFill>
+          <a:blip r:embed="rId2"/>
+          <a:stretch>
+            <a:fillRect/>
+          </a:stretch>
+        </p:blipFill>
+        <p:spPr>
+          <a:xfrm>
+            <a:off x="5297763" y="1398327"/>
+            <a:ext cx="6250769" cy="3900479"/>
+          </a:xfrm>
+          <a:prstGeom prst="rect">
+            <a:avLst/>
+          </a:prstGeom>
+        </p:spPr>
+      </p:pic>
+      <p:pic>
+        <p:nvPicPr>
+          <p:cNvPr id="3" name="Picture 2" descr="A close up of a logo&#10;&#10;Description automatically generated">
+            <a:extLst>
+              <a:ext uri="{FF2B5EF4-FFF2-40B4-BE49-F238E27FC236}">
+                <a16:creationId xmlns:a16="http://schemas.microsoft.com/office/drawing/2014/main" id="{CD8CA333-BD2E-4659-8EB8-1EBCEFCB1C37}"/>
+              </a:ext>
+            </a:extLst>
+          </p:cNvPr>
+          <p:cNvPicPr>
+            <a:picLocks noChangeAspect="1"/>
+          </p:cNvPicPr>
+          <p:nvPr/>
+        </p:nvPicPr>
+        <p:blipFill>
+          <a:blip r:embed="rId3" cstate="print">
+            <a:extLst>
+              <a:ext uri="{28A0092B-C50C-407E-A947-70E740481C1C}">
+                <a14:useLocalDpi xmlns:a14="http://schemas.microsoft.com/office/drawing/2010/main" val="0"/>
+              </a:ext>
+            </a:extLst>
+          </a:blip>
+          <a:stretch>
+            <a:fillRect/>
+          </a:stretch>
+        </p:blipFill>
+        <p:spPr>
+          <a:xfrm>
+            <a:off x="5287948" y="6600642"/>
+            <a:ext cx="1616104" cy="230901"/>
+          </a:xfrm>
+          <a:prstGeom prst="rect">
+            <a:avLst/>
+          </a:prstGeom>
+        </p:spPr>
+      </p:pic>
+    </p:spTree>
+    <p:extLst>
+      <p:ext uri="{BB962C8B-B14F-4D97-AF65-F5344CB8AC3E}">
+        <p14:creationId xmlns:p14="http://schemas.microsoft.com/office/powerpoint/2010/main" val="1821438981"/>
+      </p:ext>
+    </p:extLst>
+  </p:cSld>
+  <p:clrMapOvr>
+    <a:masterClrMapping/>
+  </p:clrMapOvr>
+</p:sld>
+</file>
+
+<file path=ppt/slides/slide33.xml><?xml version="1.0" encoding="utf-8"?>
+<p:sld xmlns:a="http://schemas.openxmlformats.org/drawingml/2006/main" xmlns:r="http://schemas.openxmlformats.org/officeDocument/2006/relationships" xmlns:p="http://schemas.openxmlformats.org/presentationml/2006/main">
+  <p:cSld>
+    <p:bg>
+      <p:bgPr>
+        <a:solidFill>
+          <a:schemeClr val="bg1"/>
+        </a:solidFill>
+        <a:effectLst/>
+      </p:bgPr>
+    </p:bg>
+    <p:spTree>
+      <p:nvGrpSpPr>
+        <p:cNvPr id="1" name=""/>
+        <p:cNvGrpSpPr/>
+        <p:nvPr/>
+      </p:nvGrpSpPr>
+      <p:grpSpPr>
+        <a:xfrm>
+          <a:off x="0" y="0"/>
+          <a:ext cx="0" cy="0"/>
+          <a:chOff x="0" y="0"/>
+          <a:chExt cx="0" cy="0"/>
+        </a:xfrm>
+      </p:grpSpPr>
+      <p:sp useBgFill="1">
+        <p:nvSpPr>
+          <p:cNvPr id="16" name="Rectangle 15">
+            <a:extLst>
+              <a:ext uri="{FF2B5EF4-FFF2-40B4-BE49-F238E27FC236}">
+                <a16:creationId xmlns:a16="http://schemas.microsoft.com/office/drawing/2014/main" id="{BAD76F3E-3A97-486B-B402-44400A8B9173}"/>
+              </a:ext>
+              <a:ext uri="{C183D7F6-B498-43B3-948B-1728B52AA6E4}">
+                <adec:decorative xmlns:adec="http://schemas.microsoft.com/office/drawing/2017/decorative" val="1"/>
+              </a:ext>
+            </a:extLst>
+          </p:cNvPr>
+          <p:cNvSpPr>
+            <a:spLocks noGrp="1" noRot="1" noChangeAspect="1" noMove="1" noResize="1" noEditPoints="1" noAdjustHandles="1" noChangeArrowheads="1" noChangeShapeType="1" noTextEdit="1"/>
+          </p:cNvSpPr>
+          <p:nvPr>
+            <p:extLst>
+              <p:ext uri="{386F3935-93C4-4BCD-93E2-E3B085C9AB24}">
+                <p16:designElem xmlns:p16="http://schemas.microsoft.com/office/powerpoint/2015/main" val="1"/>
+              </p:ext>
+            </p:extLst>
+          </p:nvPr>
+        </p:nvSpPr>
+        <p:spPr>
+          <a:xfrm>
+            <a:off x="0" y="0"/>
+            <a:ext cx="12192000" cy="6858000"/>
+          </a:xfrm>
+          <a:prstGeom prst="rect">
+            <a:avLst/>
+          </a:prstGeom>
+          <a:ln>
+            <a:noFill/>
+          </a:ln>
+        </p:spPr>
+        <p:style>
+          <a:lnRef idx="2">
+            <a:schemeClr val="accent1">
+              <a:shade val="50000"/>
+            </a:schemeClr>
+          </a:lnRef>
+          <a:fillRef idx="1">
+            <a:schemeClr val="accent1"/>
+          </a:fillRef>
+          <a:effectRef idx="0">
+            <a:schemeClr val="accent1"/>
+          </a:effectRef>
+          <a:fontRef idx="minor">
+            <a:schemeClr val="lt1"/>
+          </a:fontRef>
+        </p:style>
+        <p:txBody>
+          <a:bodyPr rtlCol="0" anchor="ctr"/>
+          <a:lstStyle/>
+          <a:p>
+            <a:pPr algn="ctr"/>
+            <a:endParaRPr lang="en-US"/>
+          </a:p>
+        </p:txBody>
+      </p:sp>
+      <p:sp>
+        <p:nvSpPr>
+          <p:cNvPr id="2" name="Title 1"/>
+          <p:cNvSpPr>
+            <a:spLocks noGrp="1"/>
+          </p:cNvSpPr>
+          <p:nvPr>
+            <p:ph type="ctrTitle"/>
+          </p:nvPr>
+        </p:nvSpPr>
+        <p:spPr>
+          <a:xfrm>
+            <a:off x="838199" y="1093788"/>
+            <a:ext cx="10506455" cy="2967208"/>
+          </a:xfrm>
+        </p:spPr>
+        <p:txBody>
+          <a:bodyPr vert="horz" lIns="91440" tIns="45720" rIns="91440" bIns="45720" rtlCol="0" anchor="b">
+            <a:normAutofit/>
+          </a:bodyPr>
+          <a:lstStyle/>
+          <a:p>
+            <a:r>
+              <a:rPr lang="en-US" sz="8000" kern="1200">
+                <a:solidFill>
+                  <a:schemeClr val="tx1"/>
+                </a:solidFill>
+                <a:latin typeface="+mj-lt"/>
+                <a:ea typeface="+mj-ea"/>
+                <a:cs typeface="+mj-cs"/>
+              </a:rPr>
+              <a:t>Covariance</a:t>
+            </a:r>
+          </a:p>
+        </p:txBody>
+      </p:sp>
+      <p:sp>
+        <p:nvSpPr>
+          <p:cNvPr id="18" name="Rectangle 17">
+            <a:extLst>
+              <a:ext uri="{FF2B5EF4-FFF2-40B4-BE49-F238E27FC236}">
+                <a16:creationId xmlns:a16="http://schemas.microsoft.com/office/drawing/2014/main" id="{391F6B52-91F4-4AEB-B6DB-29FEBCF28C8B}"/>
+              </a:ext>
+              <a:ext uri="{C183D7F6-B498-43B3-948B-1728B52AA6E4}">
+                <adec:decorative xmlns:adec="http://schemas.microsoft.com/office/drawing/2017/decorative" val="1"/>
+              </a:ext>
+            </a:extLst>
+          </p:cNvPr>
+          <p:cNvSpPr>
+            <a:spLocks noGrp="1" noRot="1" noChangeAspect="1" noMove="1" noResize="1" noEditPoints="1" noAdjustHandles="1" noChangeArrowheads="1" noChangeShapeType="1" noTextEdit="1"/>
+          </p:cNvSpPr>
+          <p:nvPr>
+            <p:extLst>
+              <p:ext uri="{386F3935-93C4-4BCD-93E2-E3B085C9AB24}">
+                <p16:designElem xmlns:p16="http://schemas.microsoft.com/office/powerpoint/2015/main" val="1"/>
+              </p:ext>
+            </p:extLst>
+          </p:nvPr>
+        </p:nvSpPr>
+        <p:spPr>
+          <a:xfrm>
+            <a:off x="841248" y="4331166"/>
+            <a:ext cx="10506456" cy="18288"/>
+          </a:xfrm>
+          <a:prstGeom prst="rect">
+            <a:avLst/>
+          </a:prstGeom>
+          <a:solidFill>
+            <a:srgbClr val="D5D5D5"/>
+          </a:solidFill>
+          <a:ln w="3175">
+            <a:noFill/>
+          </a:ln>
+          <a:effectLst/>
+        </p:spPr>
+        <p:style>
+          <a:lnRef idx="2">
+            <a:schemeClr val="accent1">
+              <a:shade val="50000"/>
+            </a:schemeClr>
+          </a:lnRef>
+          <a:fillRef idx="1">
+            <a:schemeClr val="accent1"/>
+          </a:fillRef>
+          <a:effectRef idx="0">
+            <a:schemeClr val="accent1"/>
+          </a:effectRef>
+          <a:fontRef idx="minor">
+            <a:schemeClr val="lt1"/>
+          </a:fontRef>
+        </p:style>
+        <p:txBody>
+          <a:bodyPr rtlCol="0" anchor="ctr"/>
+          <a:lstStyle/>
+          <a:p>
+            <a:pPr algn="ctr"/>
+            <a:endParaRPr lang="en-US">
+              <a:solidFill>
+                <a:prstClr val="white"/>
+              </a:solidFill>
+              <a:latin typeface="Calibri" panose="020F0502020204030204"/>
+            </a:endParaRPr>
+          </a:p>
+        </p:txBody>
+      </p:sp>
+      <p:sp>
+        <p:nvSpPr>
+          <p:cNvPr id="20" name="Rectangle 19">
+            <a:extLst>
+              <a:ext uri="{FF2B5EF4-FFF2-40B4-BE49-F238E27FC236}">
+                <a16:creationId xmlns:a16="http://schemas.microsoft.com/office/drawing/2014/main" id="{2CD6F061-7C53-44F4-9794-953DB70A451B}"/>
+              </a:ext>
+              <a:ext uri="{C183D7F6-B498-43B3-948B-1728B52AA6E4}">
+                <adec:decorative xmlns:adec="http://schemas.microsoft.com/office/drawing/2017/decorative" val="1"/>
+              </a:ext>
+            </a:extLst>
+          </p:cNvPr>
+          <p:cNvSpPr>
+            <a:spLocks noGrp="1" noRot="1" noChangeAspect="1" noMove="1" noResize="1" noEditPoints="1" noAdjustHandles="1" noChangeArrowheads="1" noChangeShapeType="1" noTextEdit="1"/>
+          </p:cNvSpPr>
+          <p:nvPr>
+            <p:extLst>
+              <p:ext uri="{386F3935-93C4-4BCD-93E2-E3B085C9AB24}">
+                <p16:designElem xmlns:p16="http://schemas.microsoft.com/office/powerpoint/2015/main" val="1"/>
+              </p:ext>
+            </p:extLst>
+          </p:nvPr>
+        </p:nvSpPr>
+        <p:spPr>
+          <a:xfrm rot="5400000">
+            <a:off x="9346882" y="2348839"/>
+            <a:ext cx="54864" cy="3946779"/>
+          </a:xfrm>
+          <a:prstGeom prst="rect">
+            <a:avLst/>
+          </a:prstGeom>
+          <a:solidFill>
+            <a:schemeClr val="accent2"/>
+          </a:solidFill>
+          <a:ln>
+            <a:noFill/>
+          </a:ln>
+        </p:spPr>
+        <p:style>
+          <a:lnRef idx="2">
+            <a:schemeClr val="accent1">
+              <a:shade val="50000"/>
+            </a:schemeClr>
+          </a:lnRef>
+          <a:fillRef idx="1">
+            <a:schemeClr val="accent1"/>
+          </a:fillRef>
+          <a:effectRef idx="0">
+            <a:schemeClr val="accent1"/>
+          </a:effectRef>
+          <a:fontRef idx="minor">
+            <a:schemeClr val="lt1"/>
+          </a:fontRef>
+        </p:style>
+        <p:txBody>
+          <a:bodyPr rtlCol="0" anchor="ctr"/>
+          <a:lstStyle/>
+          <a:p>
+            <a:pPr marL="0" marR="0" lvl="0" indent="0" algn="ctr" defTabSz="914400" rtl="0" eaLnBrk="1" fontAlgn="auto" latinLnBrk="0" hangingPunct="1">
+              <a:lnSpc>
+                <a:spcPct val="100000"/>
+              </a:lnSpc>
+              <a:spcBef>
+                <a:spcPts val="0"/>
+              </a:spcBef>
+              <a:spcAft>
+                <a:spcPts val="0"/>
+              </a:spcAft>
+              <a:buClrTx/>
+              <a:buSzTx/>
+              <a:buFontTx/>
+              <a:buNone/>
+              <a:tabLst/>
+              <a:defRPr/>
+            </a:pPr>
+            <a:endParaRPr kumimoji="0" lang="en-US" sz="1800" b="0" i="0" u="none" strike="noStrike" kern="1200" cap="none" spc="0" normalizeH="0" baseline="0" noProof="0">
+              <a:ln>
+                <a:noFill/>
+              </a:ln>
+              <a:solidFill>
+                <a:prstClr val="white"/>
+              </a:solidFill>
+              <a:effectLst/>
+              <a:uLnTx/>
+              <a:uFillTx/>
+              <a:latin typeface="Calibri" panose="020F0502020204030204"/>
+              <a:ea typeface="+mn-ea"/>
+              <a:cs typeface="+mn-cs"/>
+            </a:endParaRPr>
+          </a:p>
+        </p:txBody>
+      </p:sp>
+      <p:pic>
+        <p:nvPicPr>
+          <p:cNvPr id="3" name="Picture 2" descr="A close up of a logo&#10;&#10;Description automatically generated">
+            <a:extLst>
+              <a:ext uri="{FF2B5EF4-FFF2-40B4-BE49-F238E27FC236}">
+                <a16:creationId xmlns:a16="http://schemas.microsoft.com/office/drawing/2014/main" id="{BB76CA27-276A-4A4D-A0A3-F63F21185447}"/>
+              </a:ext>
+            </a:extLst>
+          </p:cNvPr>
+          <p:cNvPicPr>
+            <a:picLocks noChangeAspect="1"/>
+          </p:cNvPicPr>
+          <p:nvPr/>
+        </p:nvPicPr>
+        <p:blipFill>
+          <a:blip r:embed="rId2" cstate="print">
+            <a:extLst>
+              <a:ext uri="{28A0092B-C50C-407E-A947-70E740481C1C}">
+                <a14:useLocalDpi xmlns:a14="http://schemas.microsoft.com/office/drawing/2010/main" val="0"/>
+              </a:ext>
+            </a:extLst>
+          </a:blip>
+          <a:stretch>
+            <a:fillRect/>
+          </a:stretch>
+        </p:blipFill>
+        <p:spPr>
+          <a:xfrm>
+            <a:off x="5287948" y="6600642"/>
+            <a:ext cx="1616104" cy="230901"/>
+          </a:xfrm>
+          <a:prstGeom prst="rect">
+            <a:avLst/>
+          </a:prstGeom>
+        </p:spPr>
+      </p:pic>
+    </p:spTree>
+    <p:extLst>
+      <p:ext uri="{BB962C8B-B14F-4D97-AF65-F5344CB8AC3E}">
+        <p14:creationId xmlns:p14="http://schemas.microsoft.com/office/powerpoint/2010/main" val="1765904669"/>
+      </p:ext>
+    </p:extLst>
+  </p:cSld>
+  <p:clrMapOvr>
+    <a:masterClrMapping/>
+  </p:clrMapOvr>
+</p:sld>
+</file>
+
+<file path=ppt/slides/slide34.xml><?xml version="1.0" encoding="utf-8"?>
+<p:sld xmlns:a="http://schemas.openxmlformats.org/drawingml/2006/main" xmlns:r="http://schemas.openxmlformats.org/officeDocument/2006/relationships" xmlns:p="http://schemas.openxmlformats.org/presentationml/2006/main">
+  <p:cSld>
+    <p:bg>
+      <p:bgPr>
+        <a:solidFill>
+          <a:schemeClr val="bg1">
+            <a:tint val="95000"/>
+            <a:satMod val="170000"/>
+          </a:schemeClr>
+        </a:solidFill>
+        <a:effectLst/>
+      </p:bgPr>
+    </p:bg>
+    <p:spTree>
+      <p:nvGrpSpPr>
+        <p:cNvPr id="1" name=""/>
+        <p:cNvGrpSpPr/>
+        <p:nvPr/>
+      </p:nvGrpSpPr>
+      <p:grpSpPr>
+        <a:xfrm>
+          <a:off x="0" y="0"/>
+          <a:ext cx="0" cy="0"/>
+          <a:chOff x="0" y="0"/>
+          <a:chExt cx="0" cy="0"/>
+        </a:xfrm>
+      </p:grpSpPr>
+      <p:sp>
+        <p:nvSpPr>
+          <p:cNvPr id="9" name="Rectangle 8">
+            <a:extLst>
+              <a:ext uri="{FF2B5EF4-FFF2-40B4-BE49-F238E27FC236}">
+                <a16:creationId xmlns:a16="http://schemas.microsoft.com/office/drawing/2014/main" id="{E945E29B-B971-41C6-A57B-B29BBB108A39}"/>
+              </a:ext>
+              <a:ext uri="{C183D7F6-B498-43B3-948B-1728B52AA6E4}">
+                <adec:decorative xmlns:adec="http://schemas.microsoft.com/office/drawing/2017/decorative" val="1"/>
+              </a:ext>
+            </a:extLst>
+          </p:cNvPr>
+          <p:cNvSpPr>
+            <a:spLocks noGrp="1" noRot="1" noChangeAspect="1" noMove="1" noResize="1" noEditPoints="1" noAdjustHandles="1" noChangeArrowheads="1" noChangeShapeType="1" noTextEdit="1"/>
+          </p:cNvSpPr>
+          <p:nvPr>
+            <p:extLst>
+              <p:ext uri="{386F3935-93C4-4BCD-93E2-E3B085C9AB24}">
+                <p16:designElem xmlns:p16="http://schemas.microsoft.com/office/powerpoint/2015/main" val="1"/>
+              </p:ext>
+            </p:extLst>
+          </p:nvPr>
+        </p:nvSpPr>
+        <p:spPr>
+          <a:xfrm>
+            <a:off x="0" y="0"/>
+            <a:ext cx="12192000" cy="6858001"/>
+          </a:xfrm>
+          <a:prstGeom prst="rect">
+            <a:avLst/>
+          </a:prstGeom>
+          <a:solidFill>
+            <a:schemeClr val="tx2"/>
+          </a:solidFill>
+          <a:ln>
+            <a:noFill/>
+          </a:ln>
+        </p:spPr>
+        <p:style>
+          <a:lnRef idx="2">
+            <a:schemeClr val="accent1">
+              <a:shade val="50000"/>
+            </a:schemeClr>
+          </a:lnRef>
+          <a:fillRef idx="1">
+            <a:schemeClr val="accent1"/>
+          </a:fillRef>
+          <a:effectRef idx="0">
+            <a:schemeClr val="accent1"/>
+          </a:effectRef>
+          <a:fontRef idx="minor">
+            <a:schemeClr val="lt1"/>
+          </a:fontRef>
+        </p:style>
+        <p:txBody>
+          <a:bodyPr rtlCol="0" anchor="ctr"/>
+          <a:lstStyle/>
+          <a:p>
+            <a:pPr marL="0" marR="0" lvl="0" indent="0" algn="ctr" defTabSz="914400" rtl="0" eaLnBrk="1" fontAlgn="auto" latinLnBrk="0" hangingPunct="1">
+              <a:lnSpc>
+                <a:spcPct val="100000"/>
+              </a:lnSpc>
+              <a:spcBef>
+                <a:spcPts val="0"/>
+              </a:spcBef>
+              <a:spcAft>
+                <a:spcPts val="0"/>
+              </a:spcAft>
+              <a:buClrTx/>
+              <a:buSzTx/>
+              <a:buFontTx/>
+              <a:buNone/>
+              <a:tabLst/>
+              <a:defRPr/>
+            </a:pPr>
+            <a:endParaRPr kumimoji="0" lang="en-US" sz="1800" b="0" i="0" u="none" strike="noStrike" kern="1200" cap="none" spc="0" normalizeH="0" baseline="0" noProof="0">
+              <a:ln>
+                <a:noFill/>
+              </a:ln>
+              <a:solidFill>
+                <a:prstClr val="white"/>
+              </a:solidFill>
+              <a:effectLst/>
+              <a:uLnTx/>
+              <a:uFillTx/>
+              <a:latin typeface="Calibri" panose="020F0502020204030204"/>
+              <a:ea typeface="+mn-ea"/>
+              <a:cs typeface="+mn-cs"/>
+            </a:endParaRPr>
+          </a:p>
+        </p:txBody>
+      </p:sp>
+      <p:grpSp>
+        <p:nvGrpSpPr>
+          <p:cNvPr id="11" name="Group 10">
+            <a:extLst>
+              <a:ext uri="{FF2B5EF4-FFF2-40B4-BE49-F238E27FC236}">
+                <a16:creationId xmlns:a16="http://schemas.microsoft.com/office/drawing/2014/main" id="{4C76015D-CFEA-4204-9A50-352560FFC252}"/>
+              </a:ext>
+              <a:ext uri="{C183D7F6-B498-43B3-948B-1728B52AA6E4}">
+                <adec:decorative xmlns:adec="http://schemas.microsoft.com/office/drawing/2017/decorative" val="1"/>
+              </a:ext>
+            </a:extLst>
+          </p:cNvPr>
+          <p:cNvGrpSpPr>
+            <a:grpSpLocks noGrp="1" noUngrp="1" noRot="1" noChangeAspect="1" noMove="1" noResize="1"/>
+          </p:cNvGrpSpPr>
+          <p:nvPr>
+            <p:extLst>
+              <p:ext uri="{386F3935-93C4-4BCD-93E2-E3B085C9AB24}">
+                <p16:designElem xmlns:p16="http://schemas.microsoft.com/office/powerpoint/2015/main" val="1"/>
+              </p:ext>
+            </p:extLst>
+          </p:nvPr>
+        </p:nvGrpSpPr>
+        <p:grpSpPr>
+          <a:xfrm>
+            <a:off x="1155481" y="498348"/>
+            <a:ext cx="9902663" cy="5861304"/>
+            <a:chOff x="1155481" y="498348"/>
+            <a:chExt cx="9902663" cy="5861304"/>
+          </a:xfrm>
+        </p:grpSpPr>
+        <p:sp>
+          <p:nvSpPr>
+            <p:cNvPr id="12" name="Oval 5">
+              <a:extLst>
+                <a:ext uri="{FF2B5EF4-FFF2-40B4-BE49-F238E27FC236}">
+                  <a16:creationId xmlns:a16="http://schemas.microsoft.com/office/drawing/2014/main" id="{7325C43C-72B5-4DC9-B386-90859B58BF0D}"/>
+                </a:ext>
+                <a:ext uri="{C183D7F6-B498-43B3-948B-1728B52AA6E4}">
+                  <adec:decorative xmlns:adec="http://schemas.microsoft.com/office/drawing/2017/decorative" val="1"/>
+                </a:ext>
+              </a:extLst>
+            </p:cNvPr>
+            <p:cNvSpPr>
+              <a:spLocks noChangeArrowheads="1"/>
+            </p:cNvSpPr>
+            <p:nvPr>
+              <p:extLst>
+                <p:ext uri="{386F3935-93C4-4BCD-93E2-E3B085C9AB24}">
+                  <p16:designElem xmlns:p16="http://schemas.microsoft.com/office/powerpoint/2015/main" val="1"/>
+                </p:ext>
+              </p:extLst>
+            </p:nvPr>
+          </p:nvSpPr>
+          <p:spPr bwMode="auto">
+            <a:xfrm>
+              <a:off x="1155481" y="498348"/>
+              <a:ext cx="5861304" cy="5861304"/>
+            </a:xfrm>
+            <a:prstGeom prst="ellipse">
+              <a:avLst/>
+            </a:prstGeom>
+            <a:solidFill>
+              <a:schemeClr val="accent1">
+                <a:alpha val="55000"/>
+              </a:schemeClr>
+            </a:solidFill>
+            <a:ln>
+              <a:noFill/>
+            </a:ln>
+          </p:spPr>
+        </p:sp>
+        <p:sp>
+          <p:nvSpPr>
+            <p:cNvPr id="13" name="Oval 12">
+              <a:extLst>
+                <a:ext uri="{FF2B5EF4-FFF2-40B4-BE49-F238E27FC236}">
+                  <a16:creationId xmlns:a16="http://schemas.microsoft.com/office/drawing/2014/main" id="{C95AD9A4-5AF5-48C4-BC2A-635316433A45}"/>
+                </a:ext>
+                <a:ext uri="{C183D7F6-B498-43B3-948B-1728B52AA6E4}">
+                  <adec:decorative xmlns:adec="http://schemas.microsoft.com/office/drawing/2017/decorative" val="1"/>
+                </a:ext>
+              </a:extLst>
+            </p:cNvPr>
+            <p:cNvSpPr>
+              <a:spLocks noChangeArrowheads="1"/>
+            </p:cNvSpPr>
+            <p:nvPr>
+              <p:extLst>
+                <p:ext uri="{386F3935-93C4-4BCD-93E2-E3B085C9AB24}">
+                  <p16:designElem xmlns:p16="http://schemas.microsoft.com/office/powerpoint/2015/main" val="1"/>
+                </p:ext>
+              </p:extLst>
+            </p:nvPr>
+          </p:nvSpPr>
+          <p:spPr bwMode="auto">
+            <a:xfrm>
+              <a:off x="5196840" y="498348"/>
+              <a:ext cx="5861304" cy="5861304"/>
+            </a:xfrm>
+            <a:prstGeom prst="ellipse">
+              <a:avLst/>
+            </a:prstGeom>
+            <a:solidFill>
+              <a:schemeClr val="accent1">
+                <a:alpha val="55000"/>
+              </a:schemeClr>
+            </a:solidFill>
+            <a:ln>
+              <a:noFill/>
+            </a:ln>
+          </p:spPr>
+        </p:sp>
+        <p:sp>
+          <p:nvSpPr>
+            <p:cNvPr id="14" name="Oval 5">
+              <a:extLst>
+                <a:ext uri="{FF2B5EF4-FFF2-40B4-BE49-F238E27FC236}">
+                  <a16:creationId xmlns:a16="http://schemas.microsoft.com/office/drawing/2014/main" id="{AF4A3D62-D56C-4A32-8C75-100D383EC615}"/>
+                </a:ext>
+                <a:ext uri="{C183D7F6-B498-43B3-948B-1728B52AA6E4}">
+                  <adec:decorative xmlns:adec="http://schemas.microsoft.com/office/drawing/2017/decorative" val="1"/>
+                </a:ext>
+              </a:extLst>
+            </p:cNvPr>
+            <p:cNvSpPr>
+              <a:spLocks noChangeArrowheads="1"/>
+            </p:cNvSpPr>
+            <p:nvPr>
+              <p:extLst>
+                <p:ext uri="{386F3935-93C4-4BCD-93E2-E3B085C9AB24}">
+                  <p16:designElem xmlns:p16="http://schemas.microsoft.com/office/powerpoint/2015/main" val="1"/>
+                </p:ext>
+              </p:extLst>
+            </p:nvPr>
+          </p:nvSpPr>
+          <p:spPr bwMode="auto">
+            <a:xfrm>
+              <a:off x="3165348" y="498348"/>
+              <a:ext cx="5861304" cy="5861304"/>
+            </a:xfrm>
+            <a:prstGeom prst="ellipse">
+              <a:avLst/>
+            </a:prstGeom>
+            <a:solidFill>
+              <a:schemeClr val="accent1">
+                <a:alpha val="70000"/>
+              </a:schemeClr>
+            </a:solidFill>
+            <a:ln>
+              <a:noFill/>
+            </a:ln>
+          </p:spPr>
+        </p:sp>
+      </p:grpSp>
+      <p:sp useBgFill="1">
+        <p:nvSpPr>
+          <p:cNvPr id="16" name="Rectangle 15">
+            <a:extLst>
+              <a:ext uri="{FF2B5EF4-FFF2-40B4-BE49-F238E27FC236}">
+                <a16:creationId xmlns:a16="http://schemas.microsoft.com/office/drawing/2014/main" id="{3E1F47E4-066D-4C27-98C8-B2B2C7BABFEC}"/>
+              </a:ext>
+              <a:ext uri="{C183D7F6-B498-43B3-948B-1728B52AA6E4}">
+                <adec:decorative xmlns:adec="http://schemas.microsoft.com/office/drawing/2017/decorative" val="1"/>
+              </a:ext>
+            </a:extLst>
+          </p:cNvPr>
+          <p:cNvSpPr>
+            <a:spLocks noGrp="1" noRot="1" noChangeAspect="1" noMove="1" noResize="1" noEditPoints="1" noAdjustHandles="1" noChangeArrowheads="1" noChangeShapeType="1" noTextEdit="1"/>
+          </p:cNvSpPr>
+          <p:nvPr>
+            <p:extLst>
+              <p:ext uri="{386F3935-93C4-4BCD-93E2-E3B085C9AB24}">
+                <p16:designElem xmlns:p16="http://schemas.microsoft.com/office/powerpoint/2015/main" val="1"/>
+              </p:ext>
+            </p:extLst>
+          </p:nvPr>
+        </p:nvSpPr>
+        <p:spPr>
+          <a:xfrm>
+            <a:off x="0" y="1438772"/>
+            <a:ext cx="12192000" cy="3980456"/>
+          </a:xfrm>
+          <a:prstGeom prst="rect">
+            <a:avLst/>
+          </a:prstGeom>
+          <a:ln>
+            <a:noFill/>
+          </a:ln>
+        </p:spPr>
+        <p:style>
+          <a:lnRef idx="2">
+            <a:schemeClr val="accent1">
+              <a:shade val="50000"/>
+            </a:schemeClr>
+          </a:lnRef>
+          <a:fillRef idx="1">
+            <a:schemeClr val="accent1"/>
+          </a:fillRef>
+          <a:effectRef idx="0">
+            <a:schemeClr val="accent1"/>
+          </a:effectRef>
+          <a:fontRef idx="minor">
+            <a:schemeClr val="lt1"/>
+          </a:fontRef>
+        </p:style>
+      </p:sp>
+      <p:sp>
+        <p:nvSpPr>
+          <p:cNvPr id="2" name="Title 1"/>
+          <p:cNvSpPr>
+            <a:spLocks noGrp="1"/>
+          </p:cNvSpPr>
+          <p:nvPr>
+            <p:ph type="title"/>
+          </p:nvPr>
+        </p:nvSpPr>
+        <p:spPr>
+          <a:xfrm>
+            <a:off x="838200" y="1760505"/>
+            <a:ext cx="10515600" cy="935025"/>
+          </a:xfrm>
+        </p:spPr>
+        <p:txBody>
+          <a:bodyPr vert="horz" lIns="91440" tIns="45720" rIns="91440" bIns="45720" rtlCol="0" anchor="ctr">
+            <a:normAutofit/>
+          </a:bodyPr>
+          <a:lstStyle/>
+          <a:p>
+            <a:pPr algn="ctr"/>
+            <a:r>
+              <a:rPr lang="en-US" b="1" kern="1200" dirty="0">
+                <a:solidFill>
+                  <a:schemeClr val="tx2"/>
+                </a:solidFill>
+                <a:latin typeface="+mj-lt"/>
+                <a:ea typeface="+mj-ea"/>
+                <a:cs typeface="+mj-cs"/>
+              </a:rPr>
+              <a:t>Covariance</a:t>
+            </a:r>
+          </a:p>
+        </p:txBody>
+      </p:sp>
+      <p:sp>
+        <p:nvSpPr>
+          <p:cNvPr id="4" name="Content Placeholder 3"/>
+          <p:cNvSpPr>
+            <a:spLocks noGrp="1"/>
+          </p:cNvSpPr>
+          <p:nvPr>
+            <p:ph idx="1"/>
+          </p:nvPr>
+        </p:nvSpPr>
+        <p:spPr>
+          <a:xfrm>
+            <a:off x="990600" y="3012928"/>
+            <a:ext cx="10210800" cy="2109445"/>
+          </a:xfrm>
+        </p:spPr>
+        <p:txBody>
+          <a:bodyPr vert="horz" lIns="91440" tIns="45720" rIns="91440" bIns="45720" rtlCol="0">
+            <a:normAutofit/>
+          </a:bodyPr>
+          <a:lstStyle/>
+          <a:p>
+            <a:pPr marL="0" indent="0">
+              <a:buNone/>
+            </a:pPr>
+            <a:r>
+              <a:rPr lang="en-US" sz="2400" dirty="0">
+                <a:solidFill>
+                  <a:schemeClr val="tx2"/>
+                </a:solidFill>
+              </a:rPr>
+              <a:t>A covariance refers to the measure of how two random variables will change together and is used to calculate the correlation between variables. In a finance context, covariance is the term used to describe how two stocks will move together. </a:t>
+            </a:r>
+          </a:p>
+        </p:txBody>
+      </p:sp>
+      <p:pic>
+        <p:nvPicPr>
+          <p:cNvPr id="3" name="Picture 2" descr="A close up of a logo&#10;&#10;Description automatically generated">
+            <a:extLst>
+              <a:ext uri="{FF2B5EF4-FFF2-40B4-BE49-F238E27FC236}">
+                <a16:creationId xmlns:a16="http://schemas.microsoft.com/office/drawing/2014/main" id="{C6084527-CC8E-4940-8B6B-8FBEE8C7807B}"/>
+              </a:ext>
+            </a:extLst>
+          </p:cNvPr>
+          <p:cNvPicPr>
+            <a:picLocks noChangeAspect="1"/>
+          </p:cNvPicPr>
+          <p:nvPr/>
+        </p:nvPicPr>
+        <p:blipFill>
+          <a:blip r:embed="rId2" cstate="print">
+            <a:extLst>
+              <a:ext uri="{28A0092B-C50C-407E-A947-70E740481C1C}">
+                <a14:useLocalDpi xmlns:a14="http://schemas.microsoft.com/office/drawing/2010/main" val="0"/>
+              </a:ext>
+            </a:extLst>
+          </a:blip>
+          <a:stretch>
+            <a:fillRect/>
+          </a:stretch>
+        </p:blipFill>
+        <p:spPr>
+          <a:xfrm>
+            <a:off x="5287948" y="6600642"/>
+            <a:ext cx="1616104" cy="230901"/>
+          </a:xfrm>
+          <a:prstGeom prst="rect">
+            <a:avLst/>
+          </a:prstGeom>
+        </p:spPr>
+      </p:pic>
+    </p:spTree>
+    <p:extLst>
+      <p:ext uri="{BB962C8B-B14F-4D97-AF65-F5344CB8AC3E}">
+        <p14:creationId xmlns:p14="http://schemas.microsoft.com/office/powerpoint/2010/main" val="3382604914"/>
+      </p:ext>
+    </p:extLst>
+  </p:cSld>
+  <p:clrMapOvr>
+    <a:overrideClrMapping bg1="dk1" tx1="lt1" bg2="dk2" tx2="lt2" accent1="accent1" accent2="accent2" accent3="accent3" accent4="accent4" accent5="accent5" accent6="accent6" hlink="hlink" folHlink="folHlink"/>
+  </p:clrMapOvr>
+</p:sld>
+</file>
+
+<file path=ppt/slides/slide35.xml><?xml version="1.0" encoding="utf-8"?>
+<p:sld xmlns:a="http://schemas.openxmlformats.org/drawingml/2006/main" xmlns:r="http://schemas.openxmlformats.org/officeDocument/2006/relationships" xmlns:p="http://schemas.openxmlformats.org/presentationml/2006/main">
+  <p:cSld>
+    <p:bg>
+      <p:bgPr>
+        <a:solidFill>
+          <a:schemeClr val="bg1"/>
+        </a:solidFill>
+        <a:effectLst/>
+      </p:bgPr>
+    </p:bg>
+    <p:spTree>
+      <p:nvGrpSpPr>
+        <p:cNvPr id="1" name=""/>
+        <p:cNvGrpSpPr/>
+        <p:nvPr/>
+      </p:nvGrpSpPr>
+      <p:grpSpPr>
+        <a:xfrm>
+          <a:off x="0" y="0"/>
+          <a:ext cx="0" cy="0"/>
+          <a:chOff x="0" y="0"/>
+          <a:chExt cx="0" cy="0"/>
+        </a:xfrm>
+      </p:grpSpPr>
+      <p:sp>
+        <p:nvSpPr>
+          <p:cNvPr id="11" name="Rectangle 10">
+            <a:extLst>
+              <a:ext uri="{FF2B5EF4-FFF2-40B4-BE49-F238E27FC236}">
+                <a16:creationId xmlns:a16="http://schemas.microsoft.com/office/drawing/2014/main" id="{08E89D5E-1885-4160-AC77-CC471DD1D0DB}"/>
+              </a:ext>
+              <a:ext uri="{C183D7F6-B498-43B3-948B-1728B52AA6E4}">
+                <adec:decorative xmlns:adec="http://schemas.microsoft.com/office/drawing/2017/decorative" val="1"/>
+              </a:ext>
+            </a:extLst>
+          </p:cNvPr>
+          <p:cNvSpPr>
+            <a:spLocks noGrp="1" noRot="1" noChangeAspect="1" noMove="1" noResize="1" noEditPoints="1" noAdjustHandles="1" noChangeArrowheads="1" noChangeShapeType="1" noTextEdit="1"/>
+          </p:cNvSpPr>
+          <p:nvPr>
+            <p:extLst>
+              <p:ext uri="{386F3935-93C4-4BCD-93E2-E3B085C9AB24}">
+                <p16:designElem xmlns:p16="http://schemas.microsoft.com/office/powerpoint/2015/main" val="1"/>
+              </p:ext>
+            </p:extLst>
+          </p:nvPr>
+        </p:nvSpPr>
+        <p:spPr>
+          <a:xfrm>
+            <a:off x="0" y="0"/>
+            <a:ext cx="4636008" cy="6858000"/>
+          </a:xfrm>
+          <a:prstGeom prst="rect">
+            <a:avLst/>
+          </a:prstGeom>
+          <a:ln>
+            <a:noFill/>
+          </a:ln>
+        </p:spPr>
+        <p:style>
+          <a:lnRef idx="2">
+            <a:schemeClr val="accent1">
+              <a:shade val="50000"/>
+            </a:schemeClr>
+          </a:lnRef>
+          <a:fillRef idx="1">
+            <a:schemeClr val="accent1"/>
+          </a:fillRef>
+          <a:effectRef idx="0">
+            <a:schemeClr val="accent1"/>
+          </a:effectRef>
+          <a:fontRef idx="minor">
+            <a:schemeClr val="lt1"/>
+          </a:fontRef>
+        </p:style>
+        <p:txBody>
+          <a:bodyPr rtlCol="0" anchor="ctr"/>
+          <a:lstStyle/>
+          <a:p>
+            <a:pPr algn="ctr"/>
+            <a:endParaRPr lang="en-US"/>
+          </a:p>
+        </p:txBody>
+      </p:sp>
+      <p:sp>
+        <p:nvSpPr>
+          <p:cNvPr id="2" name="Title 1"/>
+          <p:cNvSpPr>
+            <a:spLocks noGrp="1"/>
+          </p:cNvSpPr>
+          <p:nvPr>
+            <p:ph type="title"/>
+          </p:nvPr>
+        </p:nvSpPr>
+        <p:spPr>
+          <a:xfrm>
+            <a:off x="943277" y="712269"/>
+            <a:ext cx="3370998" cy="5502264"/>
+          </a:xfrm>
+        </p:spPr>
+        <p:txBody>
+          <a:bodyPr vert="horz" lIns="91440" tIns="45720" rIns="91440" bIns="45720" rtlCol="0" anchor="ctr">
+            <a:normAutofit/>
+          </a:bodyPr>
+          <a:lstStyle/>
+          <a:p>
+            <a:r>
+              <a:rPr lang="en-US" sz="4400" kern="1200">
+                <a:solidFill>
+                  <a:srgbClr val="FFFFFF"/>
+                </a:solidFill>
+                <a:latin typeface="+mj-lt"/>
+                <a:ea typeface="+mj-ea"/>
+                <a:cs typeface="+mj-cs"/>
+              </a:rPr>
+              <a:t>Positive, Negative and Zero Covariance</a:t>
+            </a:r>
+          </a:p>
+        </p:txBody>
+      </p:sp>
+      <p:cxnSp>
+        <p:nvCxnSpPr>
+          <p:cNvPr id="13" name="Straight Connector 12">
+            <a:extLst>
+              <a:ext uri="{FF2B5EF4-FFF2-40B4-BE49-F238E27FC236}">
+                <a16:creationId xmlns:a16="http://schemas.microsoft.com/office/drawing/2014/main" id="{550D2BD1-98F9-412D-905B-3A843EF4078B}"/>
+              </a:ext>
+              <a:ext uri="{C183D7F6-B498-43B3-948B-1728B52AA6E4}">
+                <adec:decorative xmlns:adec="http://schemas.microsoft.com/office/drawing/2017/decorative" val="1"/>
+              </a:ext>
+            </a:extLst>
+          </p:cNvPr>
+          <p:cNvCxnSpPr>
+            <a:cxnSpLocks noGrp="1" noRot="1" noChangeAspect="1" noMove="1" noResize="1" noEditPoints="1" noAdjustHandles="1" noChangeArrowheads="1" noChangeShapeType="1"/>
+          </p:cNvCxnSpPr>
+          <p:nvPr>
+            <p:extLst>
+              <p:ext uri="{386F3935-93C4-4BCD-93E2-E3B085C9AB24}">
+                <p16:designElem xmlns:p16="http://schemas.microsoft.com/office/powerpoint/2015/main" val="1"/>
+              </p:ext>
+            </p:extLst>
+          </p:nvPr>
+        </p:nvCxnSpPr>
+        <p:spPr>
+          <a:xfrm flipV="1">
+            <a:off x="762000" y="2971800"/>
+            <a:ext cx="0" cy="914400"/>
+          </a:xfrm>
+          <a:prstGeom prst="line">
+            <a:avLst/>
+          </a:prstGeom>
+          <a:ln w="19050">
+            <a:solidFill>
+              <a:srgbClr val="FFFFFF">
+                <a:alpha val="80000"/>
+              </a:srgbClr>
+            </a:solidFill>
+          </a:ln>
+        </p:spPr>
+        <p:style>
+          <a:lnRef idx="1">
+            <a:schemeClr val="accent1"/>
+          </a:lnRef>
+          <a:fillRef idx="0">
+            <a:schemeClr val="accent1"/>
+          </a:fillRef>
+          <a:effectRef idx="0">
+            <a:schemeClr val="accent1"/>
+          </a:effectRef>
+          <a:fontRef idx="minor">
+            <a:schemeClr val="tx1"/>
+          </a:fontRef>
+        </p:style>
+      </p:cxnSp>
+      <p:graphicFrame>
+        <p:nvGraphicFramePr>
+          <p:cNvPr id="6" name="Content Placeholder 3">
+            <a:extLst>
+              <a:ext uri="{FF2B5EF4-FFF2-40B4-BE49-F238E27FC236}">
+                <a16:creationId xmlns:a16="http://schemas.microsoft.com/office/drawing/2014/main" id="{256A1056-2CE1-4CFD-B79C-CE3BE1ECDD65}"/>
+              </a:ext>
+            </a:extLst>
+          </p:cNvPr>
+          <p:cNvGraphicFramePr>
+            <a:graphicFrameLocks noGrp="1"/>
+          </p:cNvGraphicFramePr>
+          <p:nvPr>
+            <p:ph idx="1"/>
+            <p:extLst>
+              <p:ext uri="{D42A27DB-BD31-4B8C-83A1-F6EECF244321}">
+                <p14:modId xmlns:p14="http://schemas.microsoft.com/office/powerpoint/2010/main" val="1103366854"/>
+              </p:ext>
+            </p:extLst>
+          </p:nvPr>
+        </p:nvGraphicFramePr>
+        <p:xfrm>
+          <a:off x="5280025" y="642938"/>
+          <a:ext cx="6269038" cy="5572125"/>
+        </p:xfrm>
+        <a:graphic>
+          <a:graphicData uri="http://schemas.openxmlformats.org/drawingml/2006/diagram">
+            <dgm:relIds xmlns:dgm="http://schemas.openxmlformats.org/drawingml/2006/diagram" xmlns:r="http://schemas.openxmlformats.org/officeDocument/2006/relationships" r:dm="rId2" r:lo="rId3" r:qs="rId4" r:cs="rId5"/>
+          </a:graphicData>
+        </a:graphic>
+      </p:graphicFrame>
+      <p:pic>
+        <p:nvPicPr>
+          <p:cNvPr id="3" name="Picture 2" descr="A close up of a logo&#10;&#10;Description automatically generated">
+            <a:extLst>
+              <a:ext uri="{FF2B5EF4-FFF2-40B4-BE49-F238E27FC236}">
+                <a16:creationId xmlns:a16="http://schemas.microsoft.com/office/drawing/2014/main" id="{21C8505E-006D-4B4C-B6EB-DF8FD002CA27}"/>
+              </a:ext>
+            </a:extLst>
+          </p:cNvPr>
+          <p:cNvPicPr>
+            <a:picLocks noChangeAspect="1"/>
+          </p:cNvPicPr>
+          <p:nvPr/>
+        </p:nvPicPr>
+        <p:blipFill>
+          <a:blip r:embed="rId7" cstate="print">
+            <a:extLst>
+              <a:ext uri="{28A0092B-C50C-407E-A947-70E740481C1C}">
+                <a14:useLocalDpi xmlns:a14="http://schemas.microsoft.com/office/drawing/2010/main" val="0"/>
+              </a:ext>
+            </a:extLst>
+          </a:blip>
+          <a:stretch>
+            <a:fillRect/>
+          </a:stretch>
+        </p:blipFill>
+        <p:spPr>
+          <a:xfrm>
+            <a:off x="5287948" y="6600642"/>
+            <a:ext cx="1616104" cy="230901"/>
+          </a:xfrm>
+          <a:prstGeom prst="rect">
+            <a:avLst/>
+          </a:prstGeom>
+        </p:spPr>
+      </p:pic>
+    </p:spTree>
+    <p:extLst>
+      <p:ext uri="{BB962C8B-B14F-4D97-AF65-F5344CB8AC3E}">
+        <p14:creationId xmlns:p14="http://schemas.microsoft.com/office/powerpoint/2010/main" val="3103490381"/>
+      </p:ext>
+    </p:extLst>
+  </p:cSld>
+  <p:clrMapOvr>
+    <a:masterClrMapping/>
+  </p:clrMapOvr>
+</p:sld>
+</file>
+
+<file path=ppt/slides/slide36.xml><?xml version="1.0" encoding="utf-8"?>
+<p:sld xmlns:a="http://schemas.openxmlformats.org/drawingml/2006/main" xmlns:r="http://schemas.openxmlformats.org/officeDocument/2006/relationships" xmlns:p="http://schemas.openxmlformats.org/presentationml/2006/main">
+  <p:cSld>
+    <p:bg>
+      <p:bgPr>
+        <a:solidFill>
+          <a:schemeClr val="bg1"/>
+        </a:solidFill>
+        <a:effectLst/>
+      </p:bgPr>
+    </p:bg>
+    <p:spTree>
+      <p:nvGrpSpPr>
+        <p:cNvPr id="1" name=""/>
+        <p:cNvGrpSpPr/>
+        <p:nvPr/>
+      </p:nvGrpSpPr>
+      <p:grpSpPr>
+        <a:xfrm>
+          <a:off x="0" y="0"/>
+          <a:ext cx="0" cy="0"/>
+          <a:chOff x="0" y="0"/>
+          <a:chExt cx="0" cy="0"/>
+        </a:xfrm>
+      </p:grpSpPr>
+      <p:sp>
+        <p:nvSpPr>
+          <p:cNvPr id="24" name="Down Arrow 7">
+            <a:extLst>
+              <a:ext uri="{FF2B5EF4-FFF2-40B4-BE49-F238E27FC236}">
+                <a16:creationId xmlns:a16="http://schemas.microsoft.com/office/drawing/2014/main" id="{73DE2CFE-42F2-48F0-8706-5264E012B10C}"/>
+              </a:ext>
+              <a:ext uri="{C183D7F6-B498-43B3-948B-1728B52AA6E4}">
+                <adec:decorative xmlns:adec="http://schemas.microsoft.com/office/drawing/2017/decorative" val="1"/>
+              </a:ext>
+            </a:extLst>
+          </p:cNvPr>
+          <p:cNvSpPr>
+            <a:spLocks noGrp="1" noRot="1" noChangeAspect="1" noMove="1" noResize="1" noEditPoints="1" noAdjustHandles="1" noChangeArrowheads="1" noChangeShapeType="1" noTextEdit="1"/>
+          </p:cNvSpPr>
+          <p:nvPr>
+            <p:extLst>
+              <p:ext uri="{386F3935-93C4-4BCD-93E2-E3B085C9AB24}">
+                <p16:designElem xmlns:p16="http://schemas.microsoft.com/office/powerpoint/2015/main" val="1"/>
+              </p:ext>
+            </p:extLst>
+          </p:nvPr>
+        </p:nvSpPr>
+        <p:spPr>
+          <a:xfrm rot="16200000">
+            <a:off x="5662795" y="-3745097"/>
+            <a:ext cx="1354979" cy="10750169"/>
+          </a:xfrm>
+          <a:prstGeom prst="downArrow">
+            <a:avLst>
+              <a:gd name="adj1" fmla="val 100000"/>
+              <a:gd name="adj2" fmla="val 22582"/>
+            </a:avLst>
+          </a:prstGeom>
+          <a:solidFill>
+            <a:srgbClr val="404040"/>
+          </a:solidFill>
+          <a:ln w="53975">
+            <a:noFill/>
+          </a:ln>
+        </p:spPr>
+        <p:style>
+          <a:lnRef idx="2">
+            <a:schemeClr val="accent1">
+              <a:shade val="50000"/>
+            </a:schemeClr>
+          </a:lnRef>
+          <a:fillRef idx="1">
+            <a:schemeClr val="accent1"/>
+          </a:fillRef>
+          <a:effectRef idx="0">
+            <a:schemeClr val="accent1"/>
+          </a:effectRef>
+          <a:fontRef idx="minor">
+            <a:schemeClr val="lt1"/>
+          </a:fontRef>
+        </p:style>
+        <p:txBody>
+          <a:bodyPr rtlCol="0" anchor="ctr"/>
+          <a:lstStyle/>
+          <a:p>
+            <a:pPr marL="0" marR="0" lvl="0" indent="0" algn="ctr" defTabSz="914400" rtl="0" eaLnBrk="1" fontAlgn="auto" latinLnBrk="0" hangingPunct="1">
+              <a:lnSpc>
+                <a:spcPct val="100000"/>
+              </a:lnSpc>
+              <a:spcBef>
+                <a:spcPts val="0"/>
+              </a:spcBef>
+              <a:spcAft>
+                <a:spcPts val="0"/>
+              </a:spcAft>
+              <a:buClrTx/>
+              <a:buSzTx/>
+              <a:buFontTx/>
+              <a:buNone/>
+              <a:tabLst/>
+              <a:defRPr/>
+            </a:pPr>
+            <a:endParaRPr kumimoji="0" lang="en-US" sz="1800" b="0" i="0" u="none" strike="noStrike" kern="1200" cap="none" spc="0" normalizeH="0" baseline="0" noProof="0">
+              <a:ln>
+                <a:noFill/>
+              </a:ln>
+              <a:solidFill>
+                <a:prstClr val="white"/>
+              </a:solidFill>
+              <a:effectLst/>
+              <a:uLnTx/>
+              <a:uFillTx/>
+              <a:latin typeface="Calibri" panose="020F0502020204030204"/>
+              <a:ea typeface="+mn-ea"/>
+              <a:cs typeface="+mn-cs"/>
+            </a:endParaRPr>
+          </a:p>
+        </p:txBody>
+      </p:sp>
+      <p:sp>
+        <p:nvSpPr>
+          <p:cNvPr id="2" name="Title 1"/>
+          <p:cNvSpPr>
+            <a:spLocks noGrp="1"/>
+          </p:cNvSpPr>
+          <p:nvPr>
+            <p:ph type="title"/>
+          </p:nvPr>
+        </p:nvSpPr>
+        <p:spPr>
+          <a:xfrm>
+            <a:off x="1286932" y="1204109"/>
+            <a:ext cx="10023398" cy="857894"/>
+          </a:xfrm>
+        </p:spPr>
+        <p:txBody>
+          <a:bodyPr vert="horz" lIns="91440" tIns="45720" rIns="91440" bIns="45720" rtlCol="0" anchor="ctr">
+            <a:normAutofit/>
+          </a:bodyPr>
+          <a:lstStyle/>
+          <a:p>
+            <a:r>
+              <a:rPr lang="en-US" sz="4000" dirty="0">
+                <a:solidFill>
+                  <a:srgbClr val="FFFFFF"/>
+                </a:solidFill>
+              </a:rPr>
               <a:t>Calculation of Covariance </a:t>
             </a:r>
             <a:endParaRPr lang="en-US" sz="4000" kern="1200" dirty="0">
@@ -37508,7 +39883,7 @@
 </p:sld>
 </file>
 
-<file path=ppt/slides/slide31.xml><?xml version="1.0" encoding="utf-8"?>
+<file path=ppt/slides/slide37.xml><?xml version="1.0" encoding="utf-8"?>
 <p:sld xmlns:a="http://schemas.openxmlformats.org/drawingml/2006/main" xmlns:r="http://schemas.openxmlformats.org/officeDocument/2006/relationships" xmlns:p="http://schemas.openxmlformats.org/presentationml/2006/main">
   <p:cSld>
     <p:bg>
@@ -37839,7 +40214,7 @@
 </p:sld>
 </file>
 
-<file path=ppt/slides/slide32.xml><?xml version="1.0" encoding="utf-8"?>
+<file path=ppt/slides/slide38.xml><?xml version="1.0" encoding="utf-8"?>
 <p:sld xmlns:a="http://schemas.openxmlformats.org/drawingml/2006/main" xmlns:r="http://schemas.openxmlformats.org/officeDocument/2006/relationships" xmlns:p="http://schemas.openxmlformats.org/presentationml/2006/main">
   <p:cSld>
     <p:bg>
@@ -38329,7 +40704,7 @@
 </p:sld>
 </file>
 
-<file path=ppt/slides/slide33.xml><?xml version="1.0" encoding="utf-8"?>
+<file path=ppt/slides/slide39.xml><?xml version="1.0" encoding="utf-8"?>
 <p:sld xmlns:a="http://schemas.openxmlformats.org/drawingml/2006/main" xmlns:r="http://schemas.openxmlformats.org/officeDocument/2006/relationships" xmlns:p="http://schemas.openxmlformats.org/presentationml/2006/main">
   <p:cSld>
     <p:bg>
@@ -38606,2065 +40981,6 @@
     <p:extLst>
       <p:ext uri="{BB962C8B-B14F-4D97-AF65-F5344CB8AC3E}">
         <p14:creationId xmlns:p14="http://schemas.microsoft.com/office/powerpoint/2010/main" val="1123067029"/>
-      </p:ext>
-    </p:extLst>
-  </p:cSld>
-  <p:clrMapOvr>
-    <a:masterClrMapping/>
-  </p:clrMapOvr>
-</p:sld>
-</file>
-
-<file path=ppt/slides/slide34.xml><?xml version="1.0" encoding="utf-8"?>
-<p:sld xmlns:a="http://schemas.openxmlformats.org/drawingml/2006/main" xmlns:r="http://schemas.openxmlformats.org/officeDocument/2006/relationships" xmlns:p="http://schemas.openxmlformats.org/presentationml/2006/main">
-  <p:cSld>
-    <p:bg>
-      <p:bgPr>
-        <a:solidFill>
-          <a:schemeClr val="bg1"/>
-        </a:solidFill>
-        <a:effectLst/>
-      </p:bgPr>
-    </p:bg>
-    <p:spTree>
-      <p:nvGrpSpPr>
-        <p:cNvPr id="1" name=""/>
-        <p:cNvGrpSpPr/>
-        <p:nvPr/>
-      </p:nvGrpSpPr>
-      <p:grpSpPr>
-        <a:xfrm>
-          <a:off x="0" y="0"/>
-          <a:ext cx="0" cy="0"/>
-          <a:chOff x="0" y="0"/>
-          <a:chExt cx="0" cy="0"/>
-        </a:xfrm>
-      </p:grpSpPr>
-      <p:sp>
-        <p:nvSpPr>
-          <p:cNvPr id="10" name="Rectangle 9">
-            <a:extLst>
-              <a:ext uri="{FF2B5EF4-FFF2-40B4-BE49-F238E27FC236}">
-                <a16:creationId xmlns:a16="http://schemas.microsoft.com/office/drawing/2014/main" id="{823AC064-BC96-4F32-8AE1-B2FD38754823}"/>
-              </a:ext>
-              <a:ext uri="{C183D7F6-B498-43B3-948B-1728B52AA6E4}">
-                <adec:decorative xmlns:adec="http://schemas.microsoft.com/office/drawing/2017/decorative" val="1"/>
-              </a:ext>
-            </a:extLst>
-          </p:cNvPr>
-          <p:cNvSpPr>
-            <a:spLocks noGrp="1" noRot="1" noChangeAspect="1" noMove="1" noResize="1" noEditPoints="1" noAdjustHandles="1" noChangeArrowheads="1" noChangeShapeType="1" noTextEdit="1"/>
-          </p:cNvSpPr>
-          <p:nvPr>
-            <p:extLst>
-              <p:ext uri="{386F3935-93C4-4BCD-93E2-E3B085C9AB24}">
-                <p16:designElem xmlns:p16="http://schemas.microsoft.com/office/powerpoint/2015/main" val="1"/>
-              </p:ext>
-            </p:extLst>
-          </p:nvPr>
-        </p:nvSpPr>
-        <p:spPr bwMode="ltGray">
-          <a:xfrm>
-            <a:off x="378068" y="4633546"/>
-            <a:ext cx="11438793" cy="1844256"/>
-          </a:xfrm>
-          <a:prstGeom prst="rect">
-            <a:avLst/>
-          </a:prstGeom>
-          <a:solidFill>
-            <a:srgbClr val="404040"/>
-          </a:solidFill>
-          <a:ln w="127000" cap="sq" cmpd="thinThick">
-            <a:solidFill>
-              <a:srgbClr val="404040"/>
-            </a:solidFill>
-          </a:ln>
-        </p:spPr>
-        <p:style>
-          <a:lnRef idx="2">
-            <a:schemeClr val="accent1">
-              <a:shade val="50000"/>
-            </a:schemeClr>
-          </a:lnRef>
-          <a:fillRef idx="1">
-            <a:schemeClr val="accent1"/>
-          </a:fillRef>
-          <a:effectRef idx="0">
-            <a:schemeClr val="accent1"/>
-          </a:effectRef>
-          <a:fontRef idx="minor">
-            <a:schemeClr val="lt1"/>
-          </a:fontRef>
-        </p:style>
-        <p:txBody>
-          <a:bodyPr rtlCol="0" anchor="ctr"/>
-          <a:lstStyle/>
-          <a:p>
-            <a:pPr marL="0" marR="0" lvl="0" indent="0" algn="ctr" defTabSz="914400" rtl="0" eaLnBrk="1" fontAlgn="auto" latinLnBrk="0" hangingPunct="1">
-              <a:lnSpc>
-                <a:spcPct val="100000"/>
-              </a:lnSpc>
-              <a:spcBef>
-                <a:spcPts val="0"/>
-              </a:spcBef>
-              <a:spcAft>
-                <a:spcPts val="0"/>
-              </a:spcAft>
-              <a:buClrTx/>
-              <a:buSzTx/>
-              <a:buFontTx/>
-              <a:buNone/>
-              <a:tabLst/>
-              <a:defRPr/>
-            </a:pPr>
-            <a:endParaRPr kumimoji="0" lang="en-US" sz="1800" b="0" i="0" u="none" strike="noStrike" kern="1200" cap="none" spc="0" normalizeH="0" baseline="0" noProof="0" dirty="0">
-              <a:ln>
-                <a:noFill/>
-              </a:ln>
-              <a:solidFill>
-                <a:prstClr val="white"/>
-              </a:solidFill>
-              <a:effectLst/>
-              <a:uLnTx/>
-              <a:uFillTx/>
-              <a:latin typeface="Calibri" panose="020F0502020204030204"/>
-              <a:ea typeface="+mn-ea"/>
-              <a:cs typeface="+mn-cs"/>
-            </a:endParaRPr>
-          </a:p>
-        </p:txBody>
-      </p:sp>
-      <p:sp>
-        <p:nvSpPr>
-          <p:cNvPr id="2" name="Title 1"/>
-          <p:cNvSpPr>
-            <a:spLocks noGrp="1"/>
-          </p:cNvSpPr>
-          <p:nvPr>
-            <p:ph type="title"/>
-          </p:nvPr>
-        </p:nvSpPr>
-        <p:spPr>
-          <a:xfrm>
-            <a:off x="527538" y="4756638"/>
-            <a:ext cx="11139854" cy="930447"/>
-          </a:xfrm>
-        </p:spPr>
-        <p:txBody>
-          <a:bodyPr vert="horz" lIns="91440" tIns="45720" rIns="91440" bIns="45720" rtlCol="0" anchor="b">
-            <a:normAutofit/>
-          </a:bodyPr>
-          <a:lstStyle/>
-          <a:p>
-            <a:pPr algn="ctr"/>
-            <a:r>
-              <a:rPr lang="en-US" sz="5400" kern="1200" dirty="0">
-                <a:solidFill>
-                  <a:srgbClr val="FFFFFF"/>
-                </a:solidFill>
-                <a:latin typeface="+mj-lt"/>
-                <a:ea typeface="+mj-ea"/>
-                <a:cs typeface="+mj-cs"/>
-              </a:rPr>
-              <a:t>Correlation</a:t>
-            </a:r>
-          </a:p>
-        </p:txBody>
-      </p:sp>
-      <p:pic>
-        <p:nvPicPr>
-          <p:cNvPr id="5" name="Content Placeholder 4"/>
-          <p:cNvPicPr>
-            <a:picLocks noGrp="1" noChangeAspect="1"/>
-          </p:cNvPicPr>
-          <p:nvPr>
-            <p:ph idx="1"/>
-          </p:nvPr>
-        </p:nvPicPr>
-        <p:blipFill>
-          <a:blip r:embed="rId2"/>
-          <a:stretch>
-            <a:fillRect/>
-          </a:stretch>
-        </p:blipFill>
-        <p:spPr>
-          <a:xfrm>
-            <a:off x="614531" y="307731"/>
-            <a:ext cx="10907838" cy="3997637"/>
-          </a:xfrm>
-          <a:prstGeom prst="rect">
-            <a:avLst/>
-          </a:prstGeom>
-        </p:spPr>
-      </p:pic>
-      <p:cxnSp>
-        <p:nvCxnSpPr>
-          <p:cNvPr id="12" name="Straight Connector 11">
-            <a:extLst>
-              <a:ext uri="{FF2B5EF4-FFF2-40B4-BE49-F238E27FC236}">
-                <a16:creationId xmlns:a16="http://schemas.microsoft.com/office/drawing/2014/main" id="{7E7C77BC-7138-40B1-A15B-20F57A494629}"/>
-              </a:ext>
-              <a:ext uri="{C183D7F6-B498-43B3-948B-1728B52AA6E4}">
-                <adec:decorative xmlns:adec="http://schemas.microsoft.com/office/drawing/2017/decorative" val="1"/>
-              </a:ext>
-            </a:extLst>
-          </p:cNvPr>
-          <p:cNvCxnSpPr>
-            <a:cxnSpLocks noGrp="1" noRot="1" noChangeAspect="1" noMove="1" noResize="1" noEditPoints="1" noAdjustHandles="1" noChangeArrowheads="1" noChangeShapeType="1"/>
-          </p:cNvCxnSpPr>
-          <p:nvPr>
-            <p:extLst>
-              <p:ext uri="{386F3935-93C4-4BCD-93E2-E3B085C9AB24}">
-                <p16:designElem xmlns:p16="http://schemas.microsoft.com/office/powerpoint/2015/main" val="1"/>
-              </p:ext>
-            </p:extLst>
-          </p:nvPr>
-        </p:nvCxnSpPr>
-        <p:spPr>
-          <a:xfrm>
-            <a:off x="2209800" y="5738691"/>
-            <a:ext cx="7772400" cy="0"/>
-          </a:xfrm>
-          <a:prstGeom prst="line">
-            <a:avLst/>
-          </a:prstGeom>
-          <a:ln w="22225">
-            <a:solidFill>
-              <a:srgbClr val="D9D9D9"/>
-            </a:solidFill>
-          </a:ln>
-        </p:spPr>
-        <p:style>
-          <a:lnRef idx="1">
-            <a:schemeClr val="accent1"/>
-          </a:lnRef>
-          <a:fillRef idx="0">
-            <a:schemeClr val="accent1"/>
-          </a:fillRef>
-          <a:effectRef idx="0">
-            <a:schemeClr val="accent1"/>
-          </a:effectRef>
-          <a:fontRef idx="minor">
-            <a:schemeClr val="tx1"/>
-          </a:fontRef>
-        </p:style>
-      </p:cxnSp>
-      <p:pic>
-        <p:nvPicPr>
-          <p:cNvPr id="3" name="Picture 2" descr="A close up of a logo&#10;&#10;Description automatically generated">
-            <a:extLst>
-              <a:ext uri="{FF2B5EF4-FFF2-40B4-BE49-F238E27FC236}">
-                <a16:creationId xmlns:a16="http://schemas.microsoft.com/office/drawing/2014/main" id="{445BFB48-C9F8-4037-82D3-0A1B9A08F495}"/>
-              </a:ext>
-            </a:extLst>
-          </p:cNvPr>
-          <p:cNvPicPr>
-            <a:picLocks noChangeAspect="1"/>
-          </p:cNvPicPr>
-          <p:nvPr/>
-        </p:nvPicPr>
-        <p:blipFill>
-          <a:blip r:embed="rId3" cstate="print">
-            <a:extLst>
-              <a:ext uri="{28A0092B-C50C-407E-A947-70E740481C1C}">
-                <a14:useLocalDpi xmlns:a14="http://schemas.microsoft.com/office/drawing/2010/main" val="0"/>
-              </a:ext>
-            </a:extLst>
-          </a:blip>
-          <a:stretch>
-            <a:fillRect/>
-          </a:stretch>
-        </p:blipFill>
-        <p:spPr>
-          <a:xfrm>
-            <a:off x="5287948" y="6600642"/>
-            <a:ext cx="1616104" cy="230901"/>
-          </a:xfrm>
-          <a:prstGeom prst="rect">
-            <a:avLst/>
-          </a:prstGeom>
-        </p:spPr>
-      </p:pic>
-    </p:spTree>
-    <p:extLst>
-      <p:ext uri="{BB962C8B-B14F-4D97-AF65-F5344CB8AC3E}">
-        <p14:creationId xmlns:p14="http://schemas.microsoft.com/office/powerpoint/2010/main" val="56238223"/>
-      </p:ext>
-    </p:extLst>
-  </p:cSld>
-  <p:clrMapOvr>
-    <a:masterClrMapping/>
-  </p:clrMapOvr>
-</p:sld>
-</file>
-
-<file path=ppt/slides/slide35.xml><?xml version="1.0" encoding="utf-8"?>
-<p:sld xmlns:a="http://schemas.openxmlformats.org/drawingml/2006/main" xmlns:r="http://schemas.openxmlformats.org/officeDocument/2006/relationships" xmlns:p="http://schemas.openxmlformats.org/presentationml/2006/main">
-  <p:cSld>
-    <p:bg>
-      <p:bgPr>
-        <a:solidFill>
-          <a:schemeClr val="bg1"/>
-        </a:solidFill>
-        <a:effectLst/>
-      </p:bgPr>
-    </p:bg>
-    <p:spTree>
-      <p:nvGrpSpPr>
-        <p:cNvPr id="1" name=""/>
-        <p:cNvGrpSpPr/>
-        <p:nvPr/>
-      </p:nvGrpSpPr>
-      <p:grpSpPr>
-        <a:xfrm>
-          <a:off x="0" y="0"/>
-          <a:ext cx="0" cy="0"/>
-          <a:chOff x="0" y="0"/>
-          <a:chExt cx="0" cy="0"/>
-        </a:xfrm>
-      </p:grpSpPr>
-      <p:sp>
-        <p:nvSpPr>
-          <p:cNvPr id="13" name="Down Arrow 7">
-            <a:extLst>
-              <a:ext uri="{FF2B5EF4-FFF2-40B4-BE49-F238E27FC236}">
-                <a16:creationId xmlns:a16="http://schemas.microsoft.com/office/drawing/2014/main" id="{73DE2CFE-42F2-48F0-8706-5264E012B10C}"/>
-              </a:ext>
-              <a:ext uri="{C183D7F6-B498-43B3-948B-1728B52AA6E4}">
-                <adec:decorative xmlns:adec="http://schemas.microsoft.com/office/drawing/2017/decorative" val="1"/>
-              </a:ext>
-            </a:extLst>
-          </p:cNvPr>
-          <p:cNvSpPr>
-            <a:spLocks noGrp="1" noRot="1" noChangeAspect="1" noMove="1" noResize="1" noEditPoints="1" noAdjustHandles="1" noChangeArrowheads="1" noChangeShapeType="1" noTextEdit="1"/>
-          </p:cNvSpPr>
-          <p:nvPr>
-            <p:extLst>
-              <p:ext uri="{386F3935-93C4-4BCD-93E2-E3B085C9AB24}">
-                <p16:designElem xmlns:p16="http://schemas.microsoft.com/office/powerpoint/2015/main" val="1"/>
-              </p:ext>
-            </p:extLst>
-          </p:nvPr>
-        </p:nvSpPr>
-        <p:spPr>
-          <a:xfrm rot="16200000">
-            <a:off x="5662795" y="-3745097"/>
-            <a:ext cx="1354979" cy="10750169"/>
-          </a:xfrm>
-          <a:prstGeom prst="downArrow">
-            <a:avLst>
-              <a:gd name="adj1" fmla="val 100000"/>
-              <a:gd name="adj2" fmla="val 22582"/>
-            </a:avLst>
-          </a:prstGeom>
-          <a:solidFill>
-            <a:srgbClr val="404040"/>
-          </a:solidFill>
-          <a:ln w="53975">
-            <a:noFill/>
-          </a:ln>
-        </p:spPr>
-        <p:style>
-          <a:lnRef idx="2">
-            <a:schemeClr val="accent1">
-              <a:shade val="50000"/>
-            </a:schemeClr>
-          </a:lnRef>
-          <a:fillRef idx="1">
-            <a:schemeClr val="accent1"/>
-          </a:fillRef>
-          <a:effectRef idx="0">
-            <a:schemeClr val="accent1"/>
-          </a:effectRef>
-          <a:fontRef idx="minor">
-            <a:schemeClr val="lt1"/>
-          </a:fontRef>
-        </p:style>
-        <p:txBody>
-          <a:bodyPr rtlCol="0" anchor="ctr"/>
-          <a:lstStyle/>
-          <a:p>
-            <a:pPr marL="0" marR="0" lvl="0" indent="0" algn="ctr" defTabSz="914400" rtl="0" eaLnBrk="1" fontAlgn="auto" latinLnBrk="0" hangingPunct="1">
-              <a:lnSpc>
-                <a:spcPct val="100000"/>
-              </a:lnSpc>
-              <a:spcBef>
-                <a:spcPts val="0"/>
-              </a:spcBef>
-              <a:spcAft>
-                <a:spcPts val="0"/>
-              </a:spcAft>
-              <a:buClrTx/>
-              <a:buSzTx/>
-              <a:buFontTx/>
-              <a:buNone/>
-              <a:tabLst/>
-              <a:defRPr/>
-            </a:pPr>
-            <a:endParaRPr kumimoji="0" lang="en-US" sz="1800" b="0" i="0" u="none" strike="noStrike" kern="1200" cap="none" spc="0" normalizeH="0" baseline="0" noProof="0">
-              <a:ln>
-                <a:noFill/>
-              </a:ln>
-              <a:solidFill>
-                <a:prstClr val="white"/>
-              </a:solidFill>
-              <a:effectLst/>
-              <a:uLnTx/>
-              <a:uFillTx/>
-              <a:latin typeface="Calibri" panose="020F0502020204030204"/>
-              <a:ea typeface="+mn-ea"/>
-              <a:cs typeface="+mn-cs"/>
-            </a:endParaRPr>
-          </a:p>
-        </p:txBody>
-      </p:sp>
-      <p:sp>
-        <p:nvSpPr>
-          <p:cNvPr id="2" name="Title 1"/>
-          <p:cNvSpPr>
-            <a:spLocks noGrp="1"/>
-          </p:cNvSpPr>
-          <p:nvPr>
-            <p:ph type="title"/>
-          </p:nvPr>
-        </p:nvSpPr>
-        <p:spPr>
-          <a:xfrm>
-            <a:off x="1286932" y="1204109"/>
-            <a:ext cx="10023398" cy="857894"/>
-          </a:xfrm>
-        </p:spPr>
-        <p:txBody>
-          <a:bodyPr vert="horz" lIns="91440" tIns="45720" rIns="91440" bIns="45720" rtlCol="0" anchor="ctr">
-            <a:normAutofit/>
-          </a:bodyPr>
-          <a:lstStyle/>
-          <a:p>
-            <a:r>
-              <a:rPr lang="en-US" sz="4000" kern="1200">
-                <a:solidFill>
-                  <a:srgbClr val="FFFFFF"/>
-                </a:solidFill>
-                <a:latin typeface="+mj-lt"/>
-                <a:ea typeface="+mj-ea"/>
-                <a:cs typeface="+mj-cs"/>
-              </a:rPr>
-              <a:t>Calculate:- Correlation </a:t>
-            </a:r>
-          </a:p>
-        </p:txBody>
-      </p:sp>
-      <p:pic>
-        <p:nvPicPr>
-          <p:cNvPr id="8" name="Content Placeholder 4"/>
-          <p:cNvPicPr>
-            <a:picLocks noChangeAspect="1"/>
-          </p:cNvPicPr>
-          <p:nvPr/>
-        </p:nvPicPr>
-        <p:blipFill>
-          <a:blip r:embed="rId2"/>
-          <a:stretch>
-            <a:fillRect/>
-          </a:stretch>
-        </p:blipFill>
-        <p:spPr>
-          <a:xfrm>
-            <a:off x="2438400" y="3088758"/>
-            <a:ext cx="6691698" cy="2466647"/>
-          </a:xfrm>
-          <a:prstGeom prst="rect">
-            <a:avLst/>
-          </a:prstGeom>
-        </p:spPr>
-      </p:pic>
-      <p:pic>
-        <p:nvPicPr>
-          <p:cNvPr id="3" name="Picture 2" descr="A close up of a logo&#10;&#10;Description automatically generated">
-            <a:extLst>
-              <a:ext uri="{FF2B5EF4-FFF2-40B4-BE49-F238E27FC236}">
-                <a16:creationId xmlns:a16="http://schemas.microsoft.com/office/drawing/2014/main" id="{C0536587-2289-44BA-93BE-FC334EDF4E36}"/>
-              </a:ext>
-            </a:extLst>
-          </p:cNvPr>
-          <p:cNvPicPr>
-            <a:picLocks noChangeAspect="1"/>
-          </p:cNvPicPr>
-          <p:nvPr/>
-        </p:nvPicPr>
-        <p:blipFill>
-          <a:blip r:embed="rId3" cstate="print">
-            <a:extLst>
-              <a:ext uri="{28A0092B-C50C-407E-A947-70E740481C1C}">
-                <a14:useLocalDpi xmlns:a14="http://schemas.microsoft.com/office/drawing/2010/main" val="0"/>
-              </a:ext>
-            </a:extLst>
-          </a:blip>
-          <a:stretch>
-            <a:fillRect/>
-          </a:stretch>
-        </p:blipFill>
-        <p:spPr>
-          <a:xfrm>
-            <a:off x="5287948" y="6600642"/>
-            <a:ext cx="1616104" cy="230901"/>
-          </a:xfrm>
-          <a:prstGeom prst="rect">
-            <a:avLst/>
-          </a:prstGeom>
-        </p:spPr>
-      </p:pic>
-    </p:spTree>
-    <p:extLst>
-      <p:ext uri="{BB962C8B-B14F-4D97-AF65-F5344CB8AC3E}">
-        <p14:creationId xmlns:p14="http://schemas.microsoft.com/office/powerpoint/2010/main" val="1145902117"/>
-      </p:ext>
-    </p:extLst>
-  </p:cSld>
-  <p:clrMapOvr>
-    <a:masterClrMapping/>
-  </p:clrMapOvr>
-</p:sld>
-</file>
-
-<file path=ppt/slides/slide36.xml><?xml version="1.0" encoding="utf-8"?>
-<p:sld xmlns:a="http://schemas.openxmlformats.org/drawingml/2006/main" xmlns:r="http://schemas.openxmlformats.org/officeDocument/2006/relationships" xmlns:p="http://schemas.openxmlformats.org/presentationml/2006/main">
-  <p:cSld>
-    <p:bg>
-      <p:bgPr>
-        <a:solidFill>
-          <a:schemeClr val="bg1"/>
-        </a:solidFill>
-        <a:effectLst/>
-      </p:bgPr>
-    </p:bg>
-    <p:spTree>
-      <p:nvGrpSpPr>
-        <p:cNvPr id="1" name=""/>
-        <p:cNvGrpSpPr/>
-        <p:nvPr/>
-      </p:nvGrpSpPr>
-      <p:grpSpPr>
-        <a:xfrm>
-          <a:off x="0" y="0"/>
-          <a:ext cx="0" cy="0"/>
-          <a:chOff x="0" y="0"/>
-          <a:chExt cx="0" cy="0"/>
-        </a:xfrm>
-      </p:grpSpPr>
-      <p:sp useBgFill="1">
-        <p:nvSpPr>
-          <p:cNvPr id="16" name="Rectangle 15">
-            <a:extLst>
-              <a:ext uri="{FF2B5EF4-FFF2-40B4-BE49-F238E27FC236}">
-                <a16:creationId xmlns:a16="http://schemas.microsoft.com/office/drawing/2014/main" id="{BAD76F3E-3A97-486B-B402-44400A8B9173}"/>
-              </a:ext>
-              <a:ext uri="{C183D7F6-B498-43B3-948B-1728B52AA6E4}">
-                <adec:decorative xmlns:adec="http://schemas.microsoft.com/office/drawing/2017/decorative" val="1"/>
-              </a:ext>
-            </a:extLst>
-          </p:cNvPr>
-          <p:cNvSpPr>
-            <a:spLocks noGrp="1" noRot="1" noChangeAspect="1" noMove="1" noResize="1" noEditPoints="1" noAdjustHandles="1" noChangeArrowheads="1" noChangeShapeType="1" noTextEdit="1"/>
-          </p:cNvSpPr>
-          <p:nvPr>
-            <p:extLst>
-              <p:ext uri="{386F3935-93C4-4BCD-93E2-E3B085C9AB24}">
-                <p16:designElem xmlns:p16="http://schemas.microsoft.com/office/powerpoint/2015/main" val="1"/>
-              </p:ext>
-            </p:extLst>
-          </p:nvPr>
-        </p:nvSpPr>
-        <p:spPr>
-          <a:xfrm>
-            <a:off x="0" y="0"/>
-            <a:ext cx="12192000" cy="6858000"/>
-          </a:xfrm>
-          <a:prstGeom prst="rect">
-            <a:avLst/>
-          </a:prstGeom>
-          <a:ln>
-            <a:noFill/>
-          </a:ln>
-        </p:spPr>
-        <p:style>
-          <a:lnRef idx="2">
-            <a:schemeClr val="accent1">
-              <a:shade val="50000"/>
-            </a:schemeClr>
-          </a:lnRef>
-          <a:fillRef idx="1">
-            <a:schemeClr val="accent1"/>
-          </a:fillRef>
-          <a:effectRef idx="0">
-            <a:schemeClr val="accent1"/>
-          </a:effectRef>
-          <a:fontRef idx="minor">
-            <a:schemeClr val="lt1"/>
-          </a:fontRef>
-        </p:style>
-        <p:txBody>
-          <a:bodyPr rtlCol="0" anchor="ctr"/>
-          <a:lstStyle/>
-          <a:p>
-            <a:pPr algn="ctr"/>
-            <a:endParaRPr lang="en-US"/>
-          </a:p>
-        </p:txBody>
-      </p:sp>
-      <p:sp>
-        <p:nvSpPr>
-          <p:cNvPr id="2" name="Title 1"/>
-          <p:cNvSpPr>
-            <a:spLocks noGrp="1"/>
-          </p:cNvSpPr>
-          <p:nvPr>
-            <p:ph type="ctrTitle"/>
-          </p:nvPr>
-        </p:nvSpPr>
-        <p:spPr>
-          <a:xfrm>
-            <a:off x="838199" y="1093788"/>
-            <a:ext cx="10506455" cy="2967208"/>
-          </a:xfrm>
-        </p:spPr>
-        <p:txBody>
-          <a:bodyPr vert="horz" lIns="91440" tIns="45720" rIns="91440" bIns="45720" rtlCol="0" anchor="b">
-            <a:normAutofit/>
-          </a:bodyPr>
-          <a:lstStyle/>
-          <a:p>
-            <a:r>
-              <a:rPr lang="en-US" sz="8000" kern="1200">
-                <a:solidFill>
-                  <a:schemeClr val="tx1"/>
-                </a:solidFill>
-                <a:latin typeface="+mj-lt"/>
-                <a:ea typeface="+mj-ea"/>
-                <a:cs typeface="+mj-cs"/>
-              </a:rPr>
-              <a:t>Kurtosis, Skewness</a:t>
-            </a:r>
-          </a:p>
-        </p:txBody>
-      </p:sp>
-      <p:sp>
-        <p:nvSpPr>
-          <p:cNvPr id="18" name="Rectangle 17">
-            <a:extLst>
-              <a:ext uri="{FF2B5EF4-FFF2-40B4-BE49-F238E27FC236}">
-                <a16:creationId xmlns:a16="http://schemas.microsoft.com/office/drawing/2014/main" id="{391F6B52-91F4-4AEB-B6DB-29FEBCF28C8B}"/>
-              </a:ext>
-              <a:ext uri="{C183D7F6-B498-43B3-948B-1728B52AA6E4}">
-                <adec:decorative xmlns:adec="http://schemas.microsoft.com/office/drawing/2017/decorative" val="1"/>
-              </a:ext>
-            </a:extLst>
-          </p:cNvPr>
-          <p:cNvSpPr>
-            <a:spLocks noGrp="1" noRot="1" noChangeAspect="1" noMove="1" noResize="1" noEditPoints="1" noAdjustHandles="1" noChangeArrowheads="1" noChangeShapeType="1" noTextEdit="1"/>
-          </p:cNvSpPr>
-          <p:nvPr>
-            <p:extLst>
-              <p:ext uri="{386F3935-93C4-4BCD-93E2-E3B085C9AB24}">
-                <p16:designElem xmlns:p16="http://schemas.microsoft.com/office/powerpoint/2015/main" val="1"/>
-              </p:ext>
-            </p:extLst>
-          </p:nvPr>
-        </p:nvSpPr>
-        <p:spPr>
-          <a:xfrm>
-            <a:off x="841248" y="4331166"/>
-            <a:ext cx="10506456" cy="18288"/>
-          </a:xfrm>
-          <a:prstGeom prst="rect">
-            <a:avLst/>
-          </a:prstGeom>
-          <a:solidFill>
-            <a:srgbClr val="D5D5D5"/>
-          </a:solidFill>
-          <a:ln w="3175">
-            <a:noFill/>
-          </a:ln>
-          <a:effectLst/>
-        </p:spPr>
-        <p:style>
-          <a:lnRef idx="2">
-            <a:schemeClr val="accent1">
-              <a:shade val="50000"/>
-            </a:schemeClr>
-          </a:lnRef>
-          <a:fillRef idx="1">
-            <a:schemeClr val="accent1"/>
-          </a:fillRef>
-          <a:effectRef idx="0">
-            <a:schemeClr val="accent1"/>
-          </a:effectRef>
-          <a:fontRef idx="minor">
-            <a:schemeClr val="lt1"/>
-          </a:fontRef>
-        </p:style>
-        <p:txBody>
-          <a:bodyPr rtlCol="0" anchor="ctr"/>
-          <a:lstStyle/>
-          <a:p>
-            <a:pPr algn="ctr"/>
-            <a:endParaRPr lang="en-US">
-              <a:solidFill>
-                <a:prstClr val="white"/>
-              </a:solidFill>
-              <a:latin typeface="Calibri" panose="020F0502020204030204"/>
-            </a:endParaRPr>
-          </a:p>
-        </p:txBody>
-      </p:sp>
-      <p:sp>
-        <p:nvSpPr>
-          <p:cNvPr id="20" name="Rectangle 19">
-            <a:extLst>
-              <a:ext uri="{FF2B5EF4-FFF2-40B4-BE49-F238E27FC236}">
-                <a16:creationId xmlns:a16="http://schemas.microsoft.com/office/drawing/2014/main" id="{2CD6F061-7C53-44F4-9794-953DB70A451B}"/>
-              </a:ext>
-              <a:ext uri="{C183D7F6-B498-43B3-948B-1728B52AA6E4}">
-                <adec:decorative xmlns:adec="http://schemas.microsoft.com/office/drawing/2017/decorative" val="1"/>
-              </a:ext>
-            </a:extLst>
-          </p:cNvPr>
-          <p:cNvSpPr>
-            <a:spLocks noGrp="1" noRot="1" noChangeAspect="1" noMove="1" noResize="1" noEditPoints="1" noAdjustHandles="1" noChangeArrowheads="1" noChangeShapeType="1" noTextEdit="1"/>
-          </p:cNvSpPr>
-          <p:nvPr>
-            <p:extLst>
-              <p:ext uri="{386F3935-93C4-4BCD-93E2-E3B085C9AB24}">
-                <p16:designElem xmlns:p16="http://schemas.microsoft.com/office/powerpoint/2015/main" val="1"/>
-              </p:ext>
-            </p:extLst>
-          </p:nvPr>
-        </p:nvSpPr>
-        <p:spPr>
-          <a:xfrm rot="5400000">
-            <a:off x="9346882" y="2348839"/>
-            <a:ext cx="54864" cy="3946779"/>
-          </a:xfrm>
-          <a:prstGeom prst="rect">
-            <a:avLst/>
-          </a:prstGeom>
-          <a:solidFill>
-            <a:schemeClr val="accent2"/>
-          </a:solidFill>
-          <a:ln>
-            <a:noFill/>
-          </a:ln>
-        </p:spPr>
-        <p:style>
-          <a:lnRef idx="2">
-            <a:schemeClr val="accent1">
-              <a:shade val="50000"/>
-            </a:schemeClr>
-          </a:lnRef>
-          <a:fillRef idx="1">
-            <a:schemeClr val="accent1"/>
-          </a:fillRef>
-          <a:effectRef idx="0">
-            <a:schemeClr val="accent1"/>
-          </a:effectRef>
-          <a:fontRef idx="minor">
-            <a:schemeClr val="lt1"/>
-          </a:fontRef>
-        </p:style>
-        <p:txBody>
-          <a:bodyPr rtlCol="0" anchor="ctr"/>
-          <a:lstStyle/>
-          <a:p>
-            <a:pPr marL="0" marR="0" lvl="0" indent="0" algn="ctr" defTabSz="914400" rtl="0" eaLnBrk="1" fontAlgn="auto" latinLnBrk="0" hangingPunct="1">
-              <a:lnSpc>
-                <a:spcPct val="100000"/>
-              </a:lnSpc>
-              <a:spcBef>
-                <a:spcPts val="0"/>
-              </a:spcBef>
-              <a:spcAft>
-                <a:spcPts val="0"/>
-              </a:spcAft>
-              <a:buClrTx/>
-              <a:buSzTx/>
-              <a:buFontTx/>
-              <a:buNone/>
-              <a:tabLst/>
-              <a:defRPr/>
-            </a:pPr>
-            <a:endParaRPr kumimoji="0" lang="en-US" sz="1800" b="0" i="0" u="none" strike="noStrike" kern="1200" cap="none" spc="0" normalizeH="0" baseline="0" noProof="0">
-              <a:ln>
-                <a:noFill/>
-              </a:ln>
-              <a:solidFill>
-                <a:prstClr val="white"/>
-              </a:solidFill>
-              <a:effectLst/>
-              <a:uLnTx/>
-              <a:uFillTx/>
-              <a:latin typeface="Calibri" panose="020F0502020204030204"/>
-              <a:ea typeface="+mn-ea"/>
-              <a:cs typeface="+mn-cs"/>
-            </a:endParaRPr>
-          </a:p>
-        </p:txBody>
-      </p:sp>
-      <p:pic>
-        <p:nvPicPr>
-          <p:cNvPr id="3" name="Picture 2" descr="A close up of a logo&#10;&#10;Description automatically generated">
-            <a:extLst>
-              <a:ext uri="{FF2B5EF4-FFF2-40B4-BE49-F238E27FC236}">
-                <a16:creationId xmlns:a16="http://schemas.microsoft.com/office/drawing/2014/main" id="{7FFB5DEB-BD94-4B1A-9F36-498FFB5295EF}"/>
-              </a:ext>
-            </a:extLst>
-          </p:cNvPr>
-          <p:cNvPicPr>
-            <a:picLocks noChangeAspect="1"/>
-          </p:cNvPicPr>
-          <p:nvPr/>
-        </p:nvPicPr>
-        <p:blipFill>
-          <a:blip r:embed="rId2" cstate="print">
-            <a:extLst>
-              <a:ext uri="{28A0092B-C50C-407E-A947-70E740481C1C}">
-                <a14:useLocalDpi xmlns:a14="http://schemas.microsoft.com/office/drawing/2010/main" val="0"/>
-              </a:ext>
-            </a:extLst>
-          </a:blip>
-          <a:stretch>
-            <a:fillRect/>
-          </a:stretch>
-        </p:blipFill>
-        <p:spPr>
-          <a:xfrm>
-            <a:off x="5287948" y="6600642"/>
-            <a:ext cx="1616104" cy="230901"/>
-          </a:xfrm>
-          <a:prstGeom prst="rect">
-            <a:avLst/>
-          </a:prstGeom>
-        </p:spPr>
-      </p:pic>
-    </p:spTree>
-    <p:extLst>
-      <p:ext uri="{BB962C8B-B14F-4D97-AF65-F5344CB8AC3E}">
-        <p14:creationId xmlns:p14="http://schemas.microsoft.com/office/powerpoint/2010/main" val="1679314230"/>
-      </p:ext>
-    </p:extLst>
-  </p:cSld>
-  <p:clrMapOvr>
-    <a:masterClrMapping/>
-  </p:clrMapOvr>
-</p:sld>
-</file>
-
-<file path=ppt/slides/slide37.xml><?xml version="1.0" encoding="utf-8"?>
-<p:sld xmlns:a="http://schemas.openxmlformats.org/drawingml/2006/main" xmlns:r="http://schemas.openxmlformats.org/officeDocument/2006/relationships" xmlns:p="http://schemas.openxmlformats.org/presentationml/2006/main">
-  <p:cSld>
-    <p:bg>
-      <p:bgPr>
-        <a:solidFill>
-          <a:schemeClr val="bg1">
-            <a:tint val="95000"/>
-            <a:satMod val="170000"/>
-          </a:schemeClr>
-        </a:solidFill>
-        <a:effectLst/>
-      </p:bgPr>
-    </p:bg>
-    <p:spTree>
-      <p:nvGrpSpPr>
-        <p:cNvPr id="1" name=""/>
-        <p:cNvGrpSpPr/>
-        <p:nvPr/>
-      </p:nvGrpSpPr>
-      <p:grpSpPr>
-        <a:xfrm>
-          <a:off x="0" y="0"/>
-          <a:ext cx="0" cy="0"/>
-          <a:chOff x="0" y="0"/>
-          <a:chExt cx="0" cy="0"/>
-        </a:xfrm>
-      </p:grpSpPr>
-      <p:sp>
-        <p:nvSpPr>
-          <p:cNvPr id="9" name="Rectangle 8">
-            <a:extLst>
-              <a:ext uri="{FF2B5EF4-FFF2-40B4-BE49-F238E27FC236}">
-                <a16:creationId xmlns:a16="http://schemas.microsoft.com/office/drawing/2014/main" id="{E945E29B-B971-41C6-A57B-B29BBB108A39}"/>
-              </a:ext>
-              <a:ext uri="{C183D7F6-B498-43B3-948B-1728B52AA6E4}">
-                <adec:decorative xmlns:adec="http://schemas.microsoft.com/office/drawing/2017/decorative" val="1"/>
-              </a:ext>
-            </a:extLst>
-          </p:cNvPr>
-          <p:cNvSpPr>
-            <a:spLocks noGrp="1" noRot="1" noChangeAspect="1" noMove="1" noResize="1" noEditPoints="1" noAdjustHandles="1" noChangeArrowheads="1" noChangeShapeType="1" noTextEdit="1"/>
-          </p:cNvSpPr>
-          <p:nvPr>
-            <p:extLst>
-              <p:ext uri="{386F3935-93C4-4BCD-93E2-E3B085C9AB24}">
-                <p16:designElem xmlns:p16="http://schemas.microsoft.com/office/powerpoint/2015/main" val="1"/>
-              </p:ext>
-            </p:extLst>
-          </p:nvPr>
-        </p:nvSpPr>
-        <p:spPr>
-          <a:xfrm>
-            <a:off x="0" y="0"/>
-            <a:ext cx="12192000" cy="6858001"/>
-          </a:xfrm>
-          <a:prstGeom prst="rect">
-            <a:avLst/>
-          </a:prstGeom>
-          <a:solidFill>
-            <a:schemeClr val="tx2"/>
-          </a:solidFill>
-          <a:ln>
-            <a:noFill/>
-          </a:ln>
-        </p:spPr>
-        <p:style>
-          <a:lnRef idx="2">
-            <a:schemeClr val="accent1">
-              <a:shade val="50000"/>
-            </a:schemeClr>
-          </a:lnRef>
-          <a:fillRef idx="1">
-            <a:schemeClr val="accent1"/>
-          </a:fillRef>
-          <a:effectRef idx="0">
-            <a:schemeClr val="accent1"/>
-          </a:effectRef>
-          <a:fontRef idx="minor">
-            <a:schemeClr val="lt1"/>
-          </a:fontRef>
-        </p:style>
-        <p:txBody>
-          <a:bodyPr rtlCol="0" anchor="ctr"/>
-          <a:lstStyle/>
-          <a:p>
-            <a:pPr marL="0" marR="0" lvl="0" indent="0" algn="ctr" defTabSz="914400" rtl="0" eaLnBrk="1" fontAlgn="auto" latinLnBrk="0" hangingPunct="1">
-              <a:lnSpc>
-                <a:spcPct val="100000"/>
-              </a:lnSpc>
-              <a:spcBef>
-                <a:spcPts val="0"/>
-              </a:spcBef>
-              <a:spcAft>
-                <a:spcPts val="0"/>
-              </a:spcAft>
-              <a:buClrTx/>
-              <a:buSzTx/>
-              <a:buFontTx/>
-              <a:buNone/>
-              <a:tabLst/>
-              <a:defRPr/>
-            </a:pPr>
-            <a:endParaRPr kumimoji="0" lang="en-US" sz="1800" b="0" i="0" u="none" strike="noStrike" kern="1200" cap="none" spc="0" normalizeH="0" baseline="0" noProof="0">
-              <a:ln>
-                <a:noFill/>
-              </a:ln>
-              <a:solidFill>
-                <a:prstClr val="white"/>
-              </a:solidFill>
-              <a:effectLst/>
-              <a:uLnTx/>
-              <a:uFillTx/>
-              <a:latin typeface="Calibri" panose="020F0502020204030204"/>
-              <a:ea typeface="+mn-ea"/>
-              <a:cs typeface="+mn-cs"/>
-            </a:endParaRPr>
-          </a:p>
-        </p:txBody>
-      </p:sp>
-      <p:grpSp>
-        <p:nvGrpSpPr>
-          <p:cNvPr id="11" name="Group 10">
-            <a:extLst>
-              <a:ext uri="{FF2B5EF4-FFF2-40B4-BE49-F238E27FC236}">
-                <a16:creationId xmlns:a16="http://schemas.microsoft.com/office/drawing/2014/main" id="{4C76015D-CFEA-4204-9A50-352560FFC252}"/>
-              </a:ext>
-              <a:ext uri="{C183D7F6-B498-43B3-948B-1728B52AA6E4}">
-                <adec:decorative xmlns:adec="http://schemas.microsoft.com/office/drawing/2017/decorative" val="1"/>
-              </a:ext>
-            </a:extLst>
-          </p:cNvPr>
-          <p:cNvGrpSpPr>
-            <a:grpSpLocks noGrp="1" noUngrp="1" noRot="1" noChangeAspect="1" noMove="1" noResize="1"/>
-          </p:cNvGrpSpPr>
-          <p:nvPr>
-            <p:extLst>
-              <p:ext uri="{386F3935-93C4-4BCD-93E2-E3B085C9AB24}">
-                <p16:designElem xmlns:p16="http://schemas.microsoft.com/office/powerpoint/2015/main" val="1"/>
-              </p:ext>
-            </p:extLst>
-          </p:nvPr>
-        </p:nvGrpSpPr>
-        <p:grpSpPr>
-          <a:xfrm>
-            <a:off x="1155481" y="498348"/>
-            <a:ext cx="9902663" cy="5861304"/>
-            <a:chOff x="1155481" y="498348"/>
-            <a:chExt cx="9902663" cy="5861304"/>
-          </a:xfrm>
-        </p:grpSpPr>
-        <p:sp>
-          <p:nvSpPr>
-            <p:cNvPr id="12" name="Oval 5">
-              <a:extLst>
-                <a:ext uri="{FF2B5EF4-FFF2-40B4-BE49-F238E27FC236}">
-                  <a16:creationId xmlns:a16="http://schemas.microsoft.com/office/drawing/2014/main" id="{7325C43C-72B5-4DC9-B386-90859B58BF0D}"/>
-                </a:ext>
-                <a:ext uri="{C183D7F6-B498-43B3-948B-1728B52AA6E4}">
-                  <adec:decorative xmlns:adec="http://schemas.microsoft.com/office/drawing/2017/decorative" val="1"/>
-                </a:ext>
-              </a:extLst>
-            </p:cNvPr>
-            <p:cNvSpPr>
-              <a:spLocks noChangeArrowheads="1"/>
-            </p:cNvSpPr>
-            <p:nvPr>
-              <p:extLst>
-                <p:ext uri="{386F3935-93C4-4BCD-93E2-E3B085C9AB24}">
-                  <p16:designElem xmlns:p16="http://schemas.microsoft.com/office/powerpoint/2015/main" val="1"/>
-                </p:ext>
-              </p:extLst>
-            </p:nvPr>
-          </p:nvSpPr>
-          <p:spPr bwMode="auto">
-            <a:xfrm>
-              <a:off x="1155481" y="498348"/>
-              <a:ext cx="5861304" cy="5861304"/>
-            </a:xfrm>
-            <a:prstGeom prst="ellipse">
-              <a:avLst/>
-            </a:prstGeom>
-            <a:solidFill>
-              <a:schemeClr val="accent1">
-                <a:alpha val="55000"/>
-              </a:schemeClr>
-            </a:solidFill>
-            <a:ln>
-              <a:noFill/>
-            </a:ln>
-          </p:spPr>
-        </p:sp>
-        <p:sp>
-          <p:nvSpPr>
-            <p:cNvPr id="13" name="Oval 12">
-              <a:extLst>
-                <a:ext uri="{FF2B5EF4-FFF2-40B4-BE49-F238E27FC236}">
-                  <a16:creationId xmlns:a16="http://schemas.microsoft.com/office/drawing/2014/main" id="{C95AD9A4-5AF5-48C4-BC2A-635316433A45}"/>
-                </a:ext>
-                <a:ext uri="{C183D7F6-B498-43B3-948B-1728B52AA6E4}">
-                  <adec:decorative xmlns:adec="http://schemas.microsoft.com/office/drawing/2017/decorative" val="1"/>
-                </a:ext>
-              </a:extLst>
-            </p:cNvPr>
-            <p:cNvSpPr>
-              <a:spLocks noChangeArrowheads="1"/>
-            </p:cNvSpPr>
-            <p:nvPr>
-              <p:extLst>
-                <p:ext uri="{386F3935-93C4-4BCD-93E2-E3B085C9AB24}">
-                  <p16:designElem xmlns:p16="http://schemas.microsoft.com/office/powerpoint/2015/main" val="1"/>
-                </p:ext>
-              </p:extLst>
-            </p:nvPr>
-          </p:nvSpPr>
-          <p:spPr bwMode="auto">
-            <a:xfrm>
-              <a:off x="5196840" y="498348"/>
-              <a:ext cx="5861304" cy="5861304"/>
-            </a:xfrm>
-            <a:prstGeom prst="ellipse">
-              <a:avLst/>
-            </a:prstGeom>
-            <a:solidFill>
-              <a:schemeClr val="accent1">
-                <a:alpha val="55000"/>
-              </a:schemeClr>
-            </a:solidFill>
-            <a:ln>
-              <a:noFill/>
-            </a:ln>
-          </p:spPr>
-        </p:sp>
-        <p:sp>
-          <p:nvSpPr>
-            <p:cNvPr id="14" name="Oval 5">
-              <a:extLst>
-                <a:ext uri="{FF2B5EF4-FFF2-40B4-BE49-F238E27FC236}">
-                  <a16:creationId xmlns:a16="http://schemas.microsoft.com/office/drawing/2014/main" id="{AF4A3D62-D56C-4A32-8C75-100D383EC615}"/>
-                </a:ext>
-                <a:ext uri="{C183D7F6-B498-43B3-948B-1728B52AA6E4}">
-                  <adec:decorative xmlns:adec="http://schemas.microsoft.com/office/drawing/2017/decorative" val="1"/>
-                </a:ext>
-              </a:extLst>
-            </p:cNvPr>
-            <p:cNvSpPr>
-              <a:spLocks noChangeArrowheads="1"/>
-            </p:cNvSpPr>
-            <p:nvPr>
-              <p:extLst>
-                <p:ext uri="{386F3935-93C4-4BCD-93E2-E3B085C9AB24}">
-                  <p16:designElem xmlns:p16="http://schemas.microsoft.com/office/powerpoint/2015/main" val="1"/>
-                </p:ext>
-              </p:extLst>
-            </p:nvPr>
-          </p:nvSpPr>
-          <p:spPr bwMode="auto">
-            <a:xfrm>
-              <a:off x="3165348" y="498348"/>
-              <a:ext cx="5861304" cy="5861304"/>
-            </a:xfrm>
-            <a:prstGeom prst="ellipse">
-              <a:avLst/>
-            </a:prstGeom>
-            <a:solidFill>
-              <a:schemeClr val="accent1">
-                <a:alpha val="70000"/>
-              </a:schemeClr>
-            </a:solidFill>
-            <a:ln>
-              <a:noFill/>
-            </a:ln>
-          </p:spPr>
-        </p:sp>
-      </p:grpSp>
-      <p:sp useBgFill="1">
-        <p:nvSpPr>
-          <p:cNvPr id="16" name="Rectangle 15">
-            <a:extLst>
-              <a:ext uri="{FF2B5EF4-FFF2-40B4-BE49-F238E27FC236}">
-                <a16:creationId xmlns:a16="http://schemas.microsoft.com/office/drawing/2014/main" id="{3E1F47E4-066D-4C27-98C8-B2B2C7BABFEC}"/>
-              </a:ext>
-              <a:ext uri="{C183D7F6-B498-43B3-948B-1728B52AA6E4}">
-                <adec:decorative xmlns:adec="http://schemas.microsoft.com/office/drawing/2017/decorative" val="1"/>
-              </a:ext>
-            </a:extLst>
-          </p:cNvPr>
-          <p:cNvSpPr>
-            <a:spLocks noGrp="1" noRot="1" noChangeAspect="1" noMove="1" noResize="1" noEditPoints="1" noAdjustHandles="1" noChangeArrowheads="1" noChangeShapeType="1" noTextEdit="1"/>
-          </p:cNvSpPr>
-          <p:nvPr>
-            <p:extLst>
-              <p:ext uri="{386F3935-93C4-4BCD-93E2-E3B085C9AB24}">
-                <p16:designElem xmlns:p16="http://schemas.microsoft.com/office/powerpoint/2015/main" val="1"/>
-              </p:ext>
-            </p:extLst>
-          </p:nvPr>
-        </p:nvSpPr>
-        <p:spPr>
-          <a:xfrm>
-            <a:off x="0" y="1438772"/>
-            <a:ext cx="12192000" cy="3980456"/>
-          </a:xfrm>
-          <a:prstGeom prst="rect">
-            <a:avLst/>
-          </a:prstGeom>
-          <a:ln>
-            <a:noFill/>
-          </a:ln>
-        </p:spPr>
-        <p:style>
-          <a:lnRef idx="2">
-            <a:schemeClr val="accent1">
-              <a:shade val="50000"/>
-            </a:schemeClr>
-          </a:lnRef>
-          <a:fillRef idx="1">
-            <a:schemeClr val="accent1"/>
-          </a:fillRef>
-          <a:effectRef idx="0">
-            <a:schemeClr val="accent1"/>
-          </a:effectRef>
-          <a:fontRef idx="minor">
-            <a:schemeClr val="lt1"/>
-          </a:fontRef>
-        </p:style>
-      </p:sp>
-      <p:sp>
-        <p:nvSpPr>
-          <p:cNvPr id="2" name="Title 1"/>
-          <p:cNvSpPr>
-            <a:spLocks noGrp="1"/>
-          </p:cNvSpPr>
-          <p:nvPr>
-            <p:ph type="title"/>
-          </p:nvPr>
-        </p:nvSpPr>
-        <p:spPr>
-          <a:xfrm>
-            <a:off x="838200" y="1760505"/>
-            <a:ext cx="10515600" cy="935025"/>
-          </a:xfrm>
-        </p:spPr>
-        <p:txBody>
-          <a:bodyPr vert="horz" lIns="91440" tIns="45720" rIns="91440" bIns="45720" rtlCol="0" anchor="ctr">
-            <a:normAutofit/>
-          </a:bodyPr>
-          <a:lstStyle/>
-          <a:p>
-            <a:pPr algn="ctr"/>
-            <a:r>
-              <a:rPr lang="en-US" b="1" kern="1200" dirty="0">
-                <a:solidFill>
-                  <a:schemeClr val="tx2"/>
-                </a:solidFill>
-                <a:latin typeface="+mj-lt"/>
-                <a:ea typeface="+mj-ea"/>
-                <a:cs typeface="+mj-cs"/>
-              </a:rPr>
-              <a:t>Skewness:- Lack of symmetry </a:t>
-            </a:r>
-          </a:p>
-        </p:txBody>
-      </p:sp>
-      <p:sp>
-        <p:nvSpPr>
-          <p:cNvPr id="4" name="Content Placeholder 3"/>
-          <p:cNvSpPr>
-            <a:spLocks noGrp="1"/>
-          </p:cNvSpPr>
-          <p:nvPr>
-            <p:ph idx="1"/>
-          </p:nvPr>
-        </p:nvSpPr>
-        <p:spPr>
-          <a:xfrm>
-            <a:off x="914400" y="3012928"/>
-            <a:ext cx="10363200" cy="2109445"/>
-          </a:xfrm>
-        </p:spPr>
-        <p:txBody>
-          <a:bodyPr vert="horz" lIns="91440" tIns="45720" rIns="91440" bIns="45720" rtlCol="0">
-            <a:normAutofit lnSpcReduction="10000"/>
-          </a:bodyPr>
-          <a:lstStyle/>
-          <a:p>
-            <a:pPr marL="0"/>
-            <a:r>
-              <a:rPr lang="en-US" sz="2400" dirty="0">
-                <a:solidFill>
-                  <a:schemeClr val="tx2"/>
-                </a:solidFill>
-              </a:rPr>
-              <a:t>It’s means it measure how far normal distributed data from symmetrical data. </a:t>
-            </a:r>
-          </a:p>
-          <a:p>
-            <a:pPr marL="0"/>
-            <a:endParaRPr lang="en-US" sz="2400" dirty="0">
-              <a:solidFill>
-                <a:schemeClr val="tx2"/>
-              </a:solidFill>
-            </a:endParaRPr>
-          </a:p>
-          <a:p>
-            <a:pPr marL="0"/>
-            <a:r>
-              <a:rPr lang="en-US" sz="2400" dirty="0">
-                <a:solidFill>
-                  <a:schemeClr val="tx2"/>
-                </a:solidFill>
-              </a:rPr>
-              <a:t>It’s give the idea about shape of data set.</a:t>
-            </a:r>
-          </a:p>
-          <a:p>
-            <a:pPr marL="0"/>
-            <a:endParaRPr lang="en-US" sz="2400" dirty="0">
-              <a:solidFill>
-                <a:schemeClr val="tx2"/>
-              </a:solidFill>
-            </a:endParaRPr>
-          </a:p>
-          <a:p>
-            <a:pPr marL="0"/>
-            <a:r>
-              <a:rPr lang="en-US" sz="2400" dirty="0">
-                <a:solidFill>
-                  <a:schemeClr val="tx2"/>
-                </a:solidFill>
-              </a:rPr>
-              <a:t>In symmetry distributed data both side from mean value data remain same. </a:t>
-            </a:r>
-          </a:p>
-        </p:txBody>
-      </p:sp>
-      <p:pic>
-        <p:nvPicPr>
-          <p:cNvPr id="3" name="Picture 2" descr="A close up of a logo&#10;&#10;Description automatically generated">
-            <a:extLst>
-              <a:ext uri="{FF2B5EF4-FFF2-40B4-BE49-F238E27FC236}">
-                <a16:creationId xmlns:a16="http://schemas.microsoft.com/office/drawing/2014/main" id="{D3F7818B-5FA6-4639-866B-A90306A78F57}"/>
-              </a:ext>
-            </a:extLst>
-          </p:cNvPr>
-          <p:cNvPicPr>
-            <a:picLocks noChangeAspect="1"/>
-          </p:cNvPicPr>
-          <p:nvPr/>
-        </p:nvPicPr>
-        <p:blipFill>
-          <a:blip r:embed="rId2" cstate="print">
-            <a:extLst>
-              <a:ext uri="{28A0092B-C50C-407E-A947-70E740481C1C}">
-                <a14:useLocalDpi xmlns:a14="http://schemas.microsoft.com/office/drawing/2010/main" val="0"/>
-              </a:ext>
-            </a:extLst>
-          </a:blip>
-          <a:stretch>
-            <a:fillRect/>
-          </a:stretch>
-        </p:blipFill>
-        <p:spPr>
-          <a:xfrm>
-            <a:off x="5287948" y="6600642"/>
-            <a:ext cx="1616104" cy="230901"/>
-          </a:xfrm>
-          <a:prstGeom prst="rect">
-            <a:avLst/>
-          </a:prstGeom>
-        </p:spPr>
-      </p:pic>
-    </p:spTree>
-    <p:extLst>
-      <p:ext uri="{BB962C8B-B14F-4D97-AF65-F5344CB8AC3E}">
-        <p14:creationId xmlns:p14="http://schemas.microsoft.com/office/powerpoint/2010/main" val="1124821578"/>
-      </p:ext>
-    </p:extLst>
-  </p:cSld>
-  <p:clrMapOvr>
-    <a:overrideClrMapping bg1="dk1" tx1="lt1" bg2="dk2" tx2="lt2" accent1="accent1" accent2="accent2" accent3="accent3" accent4="accent4" accent5="accent5" accent6="accent6" hlink="hlink" folHlink="folHlink"/>
-  </p:clrMapOvr>
-</p:sld>
-</file>
-
-<file path=ppt/slides/slide38.xml><?xml version="1.0" encoding="utf-8"?>
-<p:sld xmlns:a="http://schemas.openxmlformats.org/drawingml/2006/main" xmlns:r="http://schemas.openxmlformats.org/officeDocument/2006/relationships" xmlns:p="http://schemas.openxmlformats.org/presentationml/2006/main">
-  <p:cSld>
-    <p:bg>
-      <p:bgPr>
-        <a:solidFill>
-          <a:schemeClr val="bg1"/>
-        </a:solidFill>
-        <a:effectLst/>
-      </p:bgPr>
-    </p:bg>
-    <p:spTree>
-      <p:nvGrpSpPr>
-        <p:cNvPr id="1" name=""/>
-        <p:cNvGrpSpPr/>
-        <p:nvPr/>
-      </p:nvGrpSpPr>
-      <p:grpSpPr>
-        <a:xfrm>
-          <a:off x="0" y="0"/>
-          <a:ext cx="0" cy="0"/>
-          <a:chOff x="0" y="0"/>
-          <a:chExt cx="0" cy="0"/>
-        </a:xfrm>
-      </p:grpSpPr>
-      <p:sp>
-        <p:nvSpPr>
-          <p:cNvPr id="24" name="Down Arrow 7">
-            <a:extLst>
-              <a:ext uri="{FF2B5EF4-FFF2-40B4-BE49-F238E27FC236}">
-                <a16:creationId xmlns:a16="http://schemas.microsoft.com/office/drawing/2014/main" id="{73DE2CFE-42F2-48F0-8706-5264E012B10C}"/>
-              </a:ext>
-              <a:ext uri="{C183D7F6-B498-43B3-948B-1728B52AA6E4}">
-                <adec:decorative xmlns:adec="http://schemas.microsoft.com/office/drawing/2017/decorative" val="1"/>
-              </a:ext>
-            </a:extLst>
-          </p:cNvPr>
-          <p:cNvSpPr>
-            <a:spLocks noGrp="1" noRot="1" noChangeAspect="1" noMove="1" noResize="1" noEditPoints="1" noAdjustHandles="1" noChangeArrowheads="1" noChangeShapeType="1" noTextEdit="1"/>
-          </p:cNvSpPr>
-          <p:nvPr>
-            <p:extLst>
-              <p:ext uri="{386F3935-93C4-4BCD-93E2-E3B085C9AB24}">
-                <p16:designElem xmlns:p16="http://schemas.microsoft.com/office/powerpoint/2015/main" val="1"/>
-              </p:ext>
-            </p:extLst>
-          </p:nvPr>
-        </p:nvSpPr>
-        <p:spPr>
-          <a:xfrm rot="16200000">
-            <a:off x="5662795" y="-3745097"/>
-            <a:ext cx="1354979" cy="10750169"/>
-          </a:xfrm>
-          <a:prstGeom prst="downArrow">
-            <a:avLst>
-              <a:gd name="adj1" fmla="val 100000"/>
-              <a:gd name="adj2" fmla="val 22582"/>
-            </a:avLst>
-          </a:prstGeom>
-          <a:solidFill>
-            <a:srgbClr val="404040"/>
-          </a:solidFill>
-          <a:ln w="53975">
-            <a:noFill/>
-          </a:ln>
-        </p:spPr>
-        <p:style>
-          <a:lnRef idx="2">
-            <a:schemeClr val="accent1">
-              <a:shade val="50000"/>
-            </a:schemeClr>
-          </a:lnRef>
-          <a:fillRef idx="1">
-            <a:schemeClr val="accent1"/>
-          </a:fillRef>
-          <a:effectRef idx="0">
-            <a:schemeClr val="accent1"/>
-          </a:effectRef>
-          <a:fontRef idx="minor">
-            <a:schemeClr val="lt1"/>
-          </a:fontRef>
-        </p:style>
-        <p:txBody>
-          <a:bodyPr rtlCol="0" anchor="ctr"/>
-          <a:lstStyle/>
-          <a:p>
-            <a:pPr marL="0" marR="0" lvl="0" indent="0" algn="ctr" defTabSz="914400" rtl="0" eaLnBrk="1" fontAlgn="auto" latinLnBrk="0" hangingPunct="1">
-              <a:lnSpc>
-                <a:spcPct val="100000"/>
-              </a:lnSpc>
-              <a:spcBef>
-                <a:spcPts val="0"/>
-              </a:spcBef>
-              <a:spcAft>
-                <a:spcPts val="0"/>
-              </a:spcAft>
-              <a:buClrTx/>
-              <a:buSzTx/>
-              <a:buFontTx/>
-              <a:buNone/>
-              <a:tabLst/>
-              <a:defRPr/>
-            </a:pPr>
-            <a:endParaRPr kumimoji="0" lang="en-US" sz="1800" b="0" i="0" u="none" strike="noStrike" kern="1200" cap="none" spc="0" normalizeH="0" baseline="0" noProof="0">
-              <a:ln>
-                <a:noFill/>
-              </a:ln>
-              <a:solidFill>
-                <a:prstClr val="white"/>
-              </a:solidFill>
-              <a:effectLst/>
-              <a:uLnTx/>
-              <a:uFillTx/>
-              <a:latin typeface="Calibri" panose="020F0502020204030204"/>
-              <a:ea typeface="+mn-ea"/>
-              <a:cs typeface="+mn-cs"/>
-            </a:endParaRPr>
-          </a:p>
-        </p:txBody>
-      </p:sp>
-      <p:sp>
-        <p:nvSpPr>
-          <p:cNvPr id="2" name="Title 1"/>
-          <p:cNvSpPr>
-            <a:spLocks noGrp="1"/>
-          </p:cNvSpPr>
-          <p:nvPr>
-            <p:ph type="title"/>
-          </p:nvPr>
-        </p:nvSpPr>
-        <p:spPr>
-          <a:xfrm>
-            <a:off x="1286932" y="1204109"/>
-            <a:ext cx="10023398" cy="857894"/>
-          </a:xfrm>
-        </p:spPr>
-        <p:txBody>
-          <a:bodyPr vert="horz" lIns="91440" tIns="45720" rIns="91440" bIns="45720" rtlCol="0" anchor="ctr">
-            <a:normAutofit/>
-          </a:bodyPr>
-          <a:lstStyle/>
-          <a:p>
-            <a:r>
-              <a:rPr lang="en-US" sz="4000" dirty="0">
-                <a:solidFill>
-                  <a:srgbClr val="FFFFFF"/>
-                </a:solidFill>
-              </a:rPr>
-              <a:t>Normal Distribution or 0 skewness</a:t>
-            </a:r>
-            <a:endParaRPr lang="en-US" sz="4000" kern="1200" dirty="0">
-              <a:solidFill>
-                <a:srgbClr val="FFFFFF"/>
-              </a:solidFill>
-              <a:latin typeface="+mj-lt"/>
-              <a:ea typeface="+mj-ea"/>
-              <a:cs typeface="+mj-cs"/>
-            </a:endParaRPr>
-          </a:p>
-        </p:txBody>
-      </p:sp>
-      <p:sp>
-        <p:nvSpPr>
-          <p:cNvPr id="4" name="Content Placeholder 3"/>
-          <p:cNvSpPr>
-            <a:spLocks noGrp="1"/>
-          </p:cNvSpPr>
-          <p:nvPr>
-            <p:ph idx="1"/>
-          </p:nvPr>
-        </p:nvSpPr>
-        <p:spPr>
-          <a:xfrm>
-            <a:off x="1286930" y="2962451"/>
-            <a:ext cx="6256870" cy="2820012"/>
-          </a:xfrm>
-        </p:spPr>
-        <p:txBody>
-          <a:bodyPr vert="horz" lIns="91440" tIns="45720" rIns="91440" bIns="45720" rtlCol="0">
-            <a:normAutofit/>
-          </a:bodyPr>
-          <a:lstStyle/>
-          <a:p>
-            <a:pPr marL="0" indent="0">
-              <a:buNone/>
-            </a:pPr>
-            <a:r>
-              <a:rPr lang="en-US" dirty="0">
-                <a:latin typeface="+mj-lt"/>
-              </a:rPr>
-              <a:t>In this case </a:t>
-            </a:r>
-          </a:p>
-          <a:p>
-            <a:pPr marL="0" indent="0">
-              <a:buNone/>
-            </a:pPr>
-            <a:r>
-              <a:rPr lang="en-US" dirty="0">
-                <a:latin typeface="+mj-lt"/>
-              </a:rPr>
-              <a:t>Mean=Median=Mode=0</a:t>
-            </a:r>
-          </a:p>
-          <a:p>
-            <a:pPr marL="0" indent="0">
-              <a:buNone/>
-            </a:pPr>
-            <a:endParaRPr lang="en-US" dirty="0">
-              <a:latin typeface="+mj-lt"/>
-            </a:endParaRPr>
-          </a:p>
-          <a:p>
-            <a:pPr marL="0" indent="0">
-              <a:buNone/>
-            </a:pPr>
-            <a:r>
-              <a:rPr lang="en-US" dirty="0">
-                <a:solidFill>
-                  <a:srgbClr val="000000"/>
-                </a:solidFill>
-                <a:latin typeface="+mj-lt"/>
-              </a:rPr>
-              <a:t>Normal distribution</a:t>
-            </a:r>
-            <a:r>
-              <a:rPr lang="en-US" dirty="0">
-                <a:latin typeface="+mj-lt"/>
-              </a:rPr>
-              <a:t> </a:t>
-            </a:r>
-            <a:r>
-              <a:rPr lang="en-US" dirty="0">
-                <a:solidFill>
-                  <a:srgbClr val="000000"/>
-                </a:solidFill>
-                <a:latin typeface="+mj-lt"/>
-              </a:rPr>
-              <a:t>Symmetrical</a:t>
-            </a:r>
-            <a:br>
-              <a:rPr lang="en-US" dirty="0">
-                <a:latin typeface="+mj-lt"/>
-              </a:rPr>
-            </a:br>
-            <a:r>
-              <a:rPr lang="en-US" dirty="0">
-                <a:solidFill>
-                  <a:srgbClr val="000000"/>
-                </a:solidFill>
-                <a:latin typeface="+mj-lt"/>
-              </a:rPr>
-              <a:t>Skewness = 0</a:t>
-            </a:r>
-            <a:endParaRPr lang="en-US" dirty="0">
-              <a:latin typeface="+mj-lt"/>
-            </a:endParaRPr>
-          </a:p>
-          <a:p>
-            <a:pPr marL="0" indent="0">
-              <a:buNone/>
-            </a:pPr>
-            <a:endParaRPr lang="en-US" dirty="0">
-              <a:latin typeface="+mj-lt"/>
-            </a:endParaRPr>
-          </a:p>
-          <a:p>
-            <a:pPr marL="0" indent="0">
-              <a:buNone/>
-            </a:pPr>
-            <a:endParaRPr lang="en-IN" dirty="0">
-              <a:latin typeface="+mj-lt"/>
-            </a:endParaRPr>
-          </a:p>
-        </p:txBody>
-      </p:sp>
-      <p:pic>
-        <p:nvPicPr>
-          <p:cNvPr id="7" name="Content Placeholder 4">
-            <a:extLst>
-              <a:ext uri="{FF2B5EF4-FFF2-40B4-BE49-F238E27FC236}">
-                <a16:creationId xmlns:a16="http://schemas.microsoft.com/office/drawing/2014/main" id="{6420F317-C588-47C1-8335-24081C9E2788}"/>
-              </a:ext>
-            </a:extLst>
-          </p:cNvPr>
-          <p:cNvPicPr>
-            <a:picLocks noChangeAspect="1"/>
-          </p:cNvPicPr>
-          <p:nvPr/>
-        </p:nvPicPr>
-        <p:blipFill>
-          <a:blip r:embed="rId3"/>
-          <a:stretch>
-            <a:fillRect/>
-          </a:stretch>
-        </p:blipFill>
-        <p:spPr>
-          <a:xfrm>
-            <a:off x="7162800" y="3048000"/>
-            <a:ext cx="3306994" cy="1962150"/>
-          </a:xfrm>
-          <a:prstGeom prst="rect">
-            <a:avLst/>
-          </a:prstGeom>
-        </p:spPr>
-      </p:pic>
-      <p:pic>
-        <p:nvPicPr>
-          <p:cNvPr id="3" name="Picture 2" descr="A close up of a logo&#10;&#10;Description automatically generated">
-            <a:extLst>
-              <a:ext uri="{FF2B5EF4-FFF2-40B4-BE49-F238E27FC236}">
-                <a16:creationId xmlns:a16="http://schemas.microsoft.com/office/drawing/2014/main" id="{94D6F18D-1005-4CDA-A269-E2BA62452809}"/>
-              </a:ext>
-            </a:extLst>
-          </p:cNvPr>
-          <p:cNvPicPr>
-            <a:picLocks noChangeAspect="1"/>
-          </p:cNvPicPr>
-          <p:nvPr/>
-        </p:nvPicPr>
-        <p:blipFill>
-          <a:blip r:embed="rId4" cstate="print">
-            <a:extLst>
-              <a:ext uri="{28A0092B-C50C-407E-A947-70E740481C1C}">
-                <a14:useLocalDpi xmlns:a14="http://schemas.microsoft.com/office/drawing/2010/main" val="0"/>
-              </a:ext>
-            </a:extLst>
-          </a:blip>
-          <a:stretch>
-            <a:fillRect/>
-          </a:stretch>
-        </p:blipFill>
-        <p:spPr>
-          <a:xfrm>
-            <a:off x="5287948" y="6600642"/>
-            <a:ext cx="1616104" cy="230901"/>
-          </a:xfrm>
-          <a:prstGeom prst="rect">
-            <a:avLst/>
-          </a:prstGeom>
-        </p:spPr>
-      </p:pic>
-    </p:spTree>
-    <p:extLst>
-      <p:ext uri="{BB962C8B-B14F-4D97-AF65-F5344CB8AC3E}">
-        <p14:creationId xmlns:p14="http://schemas.microsoft.com/office/powerpoint/2010/main" val="355249524"/>
-      </p:ext>
-    </p:extLst>
-  </p:cSld>
-  <p:clrMapOvr>
-    <a:masterClrMapping/>
-  </p:clrMapOvr>
-</p:sld>
-</file>
-
-<file path=ppt/slides/slide39.xml><?xml version="1.0" encoding="utf-8"?>
-<p:sld xmlns:a="http://schemas.openxmlformats.org/drawingml/2006/main" xmlns:r="http://schemas.openxmlformats.org/officeDocument/2006/relationships" xmlns:p="http://schemas.openxmlformats.org/presentationml/2006/main">
-  <p:cSld>
-    <p:bg>
-      <p:bgPr>
-        <a:solidFill>
-          <a:schemeClr val="bg1"/>
-        </a:solidFill>
-        <a:effectLst/>
-      </p:bgPr>
-    </p:bg>
-    <p:spTree>
-      <p:nvGrpSpPr>
-        <p:cNvPr id="1" name=""/>
-        <p:cNvGrpSpPr/>
-        <p:nvPr/>
-      </p:nvGrpSpPr>
-      <p:grpSpPr>
-        <a:xfrm>
-          <a:off x="0" y="0"/>
-          <a:ext cx="0" cy="0"/>
-          <a:chOff x="0" y="0"/>
-          <a:chExt cx="0" cy="0"/>
-        </a:xfrm>
-      </p:grpSpPr>
-      <p:sp>
-        <p:nvSpPr>
-          <p:cNvPr id="24" name="Down Arrow 7">
-            <a:extLst>
-              <a:ext uri="{FF2B5EF4-FFF2-40B4-BE49-F238E27FC236}">
-                <a16:creationId xmlns:a16="http://schemas.microsoft.com/office/drawing/2014/main" id="{73DE2CFE-42F2-48F0-8706-5264E012B10C}"/>
-              </a:ext>
-              <a:ext uri="{C183D7F6-B498-43B3-948B-1728B52AA6E4}">
-                <adec:decorative xmlns:adec="http://schemas.microsoft.com/office/drawing/2017/decorative" val="1"/>
-              </a:ext>
-            </a:extLst>
-          </p:cNvPr>
-          <p:cNvSpPr>
-            <a:spLocks noGrp="1" noRot="1" noChangeAspect="1" noMove="1" noResize="1" noEditPoints="1" noAdjustHandles="1" noChangeArrowheads="1" noChangeShapeType="1" noTextEdit="1"/>
-          </p:cNvSpPr>
-          <p:nvPr>
-            <p:extLst>
-              <p:ext uri="{386F3935-93C4-4BCD-93E2-E3B085C9AB24}">
-                <p16:designElem xmlns:p16="http://schemas.microsoft.com/office/powerpoint/2015/main" val="1"/>
-              </p:ext>
-            </p:extLst>
-          </p:nvPr>
-        </p:nvSpPr>
-        <p:spPr>
-          <a:xfrm rot="16200000">
-            <a:off x="5662795" y="-3745097"/>
-            <a:ext cx="1354979" cy="10750169"/>
-          </a:xfrm>
-          <a:prstGeom prst="downArrow">
-            <a:avLst>
-              <a:gd name="adj1" fmla="val 100000"/>
-              <a:gd name="adj2" fmla="val 22582"/>
-            </a:avLst>
-          </a:prstGeom>
-          <a:solidFill>
-            <a:srgbClr val="404040"/>
-          </a:solidFill>
-          <a:ln w="53975">
-            <a:noFill/>
-          </a:ln>
-        </p:spPr>
-        <p:style>
-          <a:lnRef idx="2">
-            <a:schemeClr val="accent1">
-              <a:shade val="50000"/>
-            </a:schemeClr>
-          </a:lnRef>
-          <a:fillRef idx="1">
-            <a:schemeClr val="accent1"/>
-          </a:fillRef>
-          <a:effectRef idx="0">
-            <a:schemeClr val="accent1"/>
-          </a:effectRef>
-          <a:fontRef idx="minor">
-            <a:schemeClr val="lt1"/>
-          </a:fontRef>
-        </p:style>
-        <p:txBody>
-          <a:bodyPr rtlCol="0" anchor="ctr"/>
-          <a:lstStyle/>
-          <a:p>
-            <a:pPr marL="0" marR="0" lvl="0" indent="0" algn="ctr" defTabSz="914400" rtl="0" eaLnBrk="1" fontAlgn="auto" latinLnBrk="0" hangingPunct="1">
-              <a:lnSpc>
-                <a:spcPct val="100000"/>
-              </a:lnSpc>
-              <a:spcBef>
-                <a:spcPts val="0"/>
-              </a:spcBef>
-              <a:spcAft>
-                <a:spcPts val="0"/>
-              </a:spcAft>
-              <a:buClrTx/>
-              <a:buSzTx/>
-              <a:buFontTx/>
-              <a:buNone/>
-              <a:tabLst/>
-              <a:defRPr/>
-            </a:pPr>
-            <a:endParaRPr kumimoji="0" lang="en-US" sz="1800" b="0" i="0" u="none" strike="noStrike" kern="1200" cap="none" spc="0" normalizeH="0" baseline="0" noProof="0">
-              <a:ln>
-                <a:noFill/>
-              </a:ln>
-              <a:solidFill>
-                <a:prstClr val="white"/>
-              </a:solidFill>
-              <a:effectLst/>
-              <a:uLnTx/>
-              <a:uFillTx/>
-              <a:latin typeface="Calibri" panose="020F0502020204030204"/>
-              <a:ea typeface="+mn-ea"/>
-              <a:cs typeface="+mn-cs"/>
-            </a:endParaRPr>
-          </a:p>
-        </p:txBody>
-      </p:sp>
-      <p:sp>
-        <p:nvSpPr>
-          <p:cNvPr id="2" name="Title 1"/>
-          <p:cNvSpPr>
-            <a:spLocks noGrp="1"/>
-          </p:cNvSpPr>
-          <p:nvPr>
-            <p:ph type="title"/>
-          </p:nvPr>
-        </p:nvSpPr>
-        <p:spPr>
-          <a:xfrm>
-            <a:off x="1286932" y="1204109"/>
-            <a:ext cx="10023398" cy="857894"/>
-          </a:xfrm>
-        </p:spPr>
-        <p:txBody>
-          <a:bodyPr vert="horz" lIns="91440" tIns="45720" rIns="91440" bIns="45720" rtlCol="0" anchor="ctr">
-            <a:normAutofit/>
-          </a:bodyPr>
-          <a:lstStyle/>
-          <a:p>
-            <a:r>
-              <a:rPr lang="en-US" sz="4000" dirty="0">
-                <a:solidFill>
-                  <a:srgbClr val="FFFFFF"/>
-                </a:solidFill>
-              </a:rPr>
-              <a:t>Negative Skewness</a:t>
-            </a:r>
-            <a:endParaRPr lang="en-US" sz="4000" kern="1200" dirty="0">
-              <a:solidFill>
-                <a:srgbClr val="FFFFFF"/>
-              </a:solidFill>
-              <a:latin typeface="+mj-lt"/>
-              <a:ea typeface="+mj-ea"/>
-              <a:cs typeface="+mj-cs"/>
-            </a:endParaRPr>
-          </a:p>
-        </p:txBody>
-      </p:sp>
-      <p:sp>
-        <p:nvSpPr>
-          <p:cNvPr id="4" name="Content Placeholder 3"/>
-          <p:cNvSpPr>
-            <a:spLocks noGrp="1"/>
-          </p:cNvSpPr>
-          <p:nvPr>
-            <p:ph idx="1"/>
-          </p:nvPr>
-        </p:nvSpPr>
-        <p:spPr>
-          <a:xfrm>
-            <a:off x="1286930" y="2559090"/>
-            <a:ext cx="5266270" cy="3223373"/>
-          </a:xfrm>
-        </p:spPr>
-        <p:txBody>
-          <a:bodyPr vert="horz" lIns="91440" tIns="45720" rIns="91440" bIns="45720" rtlCol="0">
-            <a:normAutofit fontScale="70000" lnSpcReduction="20000"/>
-          </a:bodyPr>
-          <a:lstStyle/>
-          <a:p>
-            <a:pPr marL="0" indent="0">
-              <a:buNone/>
-            </a:pPr>
-            <a:r>
-              <a:rPr lang="en-US" dirty="0">
-                <a:latin typeface="+mj-lt"/>
-              </a:rPr>
-              <a:t>A left-skewed distribution has a long left tail. </a:t>
-            </a:r>
-          </a:p>
-          <a:p>
-            <a:pPr marL="0" indent="0">
-              <a:buNone/>
-            </a:pPr>
-            <a:endParaRPr lang="en-US" dirty="0">
-              <a:latin typeface="+mj-lt"/>
-            </a:endParaRPr>
-          </a:p>
-          <a:p>
-            <a:pPr marL="0" indent="0">
-              <a:buNone/>
-            </a:pPr>
-            <a:r>
-              <a:rPr lang="en-US" dirty="0">
-                <a:latin typeface="+mj-lt"/>
-              </a:rPr>
-              <a:t>Left-skewed distributions are also called negatively-skewed distributions. </a:t>
-            </a:r>
-          </a:p>
-          <a:p>
-            <a:pPr marL="0" indent="0">
-              <a:buNone/>
-            </a:pPr>
-            <a:endParaRPr lang="en-US" dirty="0">
-              <a:latin typeface="+mj-lt"/>
-            </a:endParaRPr>
-          </a:p>
-          <a:p>
-            <a:pPr marL="0" indent="0">
-              <a:buNone/>
-            </a:pPr>
-            <a:r>
-              <a:rPr lang="en-US" dirty="0">
-                <a:latin typeface="+mj-lt"/>
-              </a:rPr>
-              <a:t>That’s because there is a long tail in the negative direction on the number line.</a:t>
-            </a:r>
-          </a:p>
-          <a:p>
-            <a:pPr marL="0" indent="0">
-              <a:buNone/>
-            </a:pPr>
-            <a:endParaRPr lang="en-US" dirty="0">
-              <a:latin typeface="+mj-lt"/>
-            </a:endParaRPr>
-          </a:p>
-          <a:p>
-            <a:pPr marL="0" indent="0">
-              <a:buNone/>
-            </a:pPr>
-            <a:r>
-              <a:rPr lang="en-US" dirty="0">
-                <a:latin typeface="+mj-lt"/>
-              </a:rPr>
-              <a:t>In this case </a:t>
-            </a:r>
-          </a:p>
-          <a:p>
-            <a:pPr marL="0" indent="0">
-              <a:buNone/>
-            </a:pPr>
-            <a:r>
-              <a:rPr lang="en-US" dirty="0">
-                <a:latin typeface="+mj-lt"/>
-              </a:rPr>
-              <a:t>Mode&gt;Median&gt;mean</a:t>
-            </a:r>
-          </a:p>
-        </p:txBody>
-      </p:sp>
-      <p:pic>
-        <p:nvPicPr>
-          <p:cNvPr id="8" name="Picture 7">
-            <a:extLst>
-              <a:ext uri="{FF2B5EF4-FFF2-40B4-BE49-F238E27FC236}">
-                <a16:creationId xmlns:a16="http://schemas.microsoft.com/office/drawing/2014/main" id="{089046EB-69D8-4F8A-BDCC-B3FF01E482DA}"/>
-              </a:ext>
-            </a:extLst>
-          </p:cNvPr>
-          <p:cNvPicPr>
-            <a:picLocks noChangeAspect="1"/>
-          </p:cNvPicPr>
-          <p:nvPr/>
-        </p:nvPicPr>
-        <p:blipFill>
-          <a:blip r:embed="rId3"/>
-          <a:stretch>
-            <a:fillRect/>
-          </a:stretch>
-        </p:blipFill>
-        <p:spPr>
-          <a:xfrm>
-            <a:off x="6842657" y="2792459"/>
-            <a:ext cx="4062413" cy="2426542"/>
-          </a:xfrm>
-          <a:prstGeom prst="rect">
-            <a:avLst/>
-          </a:prstGeom>
-        </p:spPr>
-      </p:pic>
-      <p:sp>
-        <p:nvSpPr>
-          <p:cNvPr id="9" name="Rectangle 8">
-            <a:extLst>
-              <a:ext uri="{FF2B5EF4-FFF2-40B4-BE49-F238E27FC236}">
-                <a16:creationId xmlns:a16="http://schemas.microsoft.com/office/drawing/2014/main" id="{C80C8666-728A-44A9-895C-85E019FDAEEC}"/>
-              </a:ext>
-            </a:extLst>
-          </p:cNvPr>
-          <p:cNvSpPr/>
-          <p:nvPr/>
-        </p:nvSpPr>
-        <p:spPr>
-          <a:xfrm>
-            <a:off x="6835399" y="5163482"/>
-            <a:ext cx="4572000" cy="707886"/>
-          </a:xfrm>
-          <a:prstGeom prst="rect">
-            <a:avLst/>
-          </a:prstGeom>
-        </p:spPr>
-        <p:txBody>
-          <a:bodyPr>
-            <a:spAutoFit/>
-          </a:bodyPr>
-          <a:lstStyle/>
-          <a:p>
-            <a:r>
-              <a:rPr lang="en-US" sz="2000" dirty="0"/>
-              <a:t>Negatively skewed distribution or Skewed to the left Skewness &lt;0</a:t>
-            </a:r>
-          </a:p>
-        </p:txBody>
-      </p:sp>
-      <p:pic>
-        <p:nvPicPr>
-          <p:cNvPr id="3" name="Picture 2" descr="A close up of a logo&#10;&#10;Description automatically generated">
-            <a:extLst>
-              <a:ext uri="{FF2B5EF4-FFF2-40B4-BE49-F238E27FC236}">
-                <a16:creationId xmlns:a16="http://schemas.microsoft.com/office/drawing/2014/main" id="{3E8E4B35-F35A-4FAB-A329-91A0412A9DED}"/>
-              </a:ext>
-            </a:extLst>
-          </p:cNvPr>
-          <p:cNvPicPr>
-            <a:picLocks noChangeAspect="1"/>
-          </p:cNvPicPr>
-          <p:nvPr/>
-        </p:nvPicPr>
-        <p:blipFill>
-          <a:blip r:embed="rId4" cstate="print">
-            <a:extLst>
-              <a:ext uri="{28A0092B-C50C-407E-A947-70E740481C1C}">
-                <a14:useLocalDpi xmlns:a14="http://schemas.microsoft.com/office/drawing/2010/main" val="0"/>
-              </a:ext>
-            </a:extLst>
-          </a:blip>
-          <a:stretch>
-            <a:fillRect/>
-          </a:stretch>
-        </p:blipFill>
-        <p:spPr>
-          <a:xfrm>
-            <a:off x="5287948" y="6600642"/>
-            <a:ext cx="1616104" cy="230901"/>
-          </a:xfrm>
-          <a:prstGeom prst="rect">
-            <a:avLst/>
-          </a:prstGeom>
-        </p:spPr>
-      </p:pic>
-    </p:spTree>
-    <p:extLst>
-      <p:ext uri="{BB962C8B-B14F-4D97-AF65-F5344CB8AC3E}">
-        <p14:creationId xmlns:p14="http://schemas.microsoft.com/office/powerpoint/2010/main" val="3435290505"/>
       </p:ext>
     </p:extLst>
   </p:cSld>
@@ -41069,7 +41385,290 @@
       </p:grpSpPr>
       <p:sp>
         <p:nvSpPr>
-          <p:cNvPr id="24" name="Down Arrow 7">
+          <p:cNvPr id="10" name="Rectangle 9">
+            <a:extLst>
+              <a:ext uri="{FF2B5EF4-FFF2-40B4-BE49-F238E27FC236}">
+                <a16:creationId xmlns:a16="http://schemas.microsoft.com/office/drawing/2014/main" id="{823AC064-BC96-4F32-8AE1-B2FD38754823}"/>
+              </a:ext>
+              <a:ext uri="{C183D7F6-B498-43B3-948B-1728B52AA6E4}">
+                <adec:decorative xmlns:adec="http://schemas.microsoft.com/office/drawing/2017/decorative" val="1"/>
+              </a:ext>
+            </a:extLst>
+          </p:cNvPr>
+          <p:cNvSpPr>
+            <a:spLocks noGrp="1" noRot="1" noChangeAspect="1" noMove="1" noResize="1" noEditPoints="1" noAdjustHandles="1" noChangeArrowheads="1" noChangeShapeType="1" noTextEdit="1"/>
+          </p:cNvSpPr>
+          <p:nvPr>
+            <p:extLst>
+              <p:ext uri="{386F3935-93C4-4BCD-93E2-E3B085C9AB24}">
+                <p16:designElem xmlns:p16="http://schemas.microsoft.com/office/powerpoint/2015/main" val="1"/>
+              </p:ext>
+            </p:extLst>
+          </p:nvPr>
+        </p:nvSpPr>
+        <p:spPr bwMode="ltGray">
+          <a:xfrm>
+            <a:off x="378068" y="4633546"/>
+            <a:ext cx="11438793" cy="1844256"/>
+          </a:xfrm>
+          <a:prstGeom prst="rect">
+            <a:avLst/>
+          </a:prstGeom>
+          <a:solidFill>
+            <a:srgbClr val="404040"/>
+          </a:solidFill>
+          <a:ln w="127000" cap="sq" cmpd="thinThick">
+            <a:solidFill>
+              <a:srgbClr val="404040"/>
+            </a:solidFill>
+          </a:ln>
+        </p:spPr>
+        <p:style>
+          <a:lnRef idx="2">
+            <a:schemeClr val="accent1">
+              <a:shade val="50000"/>
+            </a:schemeClr>
+          </a:lnRef>
+          <a:fillRef idx="1">
+            <a:schemeClr val="accent1"/>
+          </a:fillRef>
+          <a:effectRef idx="0">
+            <a:schemeClr val="accent1"/>
+          </a:effectRef>
+          <a:fontRef idx="minor">
+            <a:schemeClr val="lt1"/>
+          </a:fontRef>
+        </p:style>
+        <p:txBody>
+          <a:bodyPr rtlCol="0" anchor="ctr"/>
+          <a:lstStyle/>
+          <a:p>
+            <a:pPr marL="0" marR="0" lvl="0" indent="0" algn="ctr" defTabSz="914400" rtl="0" eaLnBrk="1" fontAlgn="auto" latinLnBrk="0" hangingPunct="1">
+              <a:lnSpc>
+                <a:spcPct val="100000"/>
+              </a:lnSpc>
+              <a:spcBef>
+                <a:spcPts val="0"/>
+              </a:spcBef>
+              <a:spcAft>
+                <a:spcPts val="0"/>
+              </a:spcAft>
+              <a:buClrTx/>
+              <a:buSzTx/>
+              <a:buFontTx/>
+              <a:buNone/>
+              <a:tabLst/>
+              <a:defRPr/>
+            </a:pPr>
+            <a:endParaRPr kumimoji="0" lang="en-US" sz="1800" b="0" i="0" u="none" strike="noStrike" kern="1200" cap="none" spc="0" normalizeH="0" baseline="0" noProof="0" dirty="0">
+              <a:ln>
+                <a:noFill/>
+              </a:ln>
+              <a:solidFill>
+                <a:prstClr val="white"/>
+              </a:solidFill>
+              <a:effectLst/>
+              <a:uLnTx/>
+              <a:uFillTx/>
+              <a:latin typeface="Calibri" panose="020F0502020204030204"/>
+              <a:ea typeface="+mn-ea"/>
+              <a:cs typeface="+mn-cs"/>
+            </a:endParaRPr>
+          </a:p>
+        </p:txBody>
+      </p:sp>
+      <p:sp>
+        <p:nvSpPr>
+          <p:cNvPr id="2" name="Title 1"/>
+          <p:cNvSpPr>
+            <a:spLocks noGrp="1"/>
+          </p:cNvSpPr>
+          <p:nvPr>
+            <p:ph type="title"/>
+          </p:nvPr>
+        </p:nvSpPr>
+        <p:spPr>
+          <a:xfrm>
+            <a:off x="527538" y="4756638"/>
+            <a:ext cx="11139854" cy="930447"/>
+          </a:xfrm>
+        </p:spPr>
+        <p:txBody>
+          <a:bodyPr vert="horz" lIns="91440" tIns="45720" rIns="91440" bIns="45720" rtlCol="0" anchor="b">
+            <a:normAutofit/>
+          </a:bodyPr>
+          <a:lstStyle/>
+          <a:p>
+            <a:pPr algn="ctr"/>
+            <a:r>
+              <a:rPr lang="en-US" sz="5400" kern="1200" dirty="0">
+                <a:solidFill>
+                  <a:srgbClr val="FFFFFF"/>
+                </a:solidFill>
+                <a:latin typeface="+mj-lt"/>
+                <a:ea typeface="+mj-ea"/>
+                <a:cs typeface="+mj-cs"/>
+              </a:rPr>
+              <a:t>Correlation</a:t>
+            </a:r>
+          </a:p>
+        </p:txBody>
+      </p:sp>
+      <p:pic>
+        <p:nvPicPr>
+          <p:cNvPr id="5" name="Content Placeholder 4"/>
+          <p:cNvPicPr>
+            <a:picLocks noGrp="1" noChangeAspect="1"/>
+          </p:cNvPicPr>
+          <p:nvPr>
+            <p:ph idx="1"/>
+          </p:nvPr>
+        </p:nvPicPr>
+        <p:blipFill>
+          <a:blip r:embed="rId2"/>
+          <a:stretch>
+            <a:fillRect/>
+          </a:stretch>
+        </p:blipFill>
+        <p:spPr>
+          <a:xfrm>
+            <a:off x="614531" y="307731"/>
+            <a:ext cx="10907838" cy="3997637"/>
+          </a:xfrm>
+          <a:prstGeom prst="rect">
+            <a:avLst/>
+          </a:prstGeom>
+        </p:spPr>
+      </p:pic>
+      <p:cxnSp>
+        <p:nvCxnSpPr>
+          <p:cNvPr id="12" name="Straight Connector 11">
+            <a:extLst>
+              <a:ext uri="{FF2B5EF4-FFF2-40B4-BE49-F238E27FC236}">
+                <a16:creationId xmlns:a16="http://schemas.microsoft.com/office/drawing/2014/main" id="{7E7C77BC-7138-40B1-A15B-20F57A494629}"/>
+              </a:ext>
+              <a:ext uri="{C183D7F6-B498-43B3-948B-1728B52AA6E4}">
+                <adec:decorative xmlns:adec="http://schemas.microsoft.com/office/drawing/2017/decorative" val="1"/>
+              </a:ext>
+            </a:extLst>
+          </p:cNvPr>
+          <p:cNvCxnSpPr>
+            <a:cxnSpLocks noGrp="1" noRot="1" noChangeAspect="1" noMove="1" noResize="1" noEditPoints="1" noAdjustHandles="1" noChangeArrowheads="1" noChangeShapeType="1"/>
+          </p:cNvCxnSpPr>
+          <p:nvPr>
+            <p:extLst>
+              <p:ext uri="{386F3935-93C4-4BCD-93E2-E3B085C9AB24}">
+                <p16:designElem xmlns:p16="http://schemas.microsoft.com/office/powerpoint/2015/main" val="1"/>
+              </p:ext>
+            </p:extLst>
+          </p:nvPr>
+        </p:nvCxnSpPr>
+        <p:spPr>
+          <a:xfrm>
+            <a:off x="2209800" y="5738691"/>
+            <a:ext cx="7772400" cy="0"/>
+          </a:xfrm>
+          <a:prstGeom prst="line">
+            <a:avLst/>
+          </a:prstGeom>
+          <a:ln w="22225">
+            <a:solidFill>
+              <a:srgbClr val="D9D9D9"/>
+            </a:solidFill>
+          </a:ln>
+        </p:spPr>
+        <p:style>
+          <a:lnRef idx="1">
+            <a:schemeClr val="accent1"/>
+          </a:lnRef>
+          <a:fillRef idx="0">
+            <a:schemeClr val="accent1"/>
+          </a:fillRef>
+          <a:effectRef idx="0">
+            <a:schemeClr val="accent1"/>
+          </a:effectRef>
+          <a:fontRef idx="minor">
+            <a:schemeClr val="tx1"/>
+          </a:fontRef>
+        </p:style>
+      </p:cxnSp>
+      <p:pic>
+        <p:nvPicPr>
+          <p:cNvPr id="3" name="Picture 2" descr="A close up of a logo&#10;&#10;Description automatically generated">
+            <a:extLst>
+              <a:ext uri="{FF2B5EF4-FFF2-40B4-BE49-F238E27FC236}">
+                <a16:creationId xmlns:a16="http://schemas.microsoft.com/office/drawing/2014/main" id="{445BFB48-C9F8-4037-82D3-0A1B9A08F495}"/>
+              </a:ext>
+            </a:extLst>
+          </p:cNvPr>
+          <p:cNvPicPr>
+            <a:picLocks noChangeAspect="1"/>
+          </p:cNvPicPr>
+          <p:nvPr/>
+        </p:nvPicPr>
+        <p:blipFill>
+          <a:blip r:embed="rId3" cstate="print">
+            <a:extLst>
+              <a:ext uri="{28A0092B-C50C-407E-A947-70E740481C1C}">
+                <a14:useLocalDpi xmlns:a14="http://schemas.microsoft.com/office/drawing/2010/main" val="0"/>
+              </a:ext>
+            </a:extLst>
+          </a:blip>
+          <a:stretch>
+            <a:fillRect/>
+          </a:stretch>
+        </p:blipFill>
+        <p:spPr>
+          <a:xfrm>
+            <a:off x="5287948" y="6600642"/>
+            <a:ext cx="1616104" cy="230901"/>
+          </a:xfrm>
+          <a:prstGeom prst="rect">
+            <a:avLst/>
+          </a:prstGeom>
+        </p:spPr>
+      </p:pic>
+    </p:spTree>
+    <p:extLst>
+      <p:ext uri="{BB962C8B-B14F-4D97-AF65-F5344CB8AC3E}">
+        <p14:creationId xmlns:p14="http://schemas.microsoft.com/office/powerpoint/2010/main" val="56238223"/>
+      </p:ext>
+    </p:extLst>
+  </p:cSld>
+  <p:clrMapOvr>
+    <a:masterClrMapping/>
+  </p:clrMapOvr>
+</p:sld>
+</file>
+
+<file path=ppt/slides/slide41.xml><?xml version="1.0" encoding="utf-8"?>
+<p:sld xmlns:a="http://schemas.openxmlformats.org/drawingml/2006/main" xmlns:r="http://schemas.openxmlformats.org/officeDocument/2006/relationships" xmlns:p="http://schemas.openxmlformats.org/presentationml/2006/main">
+  <p:cSld>
+    <p:bg>
+      <p:bgPr>
+        <a:solidFill>
+          <a:schemeClr val="bg1"/>
+        </a:solidFill>
+        <a:effectLst/>
+      </p:bgPr>
+    </p:bg>
+    <p:spTree>
+      <p:nvGrpSpPr>
+        <p:cNvPr id="1" name=""/>
+        <p:cNvGrpSpPr/>
+        <p:nvPr/>
+      </p:nvGrpSpPr>
+      <p:grpSpPr>
+        <a:xfrm>
+          <a:off x="0" y="0"/>
+          <a:ext cx="0" cy="0"/>
+          <a:chOff x="0" y="0"/>
+          <a:chExt cx="0" cy="0"/>
+        </a:xfrm>
+      </p:grpSpPr>
+      <p:sp>
+        <p:nvSpPr>
+          <p:cNvPr id="13" name="Down Arrow 7">
             <a:extLst>
               <a:ext uri="{FF2B5EF4-FFF2-40B4-BE49-F238E27FC236}">
                 <a16:creationId xmlns:a16="http://schemas.microsoft.com/office/drawing/2014/main" id="{73DE2CFE-42F2-48F0-8706-5264E012B10C}"/>
@@ -41185,895 +41784,22 @@
           <a:lstStyle/>
           <a:p>
             <a:r>
-              <a:rPr lang="en-US" sz="4000" dirty="0">
+              <a:rPr lang="en-US" sz="4000" kern="1200">
                 <a:solidFill>
                   <a:srgbClr val="FFFFFF"/>
                 </a:solidFill>
+                <a:latin typeface="+mj-lt"/>
+                <a:ea typeface="+mj-ea"/>
+                <a:cs typeface="+mj-cs"/>
               </a:rPr>
-              <a:t>Positive Skewness</a:t>
-            </a:r>
-            <a:endParaRPr lang="en-US" sz="4000" kern="1200" dirty="0">
-              <a:solidFill>
-                <a:srgbClr val="FFFFFF"/>
-              </a:solidFill>
-              <a:latin typeface="+mj-lt"/>
-              <a:ea typeface="+mj-ea"/>
-              <a:cs typeface="+mj-cs"/>
-            </a:endParaRPr>
-          </a:p>
-        </p:txBody>
-      </p:sp>
-      <p:sp>
-        <p:nvSpPr>
-          <p:cNvPr id="4" name="Content Placeholder 3"/>
-          <p:cNvSpPr>
-            <a:spLocks noGrp="1"/>
-          </p:cNvSpPr>
-          <p:nvPr>
-            <p:ph idx="1"/>
-          </p:nvPr>
-        </p:nvSpPr>
-        <p:spPr>
-          <a:xfrm>
-            <a:off x="1286930" y="2559090"/>
-            <a:ext cx="6256870" cy="3223373"/>
-          </a:xfrm>
-        </p:spPr>
-        <p:txBody>
-          <a:bodyPr vert="horz" lIns="91440" tIns="45720" rIns="91440" bIns="45720" rtlCol="0">
-            <a:normAutofit fontScale="70000" lnSpcReduction="20000"/>
-          </a:bodyPr>
-          <a:lstStyle/>
-          <a:p>
-            <a:pPr marL="0" indent="0">
-              <a:buNone/>
-            </a:pPr>
-            <a:r>
-              <a:rPr lang="en-US" dirty="0">
-                <a:latin typeface="+mj-lt"/>
-              </a:rPr>
-              <a:t>A right-skewed distribution has a long right tail.</a:t>
-            </a:r>
-          </a:p>
-          <a:p>
-            <a:pPr marL="0" indent="0">
-              <a:buNone/>
-            </a:pPr>
-            <a:r>
-              <a:rPr lang="en-US" dirty="0">
-                <a:latin typeface="+mj-lt"/>
-              </a:rPr>
-              <a:t> </a:t>
-            </a:r>
-          </a:p>
-          <a:p>
-            <a:pPr marL="0" indent="0">
-              <a:buNone/>
-            </a:pPr>
-            <a:r>
-              <a:rPr lang="en-US" dirty="0">
-                <a:latin typeface="+mj-lt"/>
-              </a:rPr>
-              <a:t>Right-skewed distributions are also called positive-skew distributions. </a:t>
-            </a:r>
-          </a:p>
-          <a:p>
-            <a:pPr marL="0" indent="0">
-              <a:buNone/>
-            </a:pPr>
-            <a:endParaRPr lang="en-US" dirty="0">
-              <a:latin typeface="+mj-lt"/>
-            </a:endParaRPr>
-          </a:p>
-          <a:p>
-            <a:pPr marL="0" indent="0">
-              <a:buNone/>
-            </a:pPr>
-            <a:r>
-              <a:rPr lang="en-US" dirty="0">
-                <a:latin typeface="+mj-lt"/>
-              </a:rPr>
-              <a:t>That’s because there is a long tail in the positive direction on the number line. </a:t>
-            </a:r>
-          </a:p>
-          <a:p>
-            <a:pPr marL="0" indent="0">
-              <a:buNone/>
-            </a:pPr>
-            <a:endParaRPr lang="en-US" dirty="0">
-              <a:latin typeface="+mj-lt"/>
-            </a:endParaRPr>
-          </a:p>
-          <a:p>
-            <a:pPr marL="0" indent="0">
-              <a:buNone/>
-            </a:pPr>
-            <a:r>
-              <a:rPr lang="en-US" dirty="0">
-                <a:latin typeface="+mj-lt"/>
-              </a:rPr>
-              <a:t>In this case</a:t>
-            </a:r>
-          </a:p>
-          <a:p>
-            <a:pPr marL="0" indent="0">
-              <a:buNone/>
-            </a:pPr>
-            <a:r>
-              <a:rPr lang="en-US" dirty="0">
-                <a:latin typeface="+mj-lt"/>
-              </a:rPr>
-              <a:t>Mean&gt;Median&gt;Mode</a:t>
+              <a:t>Calculate:- Correlation </a:t>
             </a:r>
           </a:p>
         </p:txBody>
       </p:sp>
       <p:pic>
         <p:nvPicPr>
-          <p:cNvPr id="8" name="Picture 7">
-            <a:extLst>
-              <a:ext uri="{FF2B5EF4-FFF2-40B4-BE49-F238E27FC236}">
-                <a16:creationId xmlns:a16="http://schemas.microsoft.com/office/drawing/2014/main" id="{C3C6242D-5739-4173-8343-3194F97F2769}"/>
-              </a:ext>
-            </a:extLst>
-          </p:cNvPr>
-          <p:cNvPicPr>
-            <a:picLocks noChangeAspect="1"/>
-          </p:cNvPicPr>
-          <p:nvPr/>
-        </p:nvPicPr>
-        <p:blipFill>
-          <a:blip r:embed="rId3"/>
-          <a:stretch>
-            <a:fillRect/>
-          </a:stretch>
-        </p:blipFill>
-        <p:spPr>
-          <a:xfrm>
-            <a:off x="7394498" y="2895600"/>
-            <a:ext cx="4111702" cy="2150492"/>
-          </a:xfrm>
-          <a:prstGeom prst="rect">
-            <a:avLst/>
-          </a:prstGeom>
-        </p:spPr>
-      </p:pic>
-      <p:sp>
-        <p:nvSpPr>
-          <p:cNvPr id="9" name="Rectangle 8">
-            <a:extLst>
-              <a:ext uri="{FF2B5EF4-FFF2-40B4-BE49-F238E27FC236}">
-                <a16:creationId xmlns:a16="http://schemas.microsoft.com/office/drawing/2014/main" id="{7F0A8335-0016-4036-A666-CABD6E22FC50}"/>
-              </a:ext>
-            </a:extLst>
-          </p:cNvPr>
-          <p:cNvSpPr/>
-          <p:nvPr/>
-        </p:nvSpPr>
-        <p:spPr>
-          <a:xfrm>
-            <a:off x="7535315" y="5046092"/>
-            <a:ext cx="3754985" cy="646331"/>
-          </a:xfrm>
-          <a:prstGeom prst="rect">
-            <a:avLst/>
-          </a:prstGeom>
-        </p:spPr>
-        <p:txBody>
-          <a:bodyPr wrap="square">
-            <a:spAutoFit/>
-          </a:bodyPr>
-          <a:lstStyle/>
-          <a:p>
-            <a:r>
-              <a:rPr lang="en-US" dirty="0"/>
-              <a:t>Positively skewed distribution or Skewed to the right Skewness &gt; 0</a:t>
-            </a:r>
-          </a:p>
-        </p:txBody>
-      </p:sp>
-      <p:pic>
-        <p:nvPicPr>
-          <p:cNvPr id="3" name="Picture 2" descr="A close up of a logo&#10;&#10;Description automatically generated">
-            <a:extLst>
-              <a:ext uri="{FF2B5EF4-FFF2-40B4-BE49-F238E27FC236}">
-                <a16:creationId xmlns:a16="http://schemas.microsoft.com/office/drawing/2014/main" id="{D327FFC5-44B1-4875-AA65-F7CEC13A8ECF}"/>
-              </a:ext>
-            </a:extLst>
-          </p:cNvPr>
-          <p:cNvPicPr>
-            <a:picLocks noChangeAspect="1"/>
-          </p:cNvPicPr>
-          <p:nvPr/>
-        </p:nvPicPr>
-        <p:blipFill>
-          <a:blip r:embed="rId4" cstate="print">
-            <a:extLst>
-              <a:ext uri="{28A0092B-C50C-407E-A947-70E740481C1C}">
-                <a14:useLocalDpi xmlns:a14="http://schemas.microsoft.com/office/drawing/2010/main" val="0"/>
-              </a:ext>
-            </a:extLst>
-          </a:blip>
-          <a:stretch>
-            <a:fillRect/>
-          </a:stretch>
-        </p:blipFill>
-        <p:spPr>
-          <a:xfrm>
-            <a:off x="5287948" y="6600642"/>
-            <a:ext cx="1616104" cy="230901"/>
-          </a:xfrm>
-          <a:prstGeom prst="rect">
-            <a:avLst/>
-          </a:prstGeom>
-        </p:spPr>
-      </p:pic>
-    </p:spTree>
-    <p:extLst>
-      <p:ext uri="{BB962C8B-B14F-4D97-AF65-F5344CB8AC3E}">
-        <p14:creationId xmlns:p14="http://schemas.microsoft.com/office/powerpoint/2010/main" val="88670029"/>
-      </p:ext>
-    </p:extLst>
-  </p:cSld>
-  <p:clrMapOvr>
-    <a:masterClrMapping/>
-  </p:clrMapOvr>
-</p:sld>
-</file>
-
-<file path=ppt/slides/slide41.xml><?xml version="1.0" encoding="utf-8"?>
-<p:sld xmlns:a="http://schemas.openxmlformats.org/drawingml/2006/main" xmlns:r="http://schemas.openxmlformats.org/officeDocument/2006/relationships" xmlns:p="http://schemas.openxmlformats.org/presentationml/2006/main">
-  <p:cSld>
-    <p:bg>
-      <p:bgPr>
-        <a:solidFill>
-          <a:schemeClr val="bg1"/>
-        </a:solidFill>
-        <a:effectLst/>
-      </p:bgPr>
-    </p:bg>
-    <p:spTree>
-      <p:nvGrpSpPr>
-        <p:cNvPr id="1" name=""/>
-        <p:cNvGrpSpPr/>
-        <p:nvPr/>
-      </p:nvGrpSpPr>
-      <p:grpSpPr>
-        <a:xfrm>
-          <a:off x="0" y="0"/>
-          <a:ext cx="0" cy="0"/>
-          <a:chOff x="0" y="0"/>
-          <a:chExt cx="0" cy="0"/>
-        </a:xfrm>
-      </p:grpSpPr>
-      <p:sp>
-        <p:nvSpPr>
-          <p:cNvPr id="24" name="Down Arrow 7">
-            <a:extLst>
-              <a:ext uri="{FF2B5EF4-FFF2-40B4-BE49-F238E27FC236}">
-                <a16:creationId xmlns:a16="http://schemas.microsoft.com/office/drawing/2014/main" id="{73DE2CFE-42F2-48F0-8706-5264E012B10C}"/>
-              </a:ext>
-              <a:ext uri="{C183D7F6-B498-43B3-948B-1728B52AA6E4}">
-                <adec:decorative xmlns:adec="http://schemas.microsoft.com/office/drawing/2017/decorative" val="1"/>
-              </a:ext>
-            </a:extLst>
-          </p:cNvPr>
-          <p:cNvSpPr>
-            <a:spLocks noGrp="1" noRot="1" noChangeAspect="1" noMove="1" noResize="1" noEditPoints="1" noAdjustHandles="1" noChangeArrowheads="1" noChangeShapeType="1" noTextEdit="1"/>
-          </p:cNvSpPr>
-          <p:nvPr>
-            <p:extLst>
-              <p:ext uri="{386F3935-93C4-4BCD-93E2-E3B085C9AB24}">
-                <p16:designElem xmlns:p16="http://schemas.microsoft.com/office/powerpoint/2015/main" val="1"/>
-              </p:ext>
-            </p:extLst>
-          </p:nvPr>
-        </p:nvSpPr>
-        <p:spPr>
-          <a:xfrm rot="16200000">
-            <a:off x="5662795" y="-3745097"/>
-            <a:ext cx="1354979" cy="10750169"/>
-          </a:xfrm>
-          <a:prstGeom prst="downArrow">
-            <a:avLst>
-              <a:gd name="adj1" fmla="val 100000"/>
-              <a:gd name="adj2" fmla="val 22582"/>
-            </a:avLst>
-          </a:prstGeom>
-          <a:solidFill>
-            <a:srgbClr val="404040"/>
-          </a:solidFill>
-          <a:ln w="53975">
-            <a:noFill/>
-          </a:ln>
-        </p:spPr>
-        <p:style>
-          <a:lnRef idx="2">
-            <a:schemeClr val="accent1">
-              <a:shade val="50000"/>
-            </a:schemeClr>
-          </a:lnRef>
-          <a:fillRef idx="1">
-            <a:schemeClr val="accent1"/>
-          </a:fillRef>
-          <a:effectRef idx="0">
-            <a:schemeClr val="accent1"/>
-          </a:effectRef>
-          <a:fontRef idx="minor">
-            <a:schemeClr val="lt1"/>
-          </a:fontRef>
-        </p:style>
-        <p:txBody>
-          <a:bodyPr rtlCol="0" anchor="ctr"/>
-          <a:lstStyle/>
-          <a:p>
-            <a:pPr marL="0" marR="0" lvl="0" indent="0" algn="ctr" defTabSz="914400" rtl="0" eaLnBrk="1" fontAlgn="auto" latinLnBrk="0" hangingPunct="1">
-              <a:lnSpc>
-                <a:spcPct val="100000"/>
-              </a:lnSpc>
-              <a:spcBef>
-                <a:spcPts val="0"/>
-              </a:spcBef>
-              <a:spcAft>
-                <a:spcPts val="0"/>
-              </a:spcAft>
-              <a:buClrTx/>
-              <a:buSzTx/>
-              <a:buFontTx/>
-              <a:buNone/>
-              <a:tabLst/>
-              <a:defRPr/>
-            </a:pPr>
-            <a:endParaRPr kumimoji="0" lang="en-US" sz="1800" b="0" i="0" u="none" strike="noStrike" kern="1200" cap="none" spc="0" normalizeH="0" baseline="0" noProof="0">
-              <a:ln>
-                <a:noFill/>
-              </a:ln>
-              <a:solidFill>
-                <a:prstClr val="white"/>
-              </a:solidFill>
-              <a:effectLst/>
-              <a:uLnTx/>
-              <a:uFillTx/>
-              <a:latin typeface="Calibri" panose="020F0502020204030204"/>
-              <a:ea typeface="+mn-ea"/>
-              <a:cs typeface="+mn-cs"/>
-            </a:endParaRPr>
-          </a:p>
-        </p:txBody>
-      </p:sp>
-      <p:sp>
-        <p:nvSpPr>
-          <p:cNvPr id="2" name="Title 1"/>
-          <p:cNvSpPr>
-            <a:spLocks noGrp="1"/>
-          </p:cNvSpPr>
-          <p:nvPr>
-            <p:ph type="title"/>
-          </p:nvPr>
-        </p:nvSpPr>
-        <p:spPr>
-          <a:xfrm>
-            <a:off x="1286932" y="1204109"/>
-            <a:ext cx="10023398" cy="857894"/>
-          </a:xfrm>
-        </p:spPr>
-        <p:txBody>
-          <a:bodyPr vert="horz" lIns="91440" tIns="45720" rIns="91440" bIns="45720" rtlCol="0" anchor="ctr">
-            <a:normAutofit/>
-          </a:bodyPr>
-          <a:lstStyle/>
-          <a:p>
-            <a:r>
-              <a:rPr lang="en-US" sz="4000">
-                <a:solidFill>
-                  <a:srgbClr val="FFFFFF"/>
-                </a:solidFill>
-              </a:rPr>
-              <a:t>Calculation:- Coefficient of skewness</a:t>
-            </a:r>
-            <a:endParaRPr lang="en-US" sz="4000" kern="1200" dirty="0">
-              <a:solidFill>
-                <a:srgbClr val="FFFFFF"/>
-              </a:solidFill>
-              <a:latin typeface="+mj-lt"/>
-              <a:ea typeface="+mj-ea"/>
-              <a:cs typeface="+mj-cs"/>
-            </a:endParaRPr>
-          </a:p>
-        </p:txBody>
-      </p:sp>
-      <mc:AlternateContent xmlns:mc="http://schemas.openxmlformats.org/markup-compatibility/2006">
-        <mc:Choice xmlns:a14="http://schemas.microsoft.com/office/drawing/2010/main" Requires="a14">
-          <p:sp>
-            <p:nvSpPr>
-              <p:cNvPr id="4" name="Content Placeholder 3"/>
-              <p:cNvSpPr>
-                <a:spLocks noGrp="1"/>
-              </p:cNvSpPr>
-              <p:nvPr>
-                <p:ph idx="1"/>
-              </p:nvPr>
-            </p:nvSpPr>
-            <p:spPr>
-              <a:xfrm>
-                <a:off x="1286930" y="2559090"/>
-                <a:ext cx="9533470" cy="3460710"/>
-              </a:xfrm>
-            </p:spPr>
-            <p:txBody>
-              <a:bodyPr vert="horz" lIns="91440" tIns="45720" rIns="91440" bIns="45720" rtlCol="0">
-                <a:normAutofit fontScale="77500" lnSpcReduction="20000"/>
-              </a:bodyPr>
-              <a:lstStyle/>
-              <a:p>
-                <a:pPr marL="0" indent="0">
-                  <a:buNone/>
-                </a:pPr>
-                <a:r>
-                  <a:rPr lang="en-US" dirty="0"/>
-                  <a:t>Karl Pearson method </a:t>
-                </a:r>
-              </a:p>
-              <a:p>
-                <a:pPr marL="0" indent="0">
-                  <a:buNone/>
-                </a:pPr>
-                <a:endParaRPr lang="en-US" dirty="0"/>
-              </a:p>
-              <a:p>
-                <a:pPr marL="0" indent="0">
-                  <a:buNone/>
-                </a:pPr>
-                <a:endParaRPr lang="en-US" dirty="0"/>
-              </a:p>
-              <a:p>
-                <a:pPr marL="0" indent="0">
-                  <a:buNone/>
-                </a:pPr>
-                <a:endParaRPr lang="en-US" dirty="0"/>
-              </a:p>
-              <a:p>
-                <a:pPr marL="0" indent="0">
-                  <a:buNone/>
-                </a:pPr>
-                <a:r>
-                  <a:rPr lang="en-US" dirty="0"/>
-                  <a:t>Where   </a:t>
-                </a:r>
-                <a14:m>
-                  <m:oMath xmlns:m="http://schemas.openxmlformats.org/officeDocument/2006/math">
-                    <m:acc>
-                      <m:accPr>
-                        <m:chr m:val="̅"/>
-                        <m:ctrlPr>
-                          <a:rPr lang="en-US" i="1" smtClean="0">
-                            <a:latin typeface="Cambria Math" panose="02040503050406030204" pitchFamily="18" charset="0"/>
-                          </a:rPr>
-                        </m:ctrlPr>
-                      </m:accPr>
-                      <m:e>
-                        <m:r>
-                          <a:rPr lang="en-IN" b="0" i="1" smtClean="0">
-                            <a:latin typeface="Cambria Math" panose="02040503050406030204" pitchFamily="18" charset="0"/>
-                          </a:rPr>
-                          <m:t>𝑥</m:t>
-                        </m:r>
-                      </m:e>
-                    </m:acc>
-                  </m:oMath>
-                </a14:m>
-                <a:r>
-                  <a:rPr lang="en-US" dirty="0"/>
-                  <a:t>   = the mean, Mo = the mode and s = the standard deviation for the sample.</a:t>
-                </a:r>
-              </a:p>
-              <a:p>
-                <a:pPr marL="0" indent="0">
-                  <a:buNone/>
-                </a:pPr>
-                <a:endParaRPr lang="en-US" dirty="0"/>
-              </a:p>
-              <a:p>
-                <a:pPr marL="0" indent="0">
-                  <a:buNone/>
-                </a:pPr>
-                <a:endParaRPr lang="en-US" dirty="0"/>
-              </a:p>
-              <a:p>
-                <a:pPr marL="0" indent="0">
-                  <a:buNone/>
-                </a:pPr>
-                <a:r>
-                  <a:rPr lang="en-US" dirty="0"/>
-                  <a:t>Where </a:t>
-                </a:r>
-                <a14:m>
-                  <m:oMath xmlns:m="http://schemas.openxmlformats.org/officeDocument/2006/math">
-                    <m:acc>
-                      <m:accPr>
-                        <m:chr m:val="̅"/>
-                        <m:ctrlPr>
-                          <a:rPr lang="en-US" i="1">
-                            <a:latin typeface="Cambria Math" panose="02040503050406030204" pitchFamily="18" charset="0"/>
-                          </a:rPr>
-                        </m:ctrlPr>
-                      </m:accPr>
-                      <m:e>
-                        <m:r>
-                          <a:rPr lang="en-IN" i="1">
-                            <a:latin typeface="Cambria Math" panose="02040503050406030204" pitchFamily="18" charset="0"/>
-                          </a:rPr>
-                          <m:t>𝑥</m:t>
-                        </m:r>
-                      </m:e>
-                    </m:acc>
-                  </m:oMath>
-                </a14:m>
-                <a:r>
-                  <a:rPr lang="en-US" dirty="0"/>
-                  <a:t>    = the mean, Mo = the mode and s = the standard deviation for the sample.</a:t>
-                </a:r>
-              </a:p>
-            </p:txBody>
-          </p:sp>
-        </mc:Choice>
-        <mc:Fallback>
-          <p:sp>
-            <p:nvSpPr>
-              <p:cNvPr id="4" name="Content Placeholder 3"/>
-              <p:cNvSpPr>
-                <a:spLocks noGrp="1" noRot="1" noChangeAspect="1" noMove="1" noResize="1" noEditPoints="1" noAdjustHandles="1" noChangeArrowheads="1" noChangeShapeType="1" noTextEdit="1"/>
-              </p:cNvSpPr>
-              <p:nvPr>
-                <p:ph idx="1"/>
-              </p:nvPr>
-            </p:nvSpPr>
-            <p:spPr>
-              <a:xfrm>
-                <a:off x="1286930" y="2559090"/>
-                <a:ext cx="9533470" cy="3460710"/>
-              </a:xfrm>
-              <a:blipFill>
-                <a:blip r:embed="rId3"/>
-                <a:stretch>
-                  <a:fillRect l="-831" t="-3697"/>
-                </a:stretch>
-              </a:blipFill>
-            </p:spPr>
-            <p:txBody>
-              <a:bodyPr/>
-              <a:lstStyle/>
-              <a:p>
-                <a:r>
-                  <a:rPr lang="en-IN">
-                    <a:noFill/>
-                  </a:rPr>
-                  <a:t> </a:t>
-                </a:r>
-              </a:p>
-            </p:txBody>
-          </p:sp>
-        </mc:Fallback>
-      </mc:AlternateContent>
-      <p:pic>
-        <p:nvPicPr>
-          <p:cNvPr id="8" name="Picture 7">
-            <a:extLst>
-              <a:ext uri="{FF2B5EF4-FFF2-40B4-BE49-F238E27FC236}">
-                <a16:creationId xmlns:a16="http://schemas.microsoft.com/office/drawing/2014/main" id="{16900056-9AB2-47F8-919B-3D142EB5E765}"/>
-              </a:ext>
-            </a:extLst>
-          </p:cNvPr>
-          <p:cNvPicPr>
-            <a:picLocks noChangeAspect="1"/>
-          </p:cNvPicPr>
-          <p:nvPr/>
-        </p:nvPicPr>
-        <p:blipFill>
-          <a:blip r:embed="rId4"/>
-          <a:stretch>
-            <a:fillRect/>
-          </a:stretch>
-        </p:blipFill>
-        <p:spPr>
-          <a:xfrm>
-            <a:off x="4409822" y="2776537"/>
-            <a:ext cx="1905000" cy="926757"/>
-          </a:xfrm>
-          <a:prstGeom prst="rect">
-            <a:avLst/>
-          </a:prstGeom>
-        </p:spPr>
-      </p:pic>
-      <p:pic>
-        <p:nvPicPr>
-          <p:cNvPr id="9" name="Picture 8">
-            <a:extLst>
-              <a:ext uri="{FF2B5EF4-FFF2-40B4-BE49-F238E27FC236}">
-                <a16:creationId xmlns:a16="http://schemas.microsoft.com/office/drawing/2014/main" id="{15775F23-ABFB-4B88-B223-A02CAC480776}"/>
-              </a:ext>
-            </a:extLst>
-          </p:cNvPr>
-          <p:cNvPicPr>
-            <a:picLocks noChangeAspect="1"/>
-          </p:cNvPicPr>
-          <p:nvPr/>
-        </p:nvPicPr>
-        <p:blipFill>
-          <a:blip r:embed="rId5"/>
-          <a:stretch>
-            <a:fillRect/>
-          </a:stretch>
-        </p:blipFill>
-        <p:spPr>
-          <a:xfrm>
-            <a:off x="4562223" y="4529137"/>
-            <a:ext cx="1990977" cy="804863"/>
-          </a:xfrm>
-          <a:prstGeom prst="rect">
-            <a:avLst/>
-          </a:prstGeom>
-        </p:spPr>
-      </p:pic>
-      <p:pic>
-        <p:nvPicPr>
-          <p:cNvPr id="3" name="Picture 2" descr="A close up of a logo&#10;&#10;Description automatically generated">
-            <a:extLst>
-              <a:ext uri="{FF2B5EF4-FFF2-40B4-BE49-F238E27FC236}">
-                <a16:creationId xmlns:a16="http://schemas.microsoft.com/office/drawing/2014/main" id="{70AA75BC-639C-4C38-8579-61E0CF9F318A}"/>
-              </a:ext>
-            </a:extLst>
-          </p:cNvPr>
-          <p:cNvPicPr>
-            <a:picLocks noChangeAspect="1"/>
-          </p:cNvPicPr>
-          <p:nvPr/>
-        </p:nvPicPr>
-        <p:blipFill>
-          <a:blip r:embed="rId6" cstate="print">
-            <a:extLst>
-              <a:ext uri="{28A0092B-C50C-407E-A947-70E740481C1C}">
-                <a14:useLocalDpi xmlns:a14="http://schemas.microsoft.com/office/drawing/2010/main" val="0"/>
-              </a:ext>
-            </a:extLst>
-          </a:blip>
-          <a:stretch>
-            <a:fillRect/>
-          </a:stretch>
-        </p:blipFill>
-        <p:spPr>
-          <a:xfrm>
-            <a:off x="5287948" y="6600642"/>
-            <a:ext cx="1616104" cy="230901"/>
-          </a:xfrm>
-          <a:prstGeom prst="rect">
-            <a:avLst/>
-          </a:prstGeom>
-        </p:spPr>
-      </p:pic>
-    </p:spTree>
-    <p:extLst>
-      <p:ext uri="{BB962C8B-B14F-4D97-AF65-F5344CB8AC3E}">
-        <p14:creationId xmlns:p14="http://schemas.microsoft.com/office/powerpoint/2010/main" val="2346013727"/>
-      </p:ext>
-    </p:extLst>
-  </p:cSld>
-  <p:clrMapOvr>
-    <a:masterClrMapping/>
-  </p:clrMapOvr>
-</p:sld>
-</file>
-
-<file path=ppt/slides/slide42.xml><?xml version="1.0" encoding="utf-8"?>
-<p:sld xmlns:a="http://schemas.openxmlformats.org/drawingml/2006/main" xmlns:r="http://schemas.openxmlformats.org/officeDocument/2006/relationships" xmlns:p="http://schemas.openxmlformats.org/presentationml/2006/main">
-  <p:cSld>
-    <p:bg>
-      <p:bgPr>
-        <a:solidFill>
-          <a:schemeClr val="bg1"/>
-        </a:solidFill>
-        <a:effectLst/>
-      </p:bgPr>
-    </p:bg>
-    <p:spTree>
-      <p:nvGrpSpPr>
-        <p:cNvPr id="1" name=""/>
-        <p:cNvGrpSpPr/>
-        <p:nvPr/>
-      </p:nvGrpSpPr>
-      <p:grpSpPr>
-        <a:xfrm>
-          <a:off x="0" y="0"/>
-          <a:ext cx="0" cy="0"/>
-          <a:chOff x="0" y="0"/>
-          <a:chExt cx="0" cy="0"/>
-        </a:xfrm>
-      </p:grpSpPr>
-      <p:sp>
-        <p:nvSpPr>
-          <p:cNvPr id="10" name="Rectangle 9">
-            <a:extLst>
-              <a:ext uri="{FF2B5EF4-FFF2-40B4-BE49-F238E27FC236}">
-                <a16:creationId xmlns:a16="http://schemas.microsoft.com/office/drawing/2014/main" id="{867D4867-5BA7-4462-B2F6-A23F4A622AA7}"/>
-              </a:ext>
-              <a:ext uri="{C183D7F6-B498-43B3-948B-1728B52AA6E4}">
-                <adec:decorative xmlns:adec="http://schemas.microsoft.com/office/drawing/2017/decorative" val="1"/>
-              </a:ext>
-            </a:extLst>
-          </p:cNvPr>
-          <p:cNvSpPr>
-            <a:spLocks noGrp="1" noRot="1" noChangeAspect="1" noMove="1" noResize="1" noEditPoints="1" noAdjustHandles="1" noChangeArrowheads="1" noChangeShapeType="1" noTextEdit="1"/>
-          </p:cNvSpPr>
-          <p:nvPr>
-            <p:extLst>
-              <p:ext uri="{386F3935-93C4-4BCD-93E2-E3B085C9AB24}">
-                <p16:designElem xmlns:p16="http://schemas.microsoft.com/office/powerpoint/2015/main" val="1"/>
-              </p:ext>
-            </p:extLst>
-          </p:nvPr>
-        </p:nvSpPr>
-        <p:spPr>
-          <a:xfrm>
-            <a:off x="0" y="0"/>
-            <a:ext cx="4654296" cy="6858000"/>
-          </a:xfrm>
-          <a:prstGeom prst="rect">
-            <a:avLst/>
-          </a:prstGeom>
-          <a:solidFill>
-            <a:schemeClr val="tx1">
-              <a:lumMod val="75000"/>
-              <a:lumOff val="25000"/>
-            </a:schemeClr>
-          </a:solidFill>
-          <a:ln>
-            <a:noFill/>
-          </a:ln>
-        </p:spPr>
-        <p:style>
-          <a:lnRef idx="0">
-            <a:scrgbClr r="0" g="0" b="0"/>
-          </a:lnRef>
-          <a:fillRef idx="0">
-            <a:scrgbClr r="0" g="0" b="0"/>
-          </a:fillRef>
-          <a:effectRef idx="0">
-            <a:scrgbClr r="0" g="0" b="0"/>
-          </a:effectRef>
-          <a:fontRef idx="minor">
-            <a:schemeClr val="lt1"/>
-          </a:fontRef>
-        </p:style>
-        <p:txBody>
-          <a:bodyPr rtlCol="0" anchor="ctr"/>
-          <a:lstStyle/>
-          <a:p>
-            <a:pPr algn="ctr"/>
-            <a:endParaRPr lang="en-US"/>
-          </a:p>
-        </p:txBody>
-      </p:sp>
-      <p:sp>
-        <p:nvSpPr>
-          <p:cNvPr id="2" name="Title 1"/>
-          <p:cNvSpPr>
-            <a:spLocks noGrp="1"/>
-          </p:cNvSpPr>
-          <p:nvPr>
-            <p:ph type="title"/>
-          </p:nvPr>
-        </p:nvSpPr>
-        <p:spPr>
-          <a:xfrm>
-            <a:off x="643467" y="643467"/>
-            <a:ext cx="3363974" cy="1597315"/>
-          </a:xfrm>
-          <a:noFill/>
-          <a:ln w="19050">
-            <a:solidFill>
-              <a:schemeClr val="bg1"/>
-            </a:solidFill>
-          </a:ln>
-        </p:spPr>
-        <p:txBody>
-          <a:bodyPr vert="horz" wrap="square" lIns="91440" tIns="45720" rIns="91440" bIns="45720" rtlCol="0" anchor="ctr">
-            <a:normAutofit/>
-          </a:bodyPr>
-          <a:lstStyle/>
-          <a:p>
-            <a:pPr algn="ctr"/>
-            <a:r>
-              <a:rPr lang="en-US" sz="2800" kern="1200">
-                <a:solidFill>
-                  <a:schemeClr val="bg1"/>
-                </a:solidFill>
-                <a:latin typeface="+mj-lt"/>
-                <a:ea typeface="+mj-ea"/>
-                <a:cs typeface="+mj-cs"/>
-              </a:rPr>
-              <a:t>Kurtosis</a:t>
-            </a:r>
-          </a:p>
-        </p:txBody>
-      </p:sp>
-      <p:sp>
-        <p:nvSpPr>
-          <p:cNvPr id="4" name="Content Placeholder 3"/>
-          <p:cNvSpPr>
-            <a:spLocks noGrp="1"/>
-          </p:cNvSpPr>
-          <p:nvPr>
-            <p:ph idx="1"/>
-          </p:nvPr>
-        </p:nvSpPr>
-        <p:spPr>
-          <a:xfrm>
-            <a:off x="643468" y="2638044"/>
-            <a:ext cx="3363974" cy="3415622"/>
-          </a:xfrm>
-        </p:spPr>
-        <p:txBody>
-          <a:bodyPr vert="horz" lIns="91440" tIns="45720" rIns="91440" bIns="45720" rtlCol="0">
-            <a:normAutofit/>
-          </a:bodyPr>
-          <a:lstStyle/>
-          <a:p>
-            <a:pPr marL="0" indent="0">
-              <a:buNone/>
-            </a:pPr>
-            <a:r>
-              <a:rPr lang="en-US" sz="2000" dirty="0">
-                <a:solidFill>
-                  <a:schemeClr val="bg1"/>
-                </a:solidFill>
-              </a:rPr>
-              <a:t>Kurtosis is </a:t>
-            </a:r>
-            <a:r>
-              <a:rPr lang="en-US" sz="2000" dirty="0" err="1">
-                <a:solidFill>
-                  <a:schemeClr val="bg1"/>
-                </a:solidFill>
-              </a:rPr>
-              <a:t>peakedness</a:t>
-            </a:r>
-            <a:r>
-              <a:rPr lang="en-US" sz="2000" dirty="0">
-                <a:solidFill>
-                  <a:schemeClr val="bg1"/>
-                </a:solidFill>
-              </a:rPr>
-              <a:t> of distribution.</a:t>
-            </a:r>
-          </a:p>
-          <a:p>
-            <a:pPr marL="0" indent="0">
-              <a:buNone/>
-            </a:pPr>
-            <a:endParaRPr lang="en-US" sz="2000" dirty="0">
-              <a:solidFill>
-                <a:schemeClr val="bg1"/>
-              </a:solidFill>
-            </a:endParaRPr>
-          </a:p>
-          <a:p>
-            <a:pPr marL="0" indent="0">
-              <a:buNone/>
-            </a:pPr>
-            <a:r>
-              <a:rPr lang="en-US" sz="2000" dirty="0">
-                <a:solidFill>
-                  <a:schemeClr val="bg1"/>
-                </a:solidFill>
-              </a:rPr>
-              <a:t>Based on distribution </a:t>
-            </a:r>
-          </a:p>
-        </p:txBody>
-      </p:sp>
-      <p:pic>
-        <p:nvPicPr>
-          <p:cNvPr id="5" name="Picture 4"/>
+          <p:cNvPr id="8" name="Content Placeholder 4"/>
           <p:cNvPicPr>
             <a:picLocks noChangeAspect="1"/>
           </p:cNvPicPr>
@@ -42087,8 +41813,8 @@
         </p:blipFill>
         <p:spPr>
           <a:xfrm>
-            <a:off x="5297763" y="1398327"/>
-            <a:ext cx="6250769" cy="3900479"/>
+            <a:off x="2438400" y="3088758"/>
+            <a:ext cx="6691698" cy="2466647"/>
           </a:xfrm>
           <a:prstGeom prst="rect">
             <a:avLst/>
@@ -42100,7 +41826,7 @@
           <p:cNvPr id="3" name="Picture 2" descr="A close up of a logo&#10;&#10;Description automatically generated">
             <a:extLst>
               <a:ext uri="{FF2B5EF4-FFF2-40B4-BE49-F238E27FC236}">
-                <a16:creationId xmlns:a16="http://schemas.microsoft.com/office/drawing/2014/main" id="{CD8CA333-BD2E-4659-8EB8-1EBCEFCB1C37}"/>
+                <a16:creationId xmlns:a16="http://schemas.microsoft.com/office/drawing/2014/main" id="{C0536587-2289-44BA-93BE-FC334EDF4E36}"/>
               </a:ext>
             </a:extLst>
           </p:cNvPr>
@@ -42134,7 +41860,7 @@
     </p:spTree>
     <p:extLst>
       <p:ext uri="{BB962C8B-B14F-4D97-AF65-F5344CB8AC3E}">
-        <p14:creationId xmlns:p14="http://schemas.microsoft.com/office/powerpoint/2010/main" val="1821438981"/>
+        <p14:creationId xmlns:p14="http://schemas.microsoft.com/office/powerpoint/2010/main" val="1145902117"/>
       </p:ext>
     </p:extLst>
   </p:cSld>
@@ -42144,7 +41870,7 @@
 </p:sld>
 </file>
 
-<file path=ppt/slides/slide43.xml><?xml version="1.0" encoding="utf-8"?>
+<file path=ppt/slides/slide42.xml><?xml version="1.0" encoding="utf-8"?>
 <p:sld xmlns:a="http://schemas.openxmlformats.org/drawingml/2006/main" xmlns:r="http://schemas.openxmlformats.org/officeDocument/2006/relationships" xmlns:p="http://schemas.openxmlformats.org/presentationml/2006/main">
   <p:cSld>
     <p:bg>
@@ -42447,7 +42173,7 @@
 </p:sld>
 </file>
 
-<file path=ppt/slides/slide44.xml><?xml version="1.0" encoding="utf-8"?>
+<file path=ppt/slides/slide43.xml><?xml version="1.0" encoding="utf-8"?>
 <p:sld xmlns:a="http://schemas.openxmlformats.org/drawingml/2006/main" xmlns:r="http://schemas.openxmlformats.org/officeDocument/2006/relationships" xmlns:p="http://schemas.openxmlformats.org/presentationml/2006/main">
   <p:cSld>
     <p:bg>
